--- a/playground/dashboard/COVID.pptx
+++ b/playground/dashboard/COVID.pptx
@@ -7,8 +7,9 @@
   <p:sldIdLst>
     <p:sldId id="364" r:id="rId2"/>
     <p:sldId id="366" r:id="rId3"/>
-    <p:sldId id="365" r:id="rId4"/>
-    <p:sldId id="368" r:id="rId5"/>
+    <p:sldId id="369" r:id="rId4"/>
+    <p:sldId id="365" r:id="rId5"/>
+    <p:sldId id="368" r:id="rId6"/>
   </p:sldIdLst>
   <p:sldSz cx="12192000" cy="6858000"/>
   <p:notesSz cx="6858000" cy="9144000"/>
@@ -109,7 +110,7 @@
   </p:defaultTextStyle>
   <p:extLst>
     <p:ext uri="{EFAFB233-063F-42B5-8137-9DF3F51BA10A}">
-      <p15:sldGuideLst xmlns:p15="http://schemas.microsoft.com/office/powerpoint/2012/main"/>
+      <p15:sldGuideLst xmlns:p15="http://schemas.microsoft.com/office/powerpoint/2012/main" xmlns=""/>
     </p:ext>
   </p:extLst>
 </p:presentation>
@@ -137,7 +138,7 @@
           <p:cNvPr id="2" name="Título 1">
             <a:extLst>
               <a:ext uri="{FF2B5EF4-FFF2-40B4-BE49-F238E27FC236}">
-                <a16:creationId xmlns:a16="http://schemas.microsoft.com/office/drawing/2014/main" id="{FEBB6049-606E-40C7-8CB8-48EF4A7F5799}"/>
+                <a16:creationId xmlns:a16="http://schemas.microsoft.com/office/drawing/2014/main" xmlns="" id="{FEBB6049-606E-40C7-8CB8-48EF4A7F5799}"/>
               </a:ext>
             </a:extLst>
           </p:cNvPr>
@@ -174,7 +175,7 @@
           <p:cNvPr id="3" name="Subtítulo 2">
             <a:extLst>
               <a:ext uri="{FF2B5EF4-FFF2-40B4-BE49-F238E27FC236}">
-                <a16:creationId xmlns:a16="http://schemas.microsoft.com/office/drawing/2014/main" id="{88140F0D-061B-49F2-8915-808572292E9E}"/>
+                <a16:creationId xmlns:a16="http://schemas.microsoft.com/office/drawing/2014/main" xmlns="" id="{88140F0D-061B-49F2-8915-808572292E9E}"/>
               </a:ext>
             </a:extLst>
           </p:cNvPr>
@@ -244,7 +245,7 @@
           <p:cNvPr id="4" name="Espaço Reservado para Data 3">
             <a:extLst>
               <a:ext uri="{FF2B5EF4-FFF2-40B4-BE49-F238E27FC236}">
-                <a16:creationId xmlns:a16="http://schemas.microsoft.com/office/drawing/2014/main" id="{FB8D25EA-C1C4-45D9-880C-4C78DD1A76F3}"/>
+                <a16:creationId xmlns:a16="http://schemas.microsoft.com/office/drawing/2014/main" xmlns="" id="{FB8D25EA-C1C4-45D9-880C-4C78DD1A76F3}"/>
               </a:ext>
             </a:extLst>
           </p:cNvPr>
@@ -262,7 +263,7 @@
           <a:p>
             <a:fld id="{EAA351E1-95A5-4477-87EB-C062A6424DDA}" type="datetimeFigureOut">
               <a:rPr lang="pt-BR" smtClean="0"/>
-              <a:t>20/11/2022</a:t>
+              <a:t>25/11/2022</a:t>
             </a:fld>
             <a:endParaRPr lang="pt-BR"/>
           </a:p>
@@ -273,7 +274,7 @@
           <p:cNvPr id="5" name="Espaço Reservado para Rodapé 4">
             <a:extLst>
               <a:ext uri="{FF2B5EF4-FFF2-40B4-BE49-F238E27FC236}">
-                <a16:creationId xmlns:a16="http://schemas.microsoft.com/office/drawing/2014/main" id="{FDC1E0CD-0677-42D9-BF9D-B77BA2FEE721}"/>
+                <a16:creationId xmlns:a16="http://schemas.microsoft.com/office/drawing/2014/main" xmlns="" id="{FDC1E0CD-0677-42D9-BF9D-B77BA2FEE721}"/>
               </a:ext>
             </a:extLst>
           </p:cNvPr>
@@ -298,7 +299,7 @@
           <p:cNvPr id="6" name="Espaço Reservado para Número de Slide 5">
             <a:extLst>
               <a:ext uri="{FF2B5EF4-FFF2-40B4-BE49-F238E27FC236}">
-                <a16:creationId xmlns:a16="http://schemas.microsoft.com/office/drawing/2014/main" id="{5436E69B-6CA6-4570-ADA1-624C0B670A19}"/>
+                <a16:creationId xmlns:a16="http://schemas.microsoft.com/office/drawing/2014/main" xmlns="" id="{5436E69B-6CA6-4570-ADA1-624C0B670A19}"/>
               </a:ext>
             </a:extLst>
           </p:cNvPr>
@@ -357,7 +358,7 @@
           <p:cNvPr id="2" name="Título 1">
             <a:extLst>
               <a:ext uri="{FF2B5EF4-FFF2-40B4-BE49-F238E27FC236}">
-                <a16:creationId xmlns:a16="http://schemas.microsoft.com/office/drawing/2014/main" id="{4BDAA7B5-3ECF-41CF-8831-AFE2E2698D50}"/>
+                <a16:creationId xmlns:a16="http://schemas.microsoft.com/office/drawing/2014/main" xmlns="" id="{4BDAA7B5-3ECF-41CF-8831-AFE2E2698D50}"/>
               </a:ext>
             </a:extLst>
           </p:cNvPr>
@@ -385,7 +386,7 @@
           <p:cNvPr id="3" name="Espaço Reservado para Texto Vertical 2">
             <a:extLst>
               <a:ext uri="{FF2B5EF4-FFF2-40B4-BE49-F238E27FC236}">
-                <a16:creationId xmlns:a16="http://schemas.microsoft.com/office/drawing/2014/main" id="{EF13E7A4-4DF7-40D0-92C6-D38F7B342319}"/>
+                <a16:creationId xmlns:a16="http://schemas.microsoft.com/office/drawing/2014/main" xmlns="" id="{EF13E7A4-4DF7-40D0-92C6-D38F7B342319}"/>
               </a:ext>
             </a:extLst>
           </p:cNvPr>
@@ -442,7 +443,7 @@
           <p:cNvPr id="4" name="Espaço Reservado para Data 3">
             <a:extLst>
               <a:ext uri="{FF2B5EF4-FFF2-40B4-BE49-F238E27FC236}">
-                <a16:creationId xmlns:a16="http://schemas.microsoft.com/office/drawing/2014/main" id="{26F1022F-1DC8-4724-B6C3-44B25336080E}"/>
+                <a16:creationId xmlns:a16="http://schemas.microsoft.com/office/drawing/2014/main" xmlns="" id="{26F1022F-1DC8-4724-B6C3-44B25336080E}"/>
               </a:ext>
             </a:extLst>
           </p:cNvPr>
@@ -460,7 +461,7 @@
           <a:p>
             <a:fld id="{EAA351E1-95A5-4477-87EB-C062A6424DDA}" type="datetimeFigureOut">
               <a:rPr lang="pt-BR" smtClean="0"/>
-              <a:t>20/11/2022</a:t>
+              <a:t>25/11/2022</a:t>
             </a:fld>
             <a:endParaRPr lang="pt-BR"/>
           </a:p>
@@ -471,7 +472,7 @@
           <p:cNvPr id="5" name="Espaço Reservado para Rodapé 4">
             <a:extLst>
               <a:ext uri="{FF2B5EF4-FFF2-40B4-BE49-F238E27FC236}">
-                <a16:creationId xmlns:a16="http://schemas.microsoft.com/office/drawing/2014/main" id="{572E360E-8B05-42C2-A962-D23E963F9A4E}"/>
+                <a16:creationId xmlns:a16="http://schemas.microsoft.com/office/drawing/2014/main" xmlns="" id="{572E360E-8B05-42C2-A962-D23E963F9A4E}"/>
               </a:ext>
             </a:extLst>
           </p:cNvPr>
@@ -496,7 +497,7 @@
           <p:cNvPr id="6" name="Espaço Reservado para Número de Slide 5">
             <a:extLst>
               <a:ext uri="{FF2B5EF4-FFF2-40B4-BE49-F238E27FC236}">
-                <a16:creationId xmlns:a16="http://schemas.microsoft.com/office/drawing/2014/main" id="{B1363B15-2C5E-44C3-B49D-0ED15F8ACC8B}"/>
+                <a16:creationId xmlns:a16="http://schemas.microsoft.com/office/drawing/2014/main" xmlns="" id="{B1363B15-2C5E-44C3-B49D-0ED15F8ACC8B}"/>
               </a:ext>
             </a:extLst>
           </p:cNvPr>
@@ -555,7 +556,7 @@
           <p:cNvPr id="2" name="Título Vertical 1">
             <a:extLst>
               <a:ext uri="{FF2B5EF4-FFF2-40B4-BE49-F238E27FC236}">
-                <a16:creationId xmlns:a16="http://schemas.microsoft.com/office/drawing/2014/main" id="{22B3E160-5179-464A-ACDF-3C13B783461C}"/>
+                <a16:creationId xmlns:a16="http://schemas.microsoft.com/office/drawing/2014/main" xmlns="" id="{22B3E160-5179-464A-ACDF-3C13B783461C}"/>
               </a:ext>
             </a:extLst>
           </p:cNvPr>
@@ -588,7 +589,7 @@
           <p:cNvPr id="3" name="Espaço Reservado para Texto Vertical 2">
             <a:extLst>
               <a:ext uri="{FF2B5EF4-FFF2-40B4-BE49-F238E27FC236}">
-                <a16:creationId xmlns:a16="http://schemas.microsoft.com/office/drawing/2014/main" id="{299787F5-63F9-4703-A080-E585B8909108}"/>
+                <a16:creationId xmlns:a16="http://schemas.microsoft.com/office/drawing/2014/main" xmlns="" id="{299787F5-63F9-4703-A080-E585B8909108}"/>
               </a:ext>
             </a:extLst>
           </p:cNvPr>
@@ -650,7 +651,7 @@
           <p:cNvPr id="4" name="Espaço Reservado para Data 3">
             <a:extLst>
               <a:ext uri="{FF2B5EF4-FFF2-40B4-BE49-F238E27FC236}">
-                <a16:creationId xmlns:a16="http://schemas.microsoft.com/office/drawing/2014/main" id="{8F2E3831-9B56-4912-8A0E-87E578A30F44}"/>
+                <a16:creationId xmlns:a16="http://schemas.microsoft.com/office/drawing/2014/main" xmlns="" id="{8F2E3831-9B56-4912-8A0E-87E578A30F44}"/>
               </a:ext>
             </a:extLst>
           </p:cNvPr>
@@ -668,7 +669,7 @@
           <a:p>
             <a:fld id="{EAA351E1-95A5-4477-87EB-C062A6424DDA}" type="datetimeFigureOut">
               <a:rPr lang="pt-BR" smtClean="0"/>
-              <a:t>20/11/2022</a:t>
+              <a:t>25/11/2022</a:t>
             </a:fld>
             <a:endParaRPr lang="pt-BR"/>
           </a:p>
@@ -679,7 +680,7 @@
           <p:cNvPr id="5" name="Espaço Reservado para Rodapé 4">
             <a:extLst>
               <a:ext uri="{FF2B5EF4-FFF2-40B4-BE49-F238E27FC236}">
-                <a16:creationId xmlns:a16="http://schemas.microsoft.com/office/drawing/2014/main" id="{4597230D-55BE-4ACB-ACEE-A800FA01AED3}"/>
+                <a16:creationId xmlns:a16="http://schemas.microsoft.com/office/drawing/2014/main" xmlns="" id="{4597230D-55BE-4ACB-ACEE-A800FA01AED3}"/>
               </a:ext>
             </a:extLst>
           </p:cNvPr>
@@ -704,7 +705,7 @@
           <p:cNvPr id="6" name="Espaço Reservado para Número de Slide 5">
             <a:extLst>
               <a:ext uri="{FF2B5EF4-FFF2-40B4-BE49-F238E27FC236}">
-                <a16:creationId xmlns:a16="http://schemas.microsoft.com/office/drawing/2014/main" id="{297641F5-4EA9-479C-A586-711CD3C9A8E5}"/>
+                <a16:creationId xmlns:a16="http://schemas.microsoft.com/office/drawing/2014/main" xmlns="" id="{297641F5-4EA9-479C-A586-711CD3C9A8E5}"/>
               </a:ext>
             </a:extLst>
           </p:cNvPr>
@@ -763,7 +764,7 @@
           <p:cNvPr id="2" name="Título 1">
             <a:extLst>
               <a:ext uri="{FF2B5EF4-FFF2-40B4-BE49-F238E27FC236}">
-                <a16:creationId xmlns:a16="http://schemas.microsoft.com/office/drawing/2014/main" id="{C9E8F596-43C3-431C-B09C-5F4F957A40E3}"/>
+                <a16:creationId xmlns:a16="http://schemas.microsoft.com/office/drawing/2014/main" xmlns="" id="{C9E8F596-43C3-431C-B09C-5F4F957A40E3}"/>
               </a:ext>
             </a:extLst>
           </p:cNvPr>
@@ -791,7 +792,7 @@
           <p:cNvPr id="3" name="Espaço Reservado para Conteúdo 2">
             <a:extLst>
               <a:ext uri="{FF2B5EF4-FFF2-40B4-BE49-F238E27FC236}">
-                <a16:creationId xmlns:a16="http://schemas.microsoft.com/office/drawing/2014/main" id="{D314B226-C98A-4064-8959-A47872CA8532}"/>
+                <a16:creationId xmlns:a16="http://schemas.microsoft.com/office/drawing/2014/main" xmlns="" id="{D314B226-C98A-4064-8959-A47872CA8532}"/>
               </a:ext>
             </a:extLst>
           </p:cNvPr>
@@ -848,7 +849,7 @@
           <p:cNvPr id="4" name="Espaço Reservado para Data 3">
             <a:extLst>
               <a:ext uri="{FF2B5EF4-FFF2-40B4-BE49-F238E27FC236}">
-                <a16:creationId xmlns:a16="http://schemas.microsoft.com/office/drawing/2014/main" id="{47D38483-4840-4ACF-AAB5-1CE5A7649924}"/>
+                <a16:creationId xmlns:a16="http://schemas.microsoft.com/office/drawing/2014/main" xmlns="" id="{47D38483-4840-4ACF-AAB5-1CE5A7649924}"/>
               </a:ext>
             </a:extLst>
           </p:cNvPr>
@@ -866,7 +867,7 @@
           <a:p>
             <a:fld id="{EAA351E1-95A5-4477-87EB-C062A6424DDA}" type="datetimeFigureOut">
               <a:rPr lang="pt-BR" smtClean="0"/>
-              <a:t>20/11/2022</a:t>
+              <a:t>25/11/2022</a:t>
             </a:fld>
             <a:endParaRPr lang="pt-BR"/>
           </a:p>
@@ -877,7 +878,7 @@
           <p:cNvPr id="5" name="Espaço Reservado para Rodapé 4">
             <a:extLst>
               <a:ext uri="{FF2B5EF4-FFF2-40B4-BE49-F238E27FC236}">
-                <a16:creationId xmlns:a16="http://schemas.microsoft.com/office/drawing/2014/main" id="{B30421F5-C625-4364-9F30-C31A05E93742}"/>
+                <a16:creationId xmlns:a16="http://schemas.microsoft.com/office/drawing/2014/main" xmlns="" id="{B30421F5-C625-4364-9F30-C31A05E93742}"/>
               </a:ext>
             </a:extLst>
           </p:cNvPr>
@@ -902,7 +903,7 @@
           <p:cNvPr id="6" name="Espaço Reservado para Número de Slide 5">
             <a:extLst>
               <a:ext uri="{FF2B5EF4-FFF2-40B4-BE49-F238E27FC236}">
-                <a16:creationId xmlns:a16="http://schemas.microsoft.com/office/drawing/2014/main" id="{38589AED-57C0-45E9-82E2-8269DDAE0E6D}"/>
+                <a16:creationId xmlns:a16="http://schemas.microsoft.com/office/drawing/2014/main" xmlns="" id="{38589AED-57C0-45E9-82E2-8269DDAE0E6D}"/>
               </a:ext>
             </a:extLst>
           </p:cNvPr>
@@ -961,7 +962,7 @@
           <p:cNvPr id="2" name="Título 1">
             <a:extLst>
               <a:ext uri="{FF2B5EF4-FFF2-40B4-BE49-F238E27FC236}">
-                <a16:creationId xmlns:a16="http://schemas.microsoft.com/office/drawing/2014/main" id="{ABCB2509-17AB-47B5-AFF6-75DA9954CD3B}"/>
+                <a16:creationId xmlns:a16="http://schemas.microsoft.com/office/drawing/2014/main" xmlns="" id="{ABCB2509-17AB-47B5-AFF6-75DA9954CD3B}"/>
               </a:ext>
             </a:extLst>
           </p:cNvPr>
@@ -998,7 +999,7 @@
           <p:cNvPr id="3" name="Espaço Reservado para Texto 2">
             <a:extLst>
               <a:ext uri="{FF2B5EF4-FFF2-40B4-BE49-F238E27FC236}">
-                <a16:creationId xmlns:a16="http://schemas.microsoft.com/office/drawing/2014/main" id="{2EC6440E-AD6B-4697-9E36-A46ABE3BE800}"/>
+                <a16:creationId xmlns:a16="http://schemas.microsoft.com/office/drawing/2014/main" xmlns="" id="{2EC6440E-AD6B-4697-9E36-A46ABE3BE800}"/>
               </a:ext>
             </a:extLst>
           </p:cNvPr>
@@ -1123,7 +1124,7 @@
           <p:cNvPr id="4" name="Espaço Reservado para Data 3">
             <a:extLst>
               <a:ext uri="{FF2B5EF4-FFF2-40B4-BE49-F238E27FC236}">
-                <a16:creationId xmlns:a16="http://schemas.microsoft.com/office/drawing/2014/main" id="{1A17C7C3-3030-482A-A885-E3F210AB7CD2}"/>
+                <a16:creationId xmlns:a16="http://schemas.microsoft.com/office/drawing/2014/main" xmlns="" id="{1A17C7C3-3030-482A-A885-E3F210AB7CD2}"/>
               </a:ext>
             </a:extLst>
           </p:cNvPr>
@@ -1141,7 +1142,7 @@
           <a:p>
             <a:fld id="{EAA351E1-95A5-4477-87EB-C062A6424DDA}" type="datetimeFigureOut">
               <a:rPr lang="pt-BR" smtClean="0"/>
-              <a:t>20/11/2022</a:t>
+              <a:t>25/11/2022</a:t>
             </a:fld>
             <a:endParaRPr lang="pt-BR"/>
           </a:p>
@@ -1152,7 +1153,7 @@
           <p:cNvPr id="5" name="Espaço Reservado para Rodapé 4">
             <a:extLst>
               <a:ext uri="{FF2B5EF4-FFF2-40B4-BE49-F238E27FC236}">
-                <a16:creationId xmlns:a16="http://schemas.microsoft.com/office/drawing/2014/main" id="{1022AFE6-24E1-4BC3-BB91-3C7BE566089A}"/>
+                <a16:creationId xmlns:a16="http://schemas.microsoft.com/office/drawing/2014/main" xmlns="" id="{1022AFE6-24E1-4BC3-BB91-3C7BE566089A}"/>
               </a:ext>
             </a:extLst>
           </p:cNvPr>
@@ -1177,7 +1178,7 @@
           <p:cNvPr id="6" name="Espaço Reservado para Número de Slide 5">
             <a:extLst>
               <a:ext uri="{FF2B5EF4-FFF2-40B4-BE49-F238E27FC236}">
-                <a16:creationId xmlns:a16="http://schemas.microsoft.com/office/drawing/2014/main" id="{8F6BD3AC-0AAA-47A5-8027-E11AD5972272}"/>
+                <a16:creationId xmlns:a16="http://schemas.microsoft.com/office/drawing/2014/main" xmlns="" id="{8F6BD3AC-0AAA-47A5-8027-E11AD5972272}"/>
               </a:ext>
             </a:extLst>
           </p:cNvPr>
@@ -1236,7 +1237,7 @@
           <p:cNvPr id="2" name="Título 1">
             <a:extLst>
               <a:ext uri="{FF2B5EF4-FFF2-40B4-BE49-F238E27FC236}">
-                <a16:creationId xmlns:a16="http://schemas.microsoft.com/office/drawing/2014/main" id="{F1D12339-A385-4BA2-912C-E2ED34715EEB}"/>
+                <a16:creationId xmlns:a16="http://schemas.microsoft.com/office/drawing/2014/main" xmlns="" id="{F1D12339-A385-4BA2-912C-E2ED34715EEB}"/>
               </a:ext>
             </a:extLst>
           </p:cNvPr>
@@ -1264,7 +1265,7 @@
           <p:cNvPr id="3" name="Espaço Reservado para Conteúdo 2">
             <a:extLst>
               <a:ext uri="{FF2B5EF4-FFF2-40B4-BE49-F238E27FC236}">
-                <a16:creationId xmlns:a16="http://schemas.microsoft.com/office/drawing/2014/main" id="{5F5F80BB-CD35-40AC-B88B-2BC1CAB8133A}"/>
+                <a16:creationId xmlns:a16="http://schemas.microsoft.com/office/drawing/2014/main" xmlns="" id="{5F5F80BB-CD35-40AC-B88B-2BC1CAB8133A}"/>
               </a:ext>
             </a:extLst>
           </p:cNvPr>
@@ -1326,7 +1327,7 @@
           <p:cNvPr id="4" name="Espaço Reservado para Conteúdo 3">
             <a:extLst>
               <a:ext uri="{FF2B5EF4-FFF2-40B4-BE49-F238E27FC236}">
-                <a16:creationId xmlns:a16="http://schemas.microsoft.com/office/drawing/2014/main" id="{8D5C7217-8D15-43FD-B70A-6FF33A71278F}"/>
+                <a16:creationId xmlns:a16="http://schemas.microsoft.com/office/drawing/2014/main" xmlns="" id="{8D5C7217-8D15-43FD-B70A-6FF33A71278F}"/>
               </a:ext>
             </a:extLst>
           </p:cNvPr>
@@ -1388,7 +1389,7 @@
           <p:cNvPr id="5" name="Espaço Reservado para Data 4">
             <a:extLst>
               <a:ext uri="{FF2B5EF4-FFF2-40B4-BE49-F238E27FC236}">
-                <a16:creationId xmlns:a16="http://schemas.microsoft.com/office/drawing/2014/main" id="{3EC6F626-3B1B-4079-BF56-EA75EC88F448}"/>
+                <a16:creationId xmlns:a16="http://schemas.microsoft.com/office/drawing/2014/main" xmlns="" id="{3EC6F626-3B1B-4079-BF56-EA75EC88F448}"/>
               </a:ext>
             </a:extLst>
           </p:cNvPr>
@@ -1406,7 +1407,7 @@
           <a:p>
             <a:fld id="{EAA351E1-95A5-4477-87EB-C062A6424DDA}" type="datetimeFigureOut">
               <a:rPr lang="pt-BR" smtClean="0"/>
-              <a:t>20/11/2022</a:t>
+              <a:t>25/11/2022</a:t>
             </a:fld>
             <a:endParaRPr lang="pt-BR"/>
           </a:p>
@@ -1417,7 +1418,7 @@
           <p:cNvPr id="6" name="Espaço Reservado para Rodapé 5">
             <a:extLst>
               <a:ext uri="{FF2B5EF4-FFF2-40B4-BE49-F238E27FC236}">
-                <a16:creationId xmlns:a16="http://schemas.microsoft.com/office/drawing/2014/main" id="{54D439D4-D0C9-4836-8833-90C23812133F}"/>
+                <a16:creationId xmlns:a16="http://schemas.microsoft.com/office/drawing/2014/main" xmlns="" id="{54D439D4-D0C9-4836-8833-90C23812133F}"/>
               </a:ext>
             </a:extLst>
           </p:cNvPr>
@@ -1442,7 +1443,7 @@
           <p:cNvPr id="7" name="Espaço Reservado para Número de Slide 6">
             <a:extLst>
               <a:ext uri="{FF2B5EF4-FFF2-40B4-BE49-F238E27FC236}">
-                <a16:creationId xmlns:a16="http://schemas.microsoft.com/office/drawing/2014/main" id="{BEA3FA67-BB38-40E9-A085-AD79206A3579}"/>
+                <a16:creationId xmlns:a16="http://schemas.microsoft.com/office/drawing/2014/main" xmlns="" id="{BEA3FA67-BB38-40E9-A085-AD79206A3579}"/>
               </a:ext>
             </a:extLst>
           </p:cNvPr>
@@ -1501,7 +1502,7 @@
           <p:cNvPr id="2" name="Título 1">
             <a:extLst>
               <a:ext uri="{FF2B5EF4-FFF2-40B4-BE49-F238E27FC236}">
-                <a16:creationId xmlns:a16="http://schemas.microsoft.com/office/drawing/2014/main" id="{E9E0998D-9A4E-45C0-9794-88F6490A1E56}"/>
+                <a16:creationId xmlns:a16="http://schemas.microsoft.com/office/drawing/2014/main" xmlns="" id="{E9E0998D-9A4E-45C0-9794-88F6490A1E56}"/>
               </a:ext>
             </a:extLst>
           </p:cNvPr>
@@ -1534,7 +1535,7 @@
           <p:cNvPr id="3" name="Espaço Reservado para Texto 2">
             <a:extLst>
               <a:ext uri="{FF2B5EF4-FFF2-40B4-BE49-F238E27FC236}">
-                <a16:creationId xmlns:a16="http://schemas.microsoft.com/office/drawing/2014/main" id="{BB29A492-FC8D-4F77-8DA4-20FB352DFBAF}"/>
+                <a16:creationId xmlns:a16="http://schemas.microsoft.com/office/drawing/2014/main" xmlns="" id="{BB29A492-FC8D-4F77-8DA4-20FB352DFBAF}"/>
               </a:ext>
             </a:extLst>
           </p:cNvPr>
@@ -1605,7 +1606,7 @@
           <p:cNvPr id="4" name="Espaço Reservado para Conteúdo 3">
             <a:extLst>
               <a:ext uri="{FF2B5EF4-FFF2-40B4-BE49-F238E27FC236}">
-                <a16:creationId xmlns:a16="http://schemas.microsoft.com/office/drawing/2014/main" id="{F5247BF9-6241-45C9-94AB-8E5EA4051ECE}"/>
+                <a16:creationId xmlns:a16="http://schemas.microsoft.com/office/drawing/2014/main" xmlns="" id="{F5247BF9-6241-45C9-94AB-8E5EA4051ECE}"/>
               </a:ext>
             </a:extLst>
           </p:cNvPr>
@@ -1667,7 +1668,7 @@
           <p:cNvPr id="5" name="Espaço Reservado para Texto 4">
             <a:extLst>
               <a:ext uri="{FF2B5EF4-FFF2-40B4-BE49-F238E27FC236}">
-                <a16:creationId xmlns:a16="http://schemas.microsoft.com/office/drawing/2014/main" id="{62BAF7C1-339A-4FA6-850A-9C96E722AF92}"/>
+                <a16:creationId xmlns:a16="http://schemas.microsoft.com/office/drawing/2014/main" xmlns="" id="{62BAF7C1-339A-4FA6-850A-9C96E722AF92}"/>
               </a:ext>
             </a:extLst>
           </p:cNvPr>
@@ -1738,7 +1739,7 @@
           <p:cNvPr id="6" name="Espaço Reservado para Conteúdo 5">
             <a:extLst>
               <a:ext uri="{FF2B5EF4-FFF2-40B4-BE49-F238E27FC236}">
-                <a16:creationId xmlns:a16="http://schemas.microsoft.com/office/drawing/2014/main" id="{74B92B63-0393-4590-B18F-29011B851069}"/>
+                <a16:creationId xmlns:a16="http://schemas.microsoft.com/office/drawing/2014/main" xmlns="" id="{74B92B63-0393-4590-B18F-29011B851069}"/>
               </a:ext>
             </a:extLst>
           </p:cNvPr>
@@ -1800,7 +1801,7 @@
           <p:cNvPr id="7" name="Espaço Reservado para Data 6">
             <a:extLst>
               <a:ext uri="{FF2B5EF4-FFF2-40B4-BE49-F238E27FC236}">
-                <a16:creationId xmlns:a16="http://schemas.microsoft.com/office/drawing/2014/main" id="{AD309E0C-9690-4BD0-B2C4-DB202886C5BF}"/>
+                <a16:creationId xmlns:a16="http://schemas.microsoft.com/office/drawing/2014/main" xmlns="" id="{AD309E0C-9690-4BD0-B2C4-DB202886C5BF}"/>
               </a:ext>
             </a:extLst>
           </p:cNvPr>
@@ -1818,7 +1819,7 @@
           <a:p>
             <a:fld id="{EAA351E1-95A5-4477-87EB-C062A6424DDA}" type="datetimeFigureOut">
               <a:rPr lang="pt-BR" smtClean="0"/>
-              <a:t>20/11/2022</a:t>
+              <a:t>25/11/2022</a:t>
             </a:fld>
             <a:endParaRPr lang="pt-BR"/>
           </a:p>
@@ -1829,7 +1830,7 @@
           <p:cNvPr id="8" name="Espaço Reservado para Rodapé 7">
             <a:extLst>
               <a:ext uri="{FF2B5EF4-FFF2-40B4-BE49-F238E27FC236}">
-                <a16:creationId xmlns:a16="http://schemas.microsoft.com/office/drawing/2014/main" id="{07DF4F23-06F5-47F3-BB6C-BEE7C4663DB6}"/>
+                <a16:creationId xmlns:a16="http://schemas.microsoft.com/office/drawing/2014/main" xmlns="" id="{07DF4F23-06F5-47F3-BB6C-BEE7C4663DB6}"/>
               </a:ext>
             </a:extLst>
           </p:cNvPr>
@@ -1854,7 +1855,7 @@
           <p:cNvPr id="9" name="Espaço Reservado para Número de Slide 8">
             <a:extLst>
               <a:ext uri="{FF2B5EF4-FFF2-40B4-BE49-F238E27FC236}">
-                <a16:creationId xmlns:a16="http://schemas.microsoft.com/office/drawing/2014/main" id="{077BDCFE-2EE4-437C-BBF2-0859F55C2B11}"/>
+                <a16:creationId xmlns:a16="http://schemas.microsoft.com/office/drawing/2014/main" xmlns="" id="{077BDCFE-2EE4-437C-BBF2-0859F55C2B11}"/>
               </a:ext>
             </a:extLst>
           </p:cNvPr>
@@ -1913,7 +1914,7 @@
           <p:cNvPr id="2" name="Título 1">
             <a:extLst>
               <a:ext uri="{FF2B5EF4-FFF2-40B4-BE49-F238E27FC236}">
-                <a16:creationId xmlns:a16="http://schemas.microsoft.com/office/drawing/2014/main" id="{4B19DB5A-F39F-4600-B109-6C2AEAE6A0A0}"/>
+                <a16:creationId xmlns:a16="http://schemas.microsoft.com/office/drawing/2014/main" xmlns="" id="{4B19DB5A-F39F-4600-B109-6C2AEAE6A0A0}"/>
               </a:ext>
             </a:extLst>
           </p:cNvPr>
@@ -1941,7 +1942,7 @@
           <p:cNvPr id="3" name="Espaço Reservado para Data 2">
             <a:extLst>
               <a:ext uri="{FF2B5EF4-FFF2-40B4-BE49-F238E27FC236}">
-                <a16:creationId xmlns:a16="http://schemas.microsoft.com/office/drawing/2014/main" id="{B804C490-D2C3-4862-B441-BCA075A6CA82}"/>
+                <a16:creationId xmlns:a16="http://schemas.microsoft.com/office/drawing/2014/main" xmlns="" id="{B804C490-D2C3-4862-B441-BCA075A6CA82}"/>
               </a:ext>
             </a:extLst>
           </p:cNvPr>
@@ -1959,7 +1960,7 @@
           <a:p>
             <a:fld id="{EAA351E1-95A5-4477-87EB-C062A6424DDA}" type="datetimeFigureOut">
               <a:rPr lang="pt-BR" smtClean="0"/>
-              <a:t>20/11/2022</a:t>
+              <a:t>25/11/2022</a:t>
             </a:fld>
             <a:endParaRPr lang="pt-BR"/>
           </a:p>
@@ -1970,7 +1971,7 @@
           <p:cNvPr id="4" name="Espaço Reservado para Rodapé 3">
             <a:extLst>
               <a:ext uri="{FF2B5EF4-FFF2-40B4-BE49-F238E27FC236}">
-                <a16:creationId xmlns:a16="http://schemas.microsoft.com/office/drawing/2014/main" id="{AA29165A-3354-46C4-BB7A-7284A3425958}"/>
+                <a16:creationId xmlns:a16="http://schemas.microsoft.com/office/drawing/2014/main" xmlns="" id="{AA29165A-3354-46C4-BB7A-7284A3425958}"/>
               </a:ext>
             </a:extLst>
           </p:cNvPr>
@@ -1995,7 +1996,7 @@
           <p:cNvPr id="5" name="Espaço Reservado para Número de Slide 4">
             <a:extLst>
               <a:ext uri="{FF2B5EF4-FFF2-40B4-BE49-F238E27FC236}">
-                <a16:creationId xmlns:a16="http://schemas.microsoft.com/office/drawing/2014/main" id="{1EE6AAF1-AD13-4792-B9ED-418638358B87}"/>
+                <a16:creationId xmlns:a16="http://schemas.microsoft.com/office/drawing/2014/main" xmlns="" id="{1EE6AAF1-AD13-4792-B9ED-418638358B87}"/>
               </a:ext>
             </a:extLst>
           </p:cNvPr>
@@ -2054,7 +2055,7 @@
           <p:cNvPr id="2" name="Espaço Reservado para Data 1">
             <a:extLst>
               <a:ext uri="{FF2B5EF4-FFF2-40B4-BE49-F238E27FC236}">
-                <a16:creationId xmlns:a16="http://schemas.microsoft.com/office/drawing/2014/main" id="{3158CC9F-E955-49E5-876C-FD07398C2F9A}"/>
+                <a16:creationId xmlns:a16="http://schemas.microsoft.com/office/drawing/2014/main" xmlns="" id="{3158CC9F-E955-49E5-876C-FD07398C2F9A}"/>
               </a:ext>
             </a:extLst>
           </p:cNvPr>
@@ -2072,7 +2073,7 @@
           <a:p>
             <a:fld id="{EAA351E1-95A5-4477-87EB-C062A6424DDA}" type="datetimeFigureOut">
               <a:rPr lang="pt-BR" smtClean="0"/>
-              <a:t>20/11/2022</a:t>
+              <a:t>25/11/2022</a:t>
             </a:fld>
             <a:endParaRPr lang="pt-BR"/>
           </a:p>
@@ -2083,7 +2084,7 @@
           <p:cNvPr id="3" name="Espaço Reservado para Rodapé 2">
             <a:extLst>
               <a:ext uri="{FF2B5EF4-FFF2-40B4-BE49-F238E27FC236}">
-                <a16:creationId xmlns:a16="http://schemas.microsoft.com/office/drawing/2014/main" id="{C71CEA13-5894-48D1-8A0A-ED1DF5CD757A}"/>
+                <a16:creationId xmlns:a16="http://schemas.microsoft.com/office/drawing/2014/main" xmlns="" id="{C71CEA13-5894-48D1-8A0A-ED1DF5CD757A}"/>
               </a:ext>
             </a:extLst>
           </p:cNvPr>
@@ -2108,7 +2109,7 @@
           <p:cNvPr id="4" name="Espaço Reservado para Número de Slide 3">
             <a:extLst>
               <a:ext uri="{FF2B5EF4-FFF2-40B4-BE49-F238E27FC236}">
-                <a16:creationId xmlns:a16="http://schemas.microsoft.com/office/drawing/2014/main" id="{1C8065AC-E6C4-4A4C-9914-501FF7B58AAF}"/>
+                <a16:creationId xmlns:a16="http://schemas.microsoft.com/office/drawing/2014/main" xmlns="" id="{1C8065AC-E6C4-4A4C-9914-501FF7B58AAF}"/>
               </a:ext>
             </a:extLst>
           </p:cNvPr>
@@ -2167,7 +2168,7 @@
           <p:cNvPr id="2" name="Título 1">
             <a:extLst>
               <a:ext uri="{FF2B5EF4-FFF2-40B4-BE49-F238E27FC236}">
-                <a16:creationId xmlns:a16="http://schemas.microsoft.com/office/drawing/2014/main" id="{58A5111E-C31E-4E41-8866-0E65A27BBAA9}"/>
+                <a16:creationId xmlns:a16="http://schemas.microsoft.com/office/drawing/2014/main" xmlns="" id="{58A5111E-C31E-4E41-8866-0E65A27BBAA9}"/>
               </a:ext>
             </a:extLst>
           </p:cNvPr>
@@ -2204,7 +2205,7 @@
           <p:cNvPr id="3" name="Espaço Reservado para Conteúdo 2">
             <a:extLst>
               <a:ext uri="{FF2B5EF4-FFF2-40B4-BE49-F238E27FC236}">
-                <a16:creationId xmlns:a16="http://schemas.microsoft.com/office/drawing/2014/main" id="{0D303CF4-E693-4F5E-A3F9-EB3D7D9B91EA}"/>
+                <a16:creationId xmlns:a16="http://schemas.microsoft.com/office/drawing/2014/main" xmlns="" id="{0D303CF4-E693-4F5E-A3F9-EB3D7D9B91EA}"/>
               </a:ext>
             </a:extLst>
           </p:cNvPr>
@@ -2294,7 +2295,7 @@
           <p:cNvPr id="4" name="Espaço Reservado para Texto 3">
             <a:extLst>
               <a:ext uri="{FF2B5EF4-FFF2-40B4-BE49-F238E27FC236}">
-                <a16:creationId xmlns:a16="http://schemas.microsoft.com/office/drawing/2014/main" id="{E671FE41-0A5E-4351-B120-9BEDE1E5FB73}"/>
+                <a16:creationId xmlns:a16="http://schemas.microsoft.com/office/drawing/2014/main" xmlns="" id="{E671FE41-0A5E-4351-B120-9BEDE1E5FB73}"/>
               </a:ext>
             </a:extLst>
           </p:cNvPr>
@@ -2365,7 +2366,7 @@
           <p:cNvPr id="5" name="Espaço Reservado para Data 4">
             <a:extLst>
               <a:ext uri="{FF2B5EF4-FFF2-40B4-BE49-F238E27FC236}">
-                <a16:creationId xmlns:a16="http://schemas.microsoft.com/office/drawing/2014/main" id="{41D200DF-99E6-48EF-8208-95D97BA0C0B5}"/>
+                <a16:creationId xmlns:a16="http://schemas.microsoft.com/office/drawing/2014/main" xmlns="" id="{41D200DF-99E6-48EF-8208-95D97BA0C0B5}"/>
               </a:ext>
             </a:extLst>
           </p:cNvPr>
@@ -2383,7 +2384,7 @@
           <a:p>
             <a:fld id="{EAA351E1-95A5-4477-87EB-C062A6424DDA}" type="datetimeFigureOut">
               <a:rPr lang="pt-BR" smtClean="0"/>
-              <a:t>20/11/2022</a:t>
+              <a:t>25/11/2022</a:t>
             </a:fld>
             <a:endParaRPr lang="pt-BR"/>
           </a:p>
@@ -2394,7 +2395,7 @@
           <p:cNvPr id="6" name="Espaço Reservado para Rodapé 5">
             <a:extLst>
               <a:ext uri="{FF2B5EF4-FFF2-40B4-BE49-F238E27FC236}">
-                <a16:creationId xmlns:a16="http://schemas.microsoft.com/office/drawing/2014/main" id="{3DC5513C-EA73-4E27-8280-597945959256}"/>
+                <a16:creationId xmlns:a16="http://schemas.microsoft.com/office/drawing/2014/main" xmlns="" id="{3DC5513C-EA73-4E27-8280-597945959256}"/>
               </a:ext>
             </a:extLst>
           </p:cNvPr>
@@ -2419,7 +2420,7 @@
           <p:cNvPr id="7" name="Espaço Reservado para Número de Slide 6">
             <a:extLst>
               <a:ext uri="{FF2B5EF4-FFF2-40B4-BE49-F238E27FC236}">
-                <a16:creationId xmlns:a16="http://schemas.microsoft.com/office/drawing/2014/main" id="{02F03253-F792-4EBF-B058-432112D02ECA}"/>
+                <a16:creationId xmlns:a16="http://schemas.microsoft.com/office/drawing/2014/main" xmlns="" id="{02F03253-F792-4EBF-B058-432112D02ECA}"/>
               </a:ext>
             </a:extLst>
           </p:cNvPr>
@@ -2478,7 +2479,7 @@
           <p:cNvPr id="2" name="Título 1">
             <a:extLst>
               <a:ext uri="{FF2B5EF4-FFF2-40B4-BE49-F238E27FC236}">
-                <a16:creationId xmlns:a16="http://schemas.microsoft.com/office/drawing/2014/main" id="{0A1C3D58-2C32-4CBC-889E-BE572185CE88}"/>
+                <a16:creationId xmlns:a16="http://schemas.microsoft.com/office/drawing/2014/main" xmlns="" id="{0A1C3D58-2C32-4CBC-889E-BE572185CE88}"/>
               </a:ext>
             </a:extLst>
           </p:cNvPr>
@@ -2515,7 +2516,7 @@
           <p:cNvPr id="3" name="Espaço Reservado para Imagem 2">
             <a:extLst>
               <a:ext uri="{FF2B5EF4-FFF2-40B4-BE49-F238E27FC236}">
-                <a16:creationId xmlns:a16="http://schemas.microsoft.com/office/drawing/2014/main" id="{1166E66D-D347-46DA-BF3D-2577A6166667}"/>
+                <a16:creationId xmlns:a16="http://schemas.microsoft.com/office/drawing/2014/main" xmlns="" id="{1166E66D-D347-46DA-BF3D-2577A6166667}"/>
               </a:ext>
             </a:extLst>
           </p:cNvPr>
@@ -2582,7 +2583,7 @@
           <p:cNvPr id="4" name="Espaço Reservado para Texto 3">
             <a:extLst>
               <a:ext uri="{FF2B5EF4-FFF2-40B4-BE49-F238E27FC236}">
-                <a16:creationId xmlns:a16="http://schemas.microsoft.com/office/drawing/2014/main" id="{ACE9D8C7-A8C2-437B-BF63-AD1FD2B55CA6}"/>
+                <a16:creationId xmlns:a16="http://schemas.microsoft.com/office/drawing/2014/main" xmlns="" id="{ACE9D8C7-A8C2-437B-BF63-AD1FD2B55CA6}"/>
               </a:ext>
             </a:extLst>
           </p:cNvPr>
@@ -2653,7 +2654,7 @@
           <p:cNvPr id="5" name="Espaço Reservado para Data 4">
             <a:extLst>
               <a:ext uri="{FF2B5EF4-FFF2-40B4-BE49-F238E27FC236}">
-                <a16:creationId xmlns:a16="http://schemas.microsoft.com/office/drawing/2014/main" id="{F52ECFB3-7592-4A6F-BD37-4BC73098BCF5}"/>
+                <a16:creationId xmlns:a16="http://schemas.microsoft.com/office/drawing/2014/main" xmlns="" id="{F52ECFB3-7592-4A6F-BD37-4BC73098BCF5}"/>
               </a:ext>
             </a:extLst>
           </p:cNvPr>
@@ -2671,7 +2672,7 @@
           <a:p>
             <a:fld id="{EAA351E1-95A5-4477-87EB-C062A6424DDA}" type="datetimeFigureOut">
               <a:rPr lang="pt-BR" smtClean="0"/>
-              <a:t>20/11/2022</a:t>
+              <a:t>25/11/2022</a:t>
             </a:fld>
             <a:endParaRPr lang="pt-BR"/>
           </a:p>
@@ -2682,7 +2683,7 @@
           <p:cNvPr id="6" name="Espaço Reservado para Rodapé 5">
             <a:extLst>
               <a:ext uri="{FF2B5EF4-FFF2-40B4-BE49-F238E27FC236}">
-                <a16:creationId xmlns:a16="http://schemas.microsoft.com/office/drawing/2014/main" id="{6768FEDC-8DF2-49A6-8012-49F911EFA8D9}"/>
+                <a16:creationId xmlns:a16="http://schemas.microsoft.com/office/drawing/2014/main" xmlns="" id="{6768FEDC-8DF2-49A6-8012-49F911EFA8D9}"/>
               </a:ext>
             </a:extLst>
           </p:cNvPr>
@@ -2707,7 +2708,7 @@
           <p:cNvPr id="7" name="Espaço Reservado para Número de Slide 6">
             <a:extLst>
               <a:ext uri="{FF2B5EF4-FFF2-40B4-BE49-F238E27FC236}">
-                <a16:creationId xmlns:a16="http://schemas.microsoft.com/office/drawing/2014/main" id="{C29FBDCF-4E12-4645-84F8-03D8990F85EE}"/>
+                <a16:creationId xmlns:a16="http://schemas.microsoft.com/office/drawing/2014/main" xmlns="" id="{C29FBDCF-4E12-4645-84F8-03D8990F85EE}"/>
               </a:ext>
             </a:extLst>
           </p:cNvPr>
@@ -2771,7 +2772,7 @@
           <p:cNvPr id="2" name="Espaço Reservado para Título 1">
             <a:extLst>
               <a:ext uri="{FF2B5EF4-FFF2-40B4-BE49-F238E27FC236}">
-                <a16:creationId xmlns:a16="http://schemas.microsoft.com/office/drawing/2014/main" id="{FC0CF4E3-B577-460A-AEF3-EAA7B61BFE4E}"/>
+                <a16:creationId xmlns:a16="http://schemas.microsoft.com/office/drawing/2014/main" xmlns="" id="{FC0CF4E3-B577-460A-AEF3-EAA7B61BFE4E}"/>
               </a:ext>
             </a:extLst>
           </p:cNvPr>
@@ -2809,7 +2810,7 @@
           <p:cNvPr id="3" name="Espaço Reservado para Texto 2">
             <a:extLst>
               <a:ext uri="{FF2B5EF4-FFF2-40B4-BE49-F238E27FC236}">
-                <a16:creationId xmlns:a16="http://schemas.microsoft.com/office/drawing/2014/main" id="{1670D0AC-6DE5-4E76-ABB9-15B6E94EA83C}"/>
+                <a16:creationId xmlns:a16="http://schemas.microsoft.com/office/drawing/2014/main" xmlns="" id="{1670D0AC-6DE5-4E76-ABB9-15B6E94EA83C}"/>
               </a:ext>
             </a:extLst>
           </p:cNvPr>
@@ -2876,7 +2877,7 @@
           <p:cNvPr id="4" name="Espaço Reservado para Data 3">
             <a:extLst>
               <a:ext uri="{FF2B5EF4-FFF2-40B4-BE49-F238E27FC236}">
-                <a16:creationId xmlns:a16="http://schemas.microsoft.com/office/drawing/2014/main" id="{A986C7CF-C824-4599-895B-3EE247D1F562}"/>
+                <a16:creationId xmlns:a16="http://schemas.microsoft.com/office/drawing/2014/main" xmlns="" id="{A986C7CF-C824-4599-895B-3EE247D1F562}"/>
               </a:ext>
             </a:extLst>
           </p:cNvPr>
@@ -2912,7 +2913,7 @@
           <a:p>
             <a:fld id="{EAA351E1-95A5-4477-87EB-C062A6424DDA}" type="datetimeFigureOut">
               <a:rPr lang="pt-BR" smtClean="0"/>
-              <a:t>20/11/2022</a:t>
+              <a:t>25/11/2022</a:t>
             </a:fld>
             <a:endParaRPr lang="pt-BR"/>
           </a:p>
@@ -2923,7 +2924,7 @@
           <p:cNvPr id="5" name="Espaço Reservado para Rodapé 4">
             <a:extLst>
               <a:ext uri="{FF2B5EF4-FFF2-40B4-BE49-F238E27FC236}">
-                <a16:creationId xmlns:a16="http://schemas.microsoft.com/office/drawing/2014/main" id="{7F2F4E2F-1DC7-473C-898A-3EA29CA2D0AE}"/>
+                <a16:creationId xmlns:a16="http://schemas.microsoft.com/office/drawing/2014/main" xmlns="" id="{7F2F4E2F-1DC7-473C-898A-3EA29CA2D0AE}"/>
               </a:ext>
             </a:extLst>
           </p:cNvPr>
@@ -2966,7 +2967,7 @@
           <p:cNvPr id="6" name="Espaço Reservado para Número de Slide 5">
             <a:extLst>
               <a:ext uri="{FF2B5EF4-FFF2-40B4-BE49-F238E27FC236}">
-                <a16:creationId xmlns:a16="http://schemas.microsoft.com/office/drawing/2014/main" id="{CF89C58F-D8C3-464A-BC3C-D0FA4574E4D0}"/>
+                <a16:creationId xmlns:a16="http://schemas.microsoft.com/office/drawing/2014/main" xmlns="" id="{CF89C58F-D8C3-464A-BC3C-D0FA4574E4D0}"/>
               </a:ext>
             </a:extLst>
           </p:cNvPr>
@@ -3334,7 +3335,7 @@
           <p:cNvPr id="5" name="Imagem 4">
             <a:extLst>
               <a:ext uri="{FF2B5EF4-FFF2-40B4-BE49-F238E27FC236}">
-                <a16:creationId xmlns:a16="http://schemas.microsoft.com/office/drawing/2014/main" id="{12B9E5DD-62AE-4B47-8CBB-BAB6F864373D}"/>
+                <a16:creationId xmlns:a16="http://schemas.microsoft.com/office/drawing/2014/main" xmlns="" id="{12B9E5DD-62AE-4B47-8CBB-BAB6F864373D}"/>
               </a:ext>
             </a:extLst>
           </p:cNvPr>
@@ -3387,7 +3388,7 @@
           <p:cNvPr id="13" name="Retângulo: Cantos Arredondados 12">
             <a:extLst>
               <a:ext uri="{FF2B5EF4-FFF2-40B4-BE49-F238E27FC236}">
-                <a16:creationId xmlns:a16="http://schemas.microsoft.com/office/drawing/2014/main" id="{FE221FED-7DBE-4926-ABEE-6B27601A8699}"/>
+                <a16:creationId xmlns:a16="http://schemas.microsoft.com/office/drawing/2014/main" xmlns="" id="{FE221FED-7DBE-4926-ABEE-6B27601A8699}"/>
               </a:ext>
             </a:extLst>
           </p:cNvPr>
@@ -3476,7 +3477,7 @@
           <p:cNvPr id="33" name="Retângulo: Cantos Arredondados 32">
             <a:extLst>
               <a:ext uri="{FF2B5EF4-FFF2-40B4-BE49-F238E27FC236}">
-                <a16:creationId xmlns:a16="http://schemas.microsoft.com/office/drawing/2014/main" id="{1E992E5A-92A9-40C2-8375-8E819563B648}"/>
+                <a16:creationId xmlns:a16="http://schemas.microsoft.com/office/drawing/2014/main" xmlns="" id="{1E992E5A-92A9-40C2-8375-8E819563B648}"/>
               </a:ext>
             </a:extLst>
           </p:cNvPr>
@@ -3486,6 +3487,448 @@
         <p:spPr>
           <a:xfrm>
             <a:off x="4369054" y="821091"/>
+            <a:ext cx="3503917" cy="3415003"/>
+          </a:xfrm>
+          <a:prstGeom prst="roundRect">
+            <a:avLst>
+              <a:gd name="adj" fmla="val 0"/>
+            </a:avLst>
+          </a:prstGeom>
+          <a:solidFill>
+            <a:srgbClr val="FFFFFF">
+              <a:alpha val="5098"/>
+            </a:srgbClr>
+          </a:solidFill>
+          <a:ln>
+            <a:noFill/>
+          </a:ln>
+          <a:effectLst>
+            <a:outerShdw blurRad="101600" dist="63500" dir="2700000" algn="tl" rotWithShape="0">
+              <a:srgbClr val="1C262D">
+                <a:alpha val="30000"/>
+              </a:srgbClr>
+            </a:outerShdw>
+          </a:effectLst>
+        </p:spPr>
+        <p:style>
+          <a:lnRef idx="2">
+            <a:schemeClr val="accent1">
+              <a:shade val="50000"/>
+            </a:schemeClr>
+          </a:lnRef>
+          <a:fillRef idx="1">
+            <a:schemeClr val="accent1"/>
+          </a:fillRef>
+          <a:effectRef idx="0">
+            <a:schemeClr val="accent1"/>
+          </a:effectRef>
+          <a:fontRef idx="minor">
+            <a:schemeClr val="lt1"/>
+          </a:fontRef>
+        </p:style>
+        <p:txBody>
+          <a:bodyPr rtlCol="0" anchor="ctr"/>
+          <a:lstStyle/>
+          <a:p>
+            <a:pPr marL="0" marR="0" lvl="0" indent="0" algn="ctr" defTabSz="914400" rtl="0" eaLnBrk="1" fontAlgn="auto" latinLnBrk="0" hangingPunct="1">
+              <a:lnSpc>
+                <a:spcPct val="100000"/>
+              </a:lnSpc>
+              <a:spcBef>
+                <a:spcPts val="0"/>
+              </a:spcBef>
+              <a:spcAft>
+                <a:spcPts val="0"/>
+              </a:spcAft>
+              <a:buClrTx/>
+              <a:buSzTx/>
+              <a:buFontTx/>
+              <a:buNone/>
+              <a:tabLst/>
+              <a:defRPr/>
+            </a:pPr>
+            <a:r>
+              <a:rPr kumimoji="0" lang="pt-BR" sz="3800" b="1" i="0" u="none" strike="noStrike" kern="1200" cap="none" spc="0" normalizeH="0" baseline="0" noProof="0" dirty="0">
+                <a:ln>
+                  <a:noFill/>
+                </a:ln>
+                <a:solidFill>
+                  <a:prstClr val="white"/>
+                </a:solidFill>
+                <a:effectLst/>
+                <a:uLnTx/>
+                <a:uFillTx/>
+                <a:latin typeface="Segoe UI" panose="020B0502040204020203" pitchFamily="34" charset="0"/>
+                <a:cs typeface="Segoe UI" panose="020B0502040204020203" pitchFamily="34" charset="0"/>
+              </a:rPr>
+              <a:t>ANÁLISE </a:t>
+            </a:r>
+            <a:r>
+              <a:rPr lang="pt-BR" sz="3800" b="1" dirty="0" smtClean="0">
+                <a:solidFill>
+                  <a:prstClr val="white"/>
+                </a:solidFill>
+                <a:latin typeface="Segoe UI" panose="020B0502040204020203" pitchFamily="34" charset="0"/>
+                <a:cs typeface="Segoe UI" panose="020B0502040204020203" pitchFamily="34" charset="0"/>
+              </a:rPr>
+              <a:t>SENTIMENTO</a:t>
+            </a:r>
+            <a:endParaRPr kumimoji="0" lang="pt-BR" sz="3800" b="1" i="0" u="none" strike="noStrike" kern="1200" cap="none" spc="0" normalizeH="0" baseline="0" noProof="0" dirty="0">
+              <a:ln>
+                <a:noFill/>
+              </a:ln>
+              <a:solidFill>
+                <a:prstClr val="white"/>
+              </a:solidFill>
+              <a:effectLst/>
+              <a:uLnTx/>
+              <a:uFillTx/>
+              <a:latin typeface="Segoe UI" panose="020B0502040204020203" pitchFamily="34" charset="0"/>
+              <a:cs typeface="Segoe UI" panose="020B0502040204020203" pitchFamily="34" charset="0"/>
+            </a:endParaRPr>
+          </a:p>
+        </p:txBody>
+      </p:sp>
+      <p:sp>
+        <p:nvSpPr>
+          <p:cNvPr id="34" name="Retângulo: Cantos Arredondados 33">
+            <a:extLst>
+              <a:ext uri="{FF2B5EF4-FFF2-40B4-BE49-F238E27FC236}">
+                <a16:creationId xmlns:a16="http://schemas.microsoft.com/office/drawing/2014/main" xmlns="" id="{07DC4F52-998B-4580-BAC1-748F8B2F1912}"/>
+              </a:ext>
+            </a:extLst>
+          </p:cNvPr>
+          <p:cNvSpPr/>
+          <p:nvPr/>
+        </p:nvSpPr>
+        <p:spPr>
+          <a:xfrm>
+            <a:off x="7982709" y="821092"/>
+            <a:ext cx="3503917" cy="3415003"/>
+          </a:xfrm>
+          <a:prstGeom prst="roundRect">
+            <a:avLst>
+              <a:gd name="adj" fmla="val 0"/>
+            </a:avLst>
+          </a:prstGeom>
+          <a:solidFill>
+            <a:srgbClr val="FFFFFF">
+              <a:alpha val="5098"/>
+            </a:srgbClr>
+          </a:solidFill>
+          <a:ln>
+            <a:noFill/>
+          </a:ln>
+          <a:effectLst>
+            <a:outerShdw blurRad="101600" dist="63500" dir="2700000" algn="tl" rotWithShape="0">
+              <a:srgbClr val="1C262D">
+                <a:alpha val="30000"/>
+              </a:srgbClr>
+            </a:outerShdw>
+          </a:effectLst>
+        </p:spPr>
+        <p:style>
+          <a:lnRef idx="2">
+            <a:schemeClr val="accent1">
+              <a:shade val="50000"/>
+            </a:schemeClr>
+          </a:lnRef>
+          <a:fillRef idx="1">
+            <a:schemeClr val="accent1"/>
+          </a:fillRef>
+          <a:effectRef idx="0">
+            <a:schemeClr val="accent1"/>
+          </a:effectRef>
+          <a:fontRef idx="minor">
+            <a:schemeClr val="lt1"/>
+          </a:fontRef>
+        </p:style>
+        <p:txBody>
+          <a:bodyPr rtlCol="0" anchor="ctr"/>
+          <a:lstStyle/>
+          <a:p>
+            <a:pPr algn="ctr"/>
+            <a:r>
+              <a:rPr lang="pt-BR" sz="3800" b="1" dirty="0">
+                <a:solidFill>
+                  <a:prstClr val="white"/>
+                </a:solidFill>
+                <a:latin typeface="Segoe UI" panose="020B0502040204020203" pitchFamily="34" charset="0"/>
+                <a:cs typeface="Segoe UI" panose="020B0502040204020203" pitchFamily="34" charset="0"/>
+              </a:rPr>
+              <a:t>ANÁLISE ENERGIA</a:t>
+            </a:r>
+          </a:p>
+        </p:txBody>
+      </p:sp>
+      <p:sp>
+        <p:nvSpPr>
+          <p:cNvPr id="35" name="Retângulo: Cantos Arredondados 34">
+            <a:extLst>
+              <a:ext uri="{FF2B5EF4-FFF2-40B4-BE49-F238E27FC236}">
+                <a16:creationId xmlns:a16="http://schemas.microsoft.com/office/drawing/2014/main" xmlns="" id="{F9091EDE-C8B7-4C0A-9DE7-C56FFBD641D1}"/>
+              </a:ext>
+            </a:extLst>
+          </p:cNvPr>
+          <p:cNvSpPr/>
+          <p:nvPr/>
+        </p:nvSpPr>
+        <p:spPr>
+          <a:xfrm>
+            <a:off x="769503" y="4310739"/>
+            <a:ext cx="10717123" cy="1492899"/>
+          </a:xfrm>
+          <a:prstGeom prst="roundRect">
+            <a:avLst>
+              <a:gd name="adj" fmla="val 0"/>
+            </a:avLst>
+          </a:prstGeom>
+          <a:solidFill>
+            <a:srgbClr val="FFFFFF">
+              <a:alpha val="5098"/>
+            </a:srgbClr>
+          </a:solidFill>
+          <a:ln>
+            <a:noFill/>
+          </a:ln>
+          <a:effectLst>
+            <a:outerShdw blurRad="101600" dist="63500" dir="2700000" algn="tl" rotWithShape="0">
+              <a:srgbClr val="1C262D">
+                <a:alpha val="30000"/>
+              </a:srgbClr>
+            </a:outerShdw>
+          </a:effectLst>
+        </p:spPr>
+        <p:style>
+          <a:lnRef idx="2">
+            <a:schemeClr val="accent1">
+              <a:shade val="50000"/>
+            </a:schemeClr>
+          </a:lnRef>
+          <a:fillRef idx="1">
+            <a:schemeClr val="accent1"/>
+          </a:fillRef>
+          <a:effectRef idx="0">
+            <a:schemeClr val="accent1"/>
+          </a:effectRef>
+          <a:fontRef idx="minor">
+            <a:schemeClr val="lt1"/>
+          </a:fontRef>
+        </p:style>
+        <p:txBody>
+          <a:bodyPr rtlCol="0" anchor="ctr"/>
+          <a:lstStyle/>
+          <a:p>
+            <a:r>
+              <a:rPr lang="pt-BR" sz="3200" b="1" dirty="0">
+                <a:solidFill>
+                  <a:prstClr val="white"/>
+                </a:solidFill>
+                <a:latin typeface="Segoe UI" panose="020B0502040204020203" pitchFamily="34" charset="0"/>
+                <a:cs typeface="Segoe UI" panose="020B0502040204020203" pitchFamily="34" charset="0"/>
+              </a:rPr>
+              <a:t>  EQUIPE</a:t>
+            </a:r>
+          </a:p>
+        </p:txBody>
+      </p:sp>
+      <p:pic>
+        <p:nvPicPr>
+          <p:cNvPr id="4" name="Imagem 3">
+            <a:extLst>
+              <a:ext uri="{FF2B5EF4-FFF2-40B4-BE49-F238E27FC236}">
+                <a16:creationId xmlns:a16="http://schemas.microsoft.com/office/drawing/2014/main" xmlns="" id="{68D77485-C40D-242B-AFFE-BF323167E580}"/>
+              </a:ext>
+            </a:extLst>
+          </p:cNvPr>
+          <p:cNvPicPr>
+            <a:picLocks noChangeAspect="1"/>
+          </p:cNvPicPr>
+          <p:nvPr/>
+        </p:nvPicPr>
+        <p:blipFill>
+          <a:blip r:embed="rId4">
+            <a:extLst>
+              <a:ext uri="{28A0092B-C50C-407E-A947-70E740481C1C}">
+                <a14:useLocalDpi xmlns:a14="http://schemas.microsoft.com/office/drawing/2010/main" val="0"/>
+              </a:ext>
+            </a:extLst>
+          </a:blip>
+          <a:stretch>
+            <a:fillRect/>
+          </a:stretch>
+        </p:blipFill>
+        <p:spPr>
+          <a:xfrm>
+            <a:off x="10378850" y="3987261"/>
+            <a:ext cx="1107776" cy="1107776"/>
+          </a:xfrm>
+          <a:prstGeom prst="rect">
+            <a:avLst/>
+          </a:prstGeom>
+        </p:spPr>
+      </p:pic>
+      <p:pic>
+        <p:nvPicPr>
+          <p:cNvPr id="7" name="Imagem 6">
+            <a:extLst>
+              <a:ext uri="{FF2B5EF4-FFF2-40B4-BE49-F238E27FC236}">
+                <a16:creationId xmlns:a16="http://schemas.microsoft.com/office/drawing/2014/main" xmlns="" id="{805B4EB4-43F9-2D33-406B-E76891FF11F3}"/>
+              </a:ext>
+            </a:extLst>
+          </p:cNvPr>
+          <p:cNvPicPr>
+            <a:picLocks noChangeAspect="1"/>
+          </p:cNvPicPr>
+          <p:nvPr/>
+        </p:nvPicPr>
+        <p:blipFill>
+          <a:blip r:embed="rId5">
+            <a:extLst>
+              <a:ext uri="{28A0092B-C50C-407E-A947-70E740481C1C}">
+                <a14:useLocalDpi xmlns:a14="http://schemas.microsoft.com/office/drawing/2010/main" val="0"/>
+              </a:ext>
+            </a:extLst>
+          </a:blip>
+          <a:stretch>
+            <a:fillRect/>
+          </a:stretch>
+        </p:blipFill>
+        <p:spPr>
+          <a:xfrm>
+            <a:off x="9115865" y="4310739"/>
+            <a:ext cx="1050780" cy="1050780"/>
+          </a:xfrm>
+          <a:prstGeom prst="rect">
+            <a:avLst/>
+          </a:prstGeom>
+        </p:spPr>
+      </p:pic>
+      <p:pic>
+        <p:nvPicPr>
+          <p:cNvPr id="8" name="Imagem 7">
+            <a:extLst>
+              <a:ext uri="{FF2B5EF4-FFF2-40B4-BE49-F238E27FC236}">
+                <a16:creationId xmlns:a16="http://schemas.microsoft.com/office/drawing/2014/main" xmlns="" id="{5FF215F8-1BBC-2EA1-FDF4-0ECEF8CB569C}"/>
+              </a:ext>
+            </a:extLst>
+          </p:cNvPr>
+          <p:cNvPicPr>
+            <a:picLocks noChangeAspect="1"/>
+          </p:cNvPicPr>
+          <p:nvPr/>
+        </p:nvPicPr>
+        <p:blipFill>
+          <a:blip r:embed="rId4">
+            <a:alphaModFix amt="65000"/>
+            <a:extLst>
+              <a:ext uri="{28A0092B-C50C-407E-A947-70E740481C1C}">
+                <a14:useLocalDpi xmlns:a14="http://schemas.microsoft.com/office/drawing/2010/main" val="0"/>
+              </a:ext>
+            </a:extLst>
+          </a:blip>
+          <a:stretch>
+            <a:fillRect/>
+          </a:stretch>
+        </p:blipFill>
+        <p:spPr>
+          <a:xfrm>
+            <a:off x="648340" y="4029911"/>
+            <a:ext cx="864741" cy="864741"/>
+          </a:xfrm>
+          <a:prstGeom prst="rect">
+            <a:avLst/>
+          </a:prstGeom>
+        </p:spPr>
+      </p:pic>
+      <p:pic>
+        <p:nvPicPr>
+          <p:cNvPr id="9" name="Imagem 8">
+            <a:extLst>
+              <a:ext uri="{FF2B5EF4-FFF2-40B4-BE49-F238E27FC236}">
+                <a16:creationId xmlns:a16="http://schemas.microsoft.com/office/drawing/2014/main" xmlns="" id="{B01C14F0-9CB4-13F3-AB65-D6363D4A84D6}"/>
+              </a:ext>
+            </a:extLst>
+          </p:cNvPr>
+          <p:cNvPicPr>
+            <a:picLocks noChangeAspect="1"/>
+          </p:cNvPicPr>
+          <p:nvPr/>
+        </p:nvPicPr>
+        <p:blipFill>
+          <a:blip r:embed="rId5">
+            <a:alphaModFix amt="51000"/>
+            <a:extLst>
+              <a:ext uri="{28A0092B-C50C-407E-A947-70E740481C1C}">
+                <a14:useLocalDpi xmlns:a14="http://schemas.microsoft.com/office/drawing/2010/main" val="0"/>
+              </a:ext>
+            </a:extLst>
+          </a:blip>
+          <a:stretch>
+            <a:fillRect/>
+          </a:stretch>
+        </p:blipFill>
+        <p:spPr>
+          <a:xfrm>
+            <a:off x="10166645" y="5037545"/>
+            <a:ext cx="766093" cy="766093"/>
+          </a:xfrm>
+          <a:prstGeom prst="rect">
+            <a:avLst/>
+          </a:prstGeom>
+        </p:spPr>
+      </p:pic>
+      <p:pic>
+        <p:nvPicPr>
+          <p:cNvPr id="12" name="Imagem 11">
+            <a:extLst>
+              <a:ext uri="{FF2B5EF4-FFF2-40B4-BE49-F238E27FC236}">
+                <a16:creationId xmlns:a16="http://schemas.microsoft.com/office/drawing/2014/main" xmlns="" id="{4FAD720E-39DF-22E5-9FC9-5EC1B8AB7487}"/>
+              </a:ext>
+            </a:extLst>
+          </p:cNvPr>
+          <p:cNvPicPr>
+            <a:picLocks noChangeAspect="1"/>
+          </p:cNvPicPr>
+          <p:nvPr/>
+        </p:nvPicPr>
+        <p:blipFill>
+          <a:blip r:embed="rId6">
+            <a:extLst>
+              <a:ext uri="{28A0092B-C50C-407E-A947-70E740481C1C}">
+                <a14:useLocalDpi xmlns:a14="http://schemas.microsoft.com/office/drawing/2010/main" val="0"/>
+              </a:ext>
+            </a:extLst>
+          </a:blip>
+          <a:stretch>
+            <a:fillRect/>
+          </a:stretch>
+        </p:blipFill>
+        <p:spPr>
+          <a:xfrm>
+            <a:off x="9447709" y="3279665"/>
+            <a:ext cx="613977" cy="613977"/>
+          </a:xfrm>
+          <a:prstGeom prst="rect">
+            <a:avLst/>
+          </a:prstGeom>
+        </p:spPr>
+      </p:pic>
+      <p:sp>
+        <p:nvSpPr>
+          <p:cNvPr id="17" name="Retângulo: Cantos Arredondados 32">
+            <a:extLst>
+              <a:ext uri="{FF2B5EF4-FFF2-40B4-BE49-F238E27FC236}">
+                <a16:creationId xmlns:a16="http://schemas.microsoft.com/office/drawing/2014/main" xmlns="" id="{1E992E5A-92A9-40C2-8375-8E819563B648}"/>
+              </a:ext>
+            </a:extLst>
+          </p:cNvPr>
+          <p:cNvSpPr/>
+          <p:nvPr/>
+        </p:nvSpPr>
+        <p:spPr>
+          <a:xfrm>
+            <a:off x="788487" y="807684"/>
             <a:ext cx="3503917" cy="3415003"/>
           </a:xfrm>
           <a:prstGeom prst="roundRect">
@@ -3565,12 +4008,48 @@
           </a:p>
         </p:txBody>
       </p:sp>
+      <p:pic>
+        <p:nvPicPr>
+          <p:cNvPr id="18" name="Imagem 17">
+            <a:extLst>
+              <a:ext uri="{FF2B5EF4-FFF2-40B4-BE49-F238E27FC236}">
+                <a16:creationId xmlns:a16="http://schemas.microsoft.com/office/drawing/2014/main" xmlns="" id="{C449DFBF-AD33-4655-F163-175A4C4574E7}"/>
+              </a:ext>
+            </a:extLst>
+          </p:cNvPr>
+          <p:cNvPicPr>
+            <a:picLocks noChangeAspect="1"/>
+          </p:cNvPicPr>
+          <p:nvPr/>
+        </p:nvPicPr>
+        <p:blipFill>
+          <a:blip r:embed="rId5">
+            <a:extLst>
+              <a:ext uri="{28A0092B-C50C-407E-A947-70E740481C1C}">
+                <a14:useLocalDpi xmlns:a14="http://schemas.microsoft.com/office/drawing/2010/main" val="0"/>
+              </a:ext>
+            </a:extLst>
+          </a:blip>
+          <a:stretch>
+            <a:fillRect/>
+          </a:stretch>
+        </p:blipFill>
+        <p:spPr>
+          <a:xfrm>
+            <a:off x="2271904" y="3196378"/>
+            <a:ext cx="697264" cy="697264"/>
+          </a:xfrm>
+          <a:prstGeom prst="rect">
+            <a:avLst/>
+          </a:prstGeom>
+        </p:spPr>
+      </p:pic>
       <p:sp>
         <p:nvSpPr>
-          <p:cNvPr id="34" name="Retângulo: Cantos Arredondados 33">
-            <a:extLst>
-              <a:ext uri="{FF2B5EF4-FFF2-40B4-BE49-F238E27FC236}">
-                <a16:creationId xmlns:a16="http://schemas.microsoft.com/office/drawing/2014/main" id="{07DC4F52-998B-4580-BAC1-748F8B2F1912}"/>
+          <p:cNvPr id="19" name="Elipse 18">
+            <a:extLst>
+              <a:ext uri="{FF2B5EF4-FFF2-40B4-BE49-F238E27FC236}">
+                <a16:creationId xmlns:a16="http://schemas.microsoft.com/office/drawing/2014/main" xmlns="" id="{49F99978-92E2-4BC9-A22F-BF776BF66F50}"/>
               </a:ext>
             </a:extLst>
           </p:cNvPr>
@@ -3579,29 +4058,18 @@
         </p:nvSpPr>
         <p:spPr>
           <a:xfrm>
-            <a:off x="7982709" y="821092"/>
-            <a:ext cx="3503917" cy="3415003"/>
-          </a:xfrm>
-          <a:prstGeom prst="roundRect">
-            <a:avLst>
-              <a:gd name="adj" fmla="val 0"/>
-            </a:avLst>
+            <a:off x="5707605" y="3264758"/>
+            <a:ext cx="640643" cy="596774"/>
+          </a:xfrm>
+          <a:prstGeom prst="ellipse">
+            <a:avLst/>
           </a:prstGeom>
           <a:solidFill>
-            <a:srgbClr val="FFFFFF">
-              <a:alpha val="5098"/>
-            </a:srgbClr>
+            <a:schemeClr val="bg1"/>
           </a:solidFill>
           <a:ln>
             <a:noFill/>
           </a:ln>
-          <a:effectLst>
-            <a:outerShdw blurRad="101600" dist="63500" dir="2700000" algn="tl" rotWithShape="0">
-              <a:srgbClr val="1C262D">
-                <a:alpha val="30000"/>
-              </a:srgbClr>
-            </a:outerShdw>
-          </a:effectLst>
         </p:spPr>
         <p:style>
           <a:lnRef idx="2">
@@ -3624,25 +4092,136 @@
           <a:lstStyle/>
           <a:p>
             <a:pPr algn="ctr"/>
-            <a:r>
-              <a:rPr lang="pt-BR" sz="3800" b="1" dirty="0">
-                <a:solidFill>
-                  <a:prstClr val="white"/>
-                </a:solidFill>
-                <a:latin typeface="Segoe UI" panose="020B0502040204020203" pitchFamily="34" charset="0"/>
-                <a:cs typeface="Segoe UI" panose="020B0502040204020203" pitchFamily="34" charset="0"/>
-              </a:rPr>
-              <a:t>ANÁLISE ENERGIA</a:t>
-            </a:r>
+            <a:endParaRPr lang="pt-BR"/>
           </a:p>
         </p:txBody>
       </p:sp>
+      <p:pic>
+        <p:nvPicPr>
+          <p:cNvPr id="20" name="Imagem 19"/>
+          <p:cNvPicPr>
+            <a:picLocks noChangeAspect="1"/>
+          </p:cNvPicPr>
+          <p:nvPr/>
+        </p:nvPicPr>
+        <p:blipFill>
+          <a:blip r:embed="rId7" cstate="print">
+            <a:extLst>
+              <a:ext uri="{28A0092B-C50C-407E-A947-70E740481C1C}">
+                <a14:useLocalDpi xmlns:a14="http://schemas.microsoft.com/office/drawing/2010/main" val="0"/>
+              </a:ext>
+            </a:extLst>
+          </a:blip>
+          <a:stretch>
+            <a:fillRect/>
+          </a:stretch>
+        </p:blipFill>
+        <p:spPr>
+          <a:xfrm>
+            <a:off x="5764787" y="3316984"/>
+            <a:ext cx="492936" cy="492936"/>
+          </a:xfrm>
+          <a:prstGeom prst="rect">
+            <a:avLst/>
+          </a:prstGeom>
+        </p:spPr>
+      </p:pic>
+    </p:spTree>
+    <p:extLst>
+      <p:ext uri="{BB962C8B-B14F-4D97-AF65-F5344CB8AC3E}">
+        <p14:creationId xmlns:p14="http://schemas.microsoft.com/office/powerpoint/2010/main" val="1507419324"/>
+      </p:ext>
+    </p:extLst>
+  </p:cSld>
+  <p:clrMapOvr>
+    <a:masterClrMapping/>
+  </p:clrMapOvr>
+  <p:timing>
+    <p:tnLst>
+      <p:par>
+        <p:cTn id="1" dur="indefinite" restart="never" nodeType="tmRoot"/>
+      </p:par>
+    </p:tnLst>
+  </p:timing>
+</p:sld>
+</file>
+
+<file path=ppt/slides/slide2.xml><?xml version="1.0" encoding="utf-8"?>
+<p:sld xmlns:a="http://schemas.openxmlformats.org/drawingml/2006/main" xmlns:r="http://schemas.openxmlformats.org/officeDocument/2006/relationships" xmlns:p="http://schemas.openxmlformats.org/presentationml/2006/main">
+  <p:cSld>
+    <p:spTree>
+      <p:nvGrpSpPr>
+        <p:cNvPr id="1" name=""/>
+        <p:cNvGrpSpPr/>
+        <p:nvPr/>
+      </p:nvGrpSpPr>
+      <p:grpSpPr>
+        <a:xfrm>
+          <a:off x="0" y="0"/>
+          <a:ext cx="0" cy="0"/>
+          <a:chOff x="0" y="0"/>
+          <a:chExt cx="0" cy="0"/>
+        </a:xfrm>
+      </p:grpSpPr>
+      <p:pic>
+        <p:nvPicPr>
+          <p:cNvPr id="5" name="Imagem 4">
+            <a:extLst>
+              <a:ext uri="{FF2B5EF4-FFF2-40B4-BE49-F238E27FC236}">
+                <a16:creationId xmlns:a16="http://schemas.microsoft.com/office/drawing/2014/main" xmlns="" id="{12B9E5DD-62AE-4B47-8CBB-BAB6F864373D}"/>
+              </a:ext>
+            </a:extLst>
+          </p:cNvPr>
+          <p:cNvPicPr>
+            <a:picLocks noChangeAspect="1"/>
+          </p:cNvPicPr>
+          <p:nvPr/>
+        </p:nvPicPr>
+        <p:blipFill>
+          <a:blip r:embed="rId2">
+            <a:alphaModFix amt="85000"/>
+            <a:extLst>
+              <a:ext uri="{BEBA8EAE-BF5A-486C-A8C5-ECC9F3942E4B}">
+                <a14:imgProps xmlns:a14="http://schemas.microsoft.com/office/drawing/2010/main">
+                  <a14:imgLayer r:embed="rId3">
+                    <a14:imgEffect>
+                      <a14:saturation sat="66000"/>
+                    </a14:imgEffect>
+                  </a14:imgLayer>
+                </a14:imgProps>
+              </a:ext>
+              <a:ext uri="{28A0092B-C50C-407E-A947-70E740481C1C}">
+                <a14:useLocalDpi xmlns:a14="http://schemas.microsoft.com/office/drawing/2010/main" val="0"/>
+              </a:ext>
+            </a:extLst>
+          </a:blip>
+          <a:stretch>
+            <a:fillRect/>
+          </a:stretch>
+        </p:blipFill>
+        <p:spPr>
+          <a:xfrm>
+            <a:off x="0" y="0"/>
+            <a:ext cx="12192000" cy="6858000"/>
+          </a:xfrm>
+          <a:prstGeom prst="rect">
+            <a:avLst/>
+          </a:prstGeom>
+          <a:effectLst>
+            <a:outerShdw blurRad="50800" dist="38100" dir="2700000" algn="tl" rotWithShape="0">
+              <a:prstClr val="black">
+                <a:alpha val="40000"/>
+              </a:prstClr>
+            </a:outerShdw>
+          </a:effectLst>
+        </p:spPr>
+      </p:pic>
       <p:sp>
         <p:nvSpPr>
-          <p:cNvPr id="35" name="Retângulo: Cantos Arredondados 34">
-            <a:extLst>
-              <a:ext uri="{FF2B5EF4-FFF2-40B4-BE49-F238E27FC236}">
-                <a16:creationId xmlns:a16="http://schemas.microsoft.com/office/drawing/2014/main" id="{F9091EDE-C8B7-4C0A-9DE7-C56FFBD641D1}"/>
+          <p:cNvPr id="6" name="Retângulo: Cantos Arredondados 5">
+            <a:extLst>
+              <a:ext uri="{FF2B5EF4-FFF2-40B4-BE49-F238E27FC236}">
+                <a16:creationId xmlns:a16="http://schemas.microsoft.com/office/drawing/2014/main" xmlns="" id="{16A214BD-152B-408A-BA2D-152F2C7D5C1E}"/>
               </a:ext>
             </a:extLst>
           </p:cNvPr>
@@ -3651,8 +4230,8 @@
         </p:nvSpPr>
         <p:spPr>
           <a:xfrm>
-            <a:off x="769503" y="4310739"/>
-            <a:ext cx="10717123" cy="1492899"/>
+            <a:off x="746447" y="4301412"/>
+            <a:ext cx="5173289" cy="2418647"/>
           </a:xfrm>
           <a:prstGeom prst="roundRect">
             <a:avLst>
@@ -3660,8 +4239,8 @@
             </a:avLst>
           </a:prstGeom>
           <a:solidFill>
-            <a:srgbClr val="FFFFFF">
-              <a:alpha val="5098"/>
+            <a:srgbClr val="002060">
+              <a:alpha val="61961"/>
             </a:srgbClr>
           </a:solidFill>
           <a:ln>
@@ -3695,16 +4274,679 @@
           <a:bodyPr rtlCol="0" anchor="ctr"/>
           <a:lstStyle/>
           <a:p>
+            <a:pPr marL="0" marR="0" lvl="0" indent="0" algn="ctr" defTabSz="914400" rtl="0" eaLnBrk="1" fontAlgn="auto" latinLnBrk="0" hangingPunct="1">
+              <a:lnSpc>
+                <a:spcPct val="100000"/>
+              </a:lnSpc>
+              <a:spcBef>
+                <a:spcPts val="0"/>
+              </a:spcBef>
+              <a:spcAft>
+                <a:spcPts val="0"/>
+              </a:spcAft>
+              <a:buClrTx/>
+              <a:buSzTx/>
+              <a:buFontTx/>
+              <a:buNone/>
+              <a:tabLst/>
+              <a:defRPr/>
+            </a:pPr>
+            <a:endParaRPr kumimoji="0" lang="pt-BR" sz="1800" b="0" i="0" u="none" strike="noStrike" kern="1200" cap="none" spc="0" normalizeH="0" baseline="0" noProof="0">
+              <a:ln>
+                <a:noFill/>
+              </a:ln>
+              <a:solidFill>
+                <a:prstClr val="white"/>
+              </a:solidFill>
+              <a:effectLst/>
+              <a:uLnTx/>
+              <a:uFillTx/>
+              <a:latin typeface="Calibri" panose="020F0502020204030204"/>
+              <a:ea typeface="+mn-ea"/>
+              <a:cs typeface="+mn-cs"/>
+            </a:endParaRPr>
+          </a:p>
+        </p:txBody>
+      </p:sp>
+      <p:sp>
+        <p:nvSpPr>
+          <p:cNvPr id="7" name="Retângulo: Cantos Arredondados 6">
+            <a:extLst>
+              <a:ext uri="{FF2B5EF4-FFF2-40B4-BE49-F238E27FC236}">
+                <a16:creationId xmlns:a16="http://schemas.microsoft.com/office/drawing/2014/main" xmlns="" id="{1A841DD7-013C-4EC1-A924-DC60EF521053}"/>
+              </a:ext>
+            </a:extLst>
+          </p:cNvPr>
+          <p:cNvSpPr/>
+          <p:nvPr/>
+        </p:nvSpPr>
+        <p:spPr>
+          <a:xfrm>
+            <a:off x="746447" y="1869312"/>
+            <a:ext cx="5173289" cy="2356403"/>
+          </a:xfrm>
+          <a:prstGeom prst="roundRect">
+            <a:avLst>
+              <a:gd name="adj" fmla="val 0"/>
+            </a:avLst>
+          </a:prstGeom>
+          <a:solidFill>
+            <a:srgbClr val="002060">
+              <a:alpha val="61961"/>
+            </a:srgbClr>
+          </a:solidFill>
+          <a:ln>
+            <a:noFill/>
+          </a:ln>
+          <a:effectLst>
+            <a:outerShdw blurRad="101600" dist="63500" dir="2700000" algn="tl" rotWithShape="0">
+              <a:srgbClr val="1C262D">
+                <a:alpha val="30000"/>
+              </a:srgbClr>
+            </a:outerShdw>
+          </a:effectLst>
+        </p:spPr>
+        <p:style>
+          <a:lnRef idx="2">
+            <a:schemeClr val="accent1">
+              <a:shade val="50000"/>
+            </a:schemeClr>
+          </a:lnRef>
+          <a:fillRef idx="1">
+            <a:schemeClr val="accent1"/>
+          </a:fillRef>
+          <a:effectRef idx="0">
+            <a:schemeClr val="accent1"/>
+          </a:effectRef>
+          <a:fontRef idx="minor">
+            <a:schemeClr val="lt1"/>
+          </a:fontRef>
+        </p:style>
+        <p:txBody>
+          <a:bodyPr rtlCol="0" anchor="ctr"/>
+          <a:lstStyle/>
+          <a:p>
+            <a:pPr marL="0" marR="0" lvl="0" indent="0" algn="ctr" defTabSz="914400" rtl="0" eaLnBrk="1" fontAlgn="auto" latinLnBrk="0" hangingPunct="1">
+              <a:lnSpc>
+                <a:spcPct val="100000"/>
+              </a:lnSpc>
+              <a:spcBef>
+                <a:spcPts val="0"/>
+              </a:spcBef>
+              <a:spcAft>
+                <a:spcPts val="0"/>
+              </a:spcAft>
+              <a:buClrTx/>
+              <a:buSzTx/>
+              <a:buFontTx/>
+              <a:buNone/>
+              <a:tabLst/>
+              <a:defRPr/>
+            </a:pPr>
+            <a:endParaRPr kumimoji="0" lang="pt-BR" sz="1800" b="0" i="0" u="none" strike="noStrike" kern="1200" cap="none" spc="0" normalizeH="0" baseline="0" noProof="0" dirty="0">
+              <a:ln>
+                <a:noFill/>
+              </a:ln>
+              <a:solidFill>
+                <a:prstClr val="white"/>
+              </a:solidFill>
+              <a:effectLst/>
+              <a:uLnTx/>
+              <a:uFillTx/>
+              <a:latin typeface="Calibri" panose="020F0502020204030204"/>
+              <a:ea typeface="+mn-ea"/>
+              <a:cs typeface="+mn-cs"/>
+            </a:endParaRPr>
+          </a:p>
+        </p:txBody>
+      </p:sp>
+      <p:sp>
+        <p:nvSpPr>
+          <p:cNvPr id="8" name="Retângulo: Cantos Arredondados 7">
+            <a:extLst>
+              <a:ext uri="{FF2B5EF4-FFF2-40B4-BE49-F238E27FC236}">
+                <a16:creationId xmlns:a16="http://schemas.microsoft.com/office/drawing/2014/main" xmlns="" id="{B3056140-F27E-4D29-8CD8-CFFDDD056A17}"/>
+              </a:ext>
+            </a:extLst>
+          </p:cNvPr>
+          <p:cNvSpPr/>
+          <p:nvPr/>
+        </p:nvSpPr>
+        <p:spPr>
+          <a:xfrm>
+            <a:off x="5971590" y="3136739"/>
+            <a:ext cx="3032991" cy="3583319"/>
+          </a:xfrm>
+          <a:prstGeom prst="roundRect">
+            <a:avLst>
+              <a:gd name="adj" fmla="val 0"/>
+            </a:avLst>
+          </a:prstGeom>
+          <a:solidFill>
+            <a:srgbClr val="002060">
+              <a:alpha val="61961"/>
+            </a:srgbClr>
+          </a:solidFill>
+          <a:ln>
+            <a:noFill/>
+          </a:ln>
+          <a:effectLst>
+            <a:outerShdw blurRad="101600" dist="63500" dir="2700000" algn="tl" rotWithShape="0">
+              <a:srgbClr val="1C262D">
+                <a:alpha val="30000"/>
+              </a:srgbClr>
+            </a:outerShdw>
+          </a:effectLst>
+        </p:spPr>
+        <p:style>
+          <a:lnRef idx="2">
+            <a:schemeClr val="accent1">
+              <a:shade val="50000"/>
+            </a:schemeClr>
+          </a:lnRef>
+          <a:fillRef idx="1">
+            <a:schemeClr val="accent1"/>
+          </a:fillRef>
+          <a:effectRef idx="0">
+            <a:schemeClr val="accent1"/>
+          </a:effectRef>
+          <a:fontRef idx="minor">
+            <a:schemeClr val="lt1"/>
+          </a:fontRef>
+        </p:style>
+        <p:txBody>
+          <a:bodyPr rtlCol="0" anchor="ctr"/>
+          <a:lstStyle/>
+          <a:p>
+            <a:pPr marL="0" marR="0" lvl="0" indent="0" algn="ctr" defTabSz="914400" rtl="0" eaLnBrk="1" fontAlgn="auto" latinLnBrk="0" hangingPunct="1">
+              <a:lnSpc>
+                <a:spcPct val="100000"/>
+              </a:lnSpc>
+              <a:spcBef>
+                <a:spcPts val="0"/>
+              </a:spcBef>
+              <a:spcAft>
+                <a:spcPts val="0"/>
+              </a:spcAft>
+              <a:buClrTx/>
+              <a:buSzTx/>
+              <a:buFontTx/>
+              <a:buNone/>
+              <a:tabLst/>
+              <a:defRPr/>
+            </a:pPr>
+            <a:endParaRPr kumimoji="0" lang="pt-BR" sz="1800" b="0" i="0" u="none" strike="noStrike" kern="1200" cap="none" spc="0" normalizeH="0" baseline="0" noProof="0">
+              <a:ln>
+                <a:noFill/>
+              </a:ln>
+              <a:solidFill>
+                <a:prstClr val="white"/>
+              </a:solidFill>
+              <a:effectLst/>
+              <a:uLnTx/>
+              <a:uFillTx/>
+              <a:latin typeface="Calibri" panose="020F0502020204030204"/>
+              <a:ea typeface="+mn-ea"/>
+              <a:cs typeface="+mn-cs"/>
+            </a:endParaRPr>
+          </a:p>
+        </p:txBody>
+      </p:sp>
+      <p:sp>
+        <p:nvSpPr>
+          <p:cNvPr id="9" name="Retângulo: Cantos Arredondados 8">
+            <a:extLst>
+              <a:ext uri="{FF2B5EF4-FFF2-40B4-BE49-F238E27FC236}">
+                <a16:creationId xmlns:a16="http://schemas.microsoft.com/office/drawing/2014/main" xmlns="" id="{D8147362-D507-4FFD-BE2B-3A8A61689F7A}"/>
+              </a:ext>
+            </a:extLst>
+          </p:cNvPr>
+          <p:cNvSpPr/>
+          <p:nvPr/>
+        </p:nvSpPr>
+        <p:spPr>
+          <a:xfrm>
+            <a:off x="9069283" y="3125165"/>
+            <a:ext cx="3032991" cy="3583319"/>
+          </a:xfrm>
+          <a:prstGeom prst="roundRect">
+            <a:avLst>
+              <a:gd name="adj" fmla="val 0"/>
+            </a:avLst>
+          </a:prstGeom>
+          <a:solidFill>
+            <a:srgbClr val="002060">
+              <a:alpha val="61961"/>
+            </a:srgbClr>
+          </a:solidFill>
+          <a:ln>
+            <a:noFill/>
+          </a:ln>
+          <a:effectLst>
+            <a:outerShdw blurRad="101600" dist="63500" dir="2700000" algn="tl" rotWithShape="0">
+              <a:srgbClr val="1C262D">
+                <a:alpha val="30000"/>
+              </a:srgbClr>
+            </a:outerShdw>
+          </a:effectLst>
+        </p:spPr>
+        <p:style>
+          <a:lnRef idx="2">
+            <a:schemeClr val="accent1">
+              <a:shade val="50000"/>
+            </a:schemeClr>
+          </a:lnRef>
+          <a:fillRef idx="1">
+            <a:schemeClr val="accent1"/>
+          </a:fillRef>
+          <a:effectRef idx="0">
+            <a:schemeClr val="accent1"/>
+          </a:effectRef>
+          <a:fontRef idx="minor">
+            <a:schemeClr val="lt1"/>
+          </a:fontRef>
+        </p:style>
+        <p:txBody>
+          <a:bodyPr rtlCol="0" anchor="ctr"/>
+          <a:lstStyle/>
+          <a:p>
+            <a:pPr marL="0" marR="0" lvl="0" indent="0" algn="ctr" defTabSz="914400" rtl="0" eaLnBrk="1" fontAlgn="auto" latinLnBrk="0" hangingPunct="1">
+              <a:lnSpc>
+                <a:spcPct val="100000"/>
+              </a:lnSpc>
+              <a:spcBef>
+                <a:spcPts val="0"/>
+              </a:spcBef>
+              <a:spcAft>
+                <a:spcPts val="0"/>
+              </a:spcAft>
+              <a:buClrTx/>
+              <a:buSzTx/>
+              <a:buFontTx/>
+              <a:buNone/>
+              <a:tabLst/>
+              <a:defRPr/>
+            </a:pPr>
+            <a:endParaRPr kumimoji="0" lang="pt-BR" sz="1800" b="0" i="0" u="none" strike="noStrike" kern="1200" cap="none" spc="0" normalizeH="0" baseline="0" noProof="0">
+              <a:ln>
+                <a:noFill/>
+              </a:ln>
+              <a:solidFill>
+                <a:prstClr val="white"/>
+              </a:solidFill>
+              <a:effectLst/>
+              <a:uLnTx/>
+              <a:uFillTx/>
+              <a:latin typeface="Calibri" panose="020F0502020204030204"/>
+              <a:ea typeface="+mn-ea"/>
+              <a:cs typeface="+mn-cs"/>
+            </a:endParaRPr>
+          </a:p>
+        </p:txBody>
+      </p:sp>
+      <p:sp>
+        <p:nvSpPr>
+          <p:cNvPr id="12" name="Retângulo: Cantos Arredondados 11">
+            <a:extLst>
+              <a:ext uri="{FF2B5EF4-FFF2-40B4-BE49-F238E27FC236}">
+                <a16:creationId xmlns:a16="http://schemas.microsoft.com/office/drawing/2014/main" xmlns="" id="{46EF5AD3-6E31-4296-9F57-57F32B336C16}"/>
+              </a:ext>
+            </a:extLst>
+          </p:cNvPr>
+          <p:cNvSpPr/>
+          <p:nvPr/>
+        </p:nvSpPr>
+        <p:spPr>
+          <a:xfrm>
+            <a:off x="5971590" y="77652"/>
+            <a:ext cx="3032991" cy="2994363"/>
+          </a:xfrm>
+          <a:prstGeom prst="roundRect">
+            <a:avLst>
+              <a:gd name="adj" fmla="val 0"/>
+            </a:avLst>
+          </a:prstGeom>
+          <a:solidFill>
+            <a:srgbClr val="002060">
+              <a:alpha val="61961"/>
+            </a:srgbClr>
+          </a:solidFill>
+          <a:ln>
+            <a:noFill/>
+          </a:ln>
+          <a:effectLst>
+            <a:outerShdw blurRad="101600" dist="63500" dir="2700000" algn="tl" rotWithShape="0">
+              <a:srgbClr val="1C262D">
+                <a:alpha val="30000"/>
+              </a:srgbClr>
+            </a:outerShdw>
+          </a:effectLst>
+        </p:spPr>
+        <p:style>
+          <a:lnRef idx="2">
+            <a:schemeClr val="accent1">
+              <a:shade val="50000"/>
+            </a:schemeClr>
+          </a:lnRef>
+          <a:fillRef idx="1">
+            <a:schemeClr val="accent1"/>
+          </a:fillRef>
+          <a:effectRef idx="0">
+            <a:schemeClr val="accent1"/>
+          </a:effectRef>
+          <a:fontRef idx="minor">
+            <a:schemeClr val="lt1"/>
+          </a:fontRef>
+        </p:style>
+        <p:txBody>
+          <a:bodyPr rtlCol="0" anchor="ctr"/>
+          <a:lstStyle/>
+          <a:p>
+            <a:pPr marL="0" marR="0" lvl="0" indent="0" algn="ctr" defTabSz="914400" rtl="0" eaLnBrk="1" fontAlgn="auto" latinLnBrk="0" hangingPunct="1">
+              <a:lnSpc>
+                <a:spcPct val="100000"/>
+              </a:lnSpc>
+              <a:spcBef>
+                <a:spcPts val="0"/>
+              </a:spcBef>
+              <a:spcAft>
+                <a:spcPts val="0"/>
+              </a:spcAft>
+              <a:buClrTx/>
+              <a:buSzTx/>
+              <a:buFontTx/>
+              <a:buNone/>
+              <a:tabLst/>
+              <a:defRPr/>
+            </a:pPr>
+            <a:endParaRPr kumimoji="0" lang="pt-BR" sz="1800" b="0" i="0" u="none" strike="noStrike" kern="1200" cap="none" spc="0" normalizeH="0" baseline="0" noProof="0">
+              <a:ln>
+                <a:noFill/>
+              </a:ln>
+              <a:solidFill>
+                <a:prstClr val="white"/>
+              </a:solidFill>
+              <a:effectLst/>
+              <a:uLnTx/>
+              <a:uFillTx/>
+              <a:latin typeface="Calibri" panose="020F0502020204030204"/>
+              <a:ea typeface="+mn-ea"/>
+              <a:cs typeface="+mn-cs"/>
+            </a:endParaRPr>
+          </a:p>
+        </p:txBody>
+      </p:sp>
+      <p:sp>
+        <p:nvSpPr>
+          <p:cNvPr id="13" name="Retângulo: Cantos Arredondados 12">
+            <a:extLst>
+              <a:ext uri="{FF2B5EF4-FFF2-40B4-BE49-F238E27FC236}">
+                <a16:creationId xmlns:a16="http://schemas.microsoft.com/office/drawing/2014/main" xmlns="" id="{5729C109-BE32-46F7-87D8-8B9E00BF5958}"/>
+              </a:ext>
+            </a:extLst>
+          </p:cNvPr>
+          <p:cNvSpPr/>
+          <p:nvPr/>
+        </p:nvSpPr>
+        <p:spPr>
+          <a:xfrm>
+            <a:off x="9069283" y="66078"/>
+            <a:ext cx="3032991" cy="2994363"/>
+          </a:xfrm>
+          <a:prstGeom prst="roundRect">
+            <a:avLst>
+              <a:gd name="adj" fmla="val 0"/>
+            </a:avLst>
+          </a:prstGeom>
+          <a:solidFill>
+            <a:srgbClr val="002060">
+              <a:alpha val="61961"/>
+            </a:srgbClr>
+          </a:solidFill>
+          <a:ln>
+            <a:noFill/>
+          </a:ln>
+          <a:effectLst>
+            <a:outerShdw blurRad="101600" dist="63500" dir="2700000" algn="tl" rotWithShape="0">
+              <a:srgbClr val="1C262D">
+                <a:alpha val="30000"/>
+              </a:srgbClr>
+            </a:outerShdw>
+          </a:effectLst>
+        </p:spPr>
+        <p:style>
+          <a:lnRef idx="2">
+            <a:schemeClr val="accent1">
+              <a:shade val="50000"/>
+            </a:schemeClr>
+          </a:lnRef>
+          <a:fillRef idx="1">
+            <a:schemeClr val="accent1"/>
+          </a:fillRef>
+          <a:effectRef idx="0">
+            <a:schemeClr val="accent1"/>
+          </a:effectRef>
+          <a:fontRef idx="minor">
+            <a:schemeClr val="lt1"/>
+          </a:fontRef>
+        </p:style>
+        <p:txBody>
+          <a:bodyPr rtlCol="0" anchor="ctr"/>
+          <a:lstStyle/>
+          <a:p>
+            <a:pPr marL="0" marR="0" lvl="0" indent="0" algn="ctr" defTabSz="914400" rtl="0" eaLnBrk="1" fontAlgn="auto" latinLnBrk="0" hangingPunct="1">
+              <a:lnSpc>
+                <a:spcPct val="100000"/>
+              </a:lnSpc>
+              <a:spcBef>
+                <a:spcPts val="0"/>
+              </a:spcBef>
+              <a:spcAft>
+                <a:spcPts val="0"/>
+              </a:spcAft>
+              <a:buClrTx/>
+              <a:buSzTx/>
+              <a:buFontTx/>
+              <a:buNone/>
+              <a:tabLst/>
+              <a:defRPr/>
+            </a:pPr>
+            <a:endParaRPr kumimoji="0" lang="pt-BR" sz="1800" b="0" i="0" u="none" strike="noStrike" kern="1200" cap="none" spc="0" normalizeH="0" baseline="0" noProof="0">
+              <a:ln>
+                <a:noFill/>
+              </a:ln>
+              <a:solidFill>
+                <a:prstClr val="white"/>
+              </a:solidFill>
+              <a:effectLst/>
+              <a:uLnTx/>
+              <a:uFillTx/>
+              <a:latin typeface="Calibri" panose="020F0502020204030204"/>
+              <a:ea typeface="+mn-ea"/>
+              <a:cs typeface="+mn-cs"/>
+            </a:endParaRPr>
+          </a:p>
+        </p:txBody>
+      </p:sp>
+      <p:sp>
+        <p:nvSpPr>
+          <p:cNvPr id="10" name="Retângulo: Cantos Arredondados 9">
+            <a:extLst>
+              <a:ext uri="{FF2B5EF4-FFF2-40B4-BE49-F238E27FC236}">
+                <a16:creationId xmlns:a16="http://schemas.microsoft.com/office/drawing/2014/main" xmlns="" id="{DA1B9C50-829A-49B6-BFD1-7071FE024AA1}"/>
+              </a:ext>
+            </a:extLst>
+          </p:cNvPr>
+          <p:cNvSpPr/>
+          <p:nvPr/>
+        </p:nvSpPr>
+        <p:spPr>
+          <a:xfrm>
+            <a:off x="746447" y="66078"/>
+            <a:ext cx="5173289" cy="1727537"/>
+          </a:xfrm>
+          <a:prstGeom prst="roundRect">
+            <a:avLst>
+              <a:gd name="adj" fmla="val 0"/>
+            </a:avLst>
+          </a:prstGeom>
+          <a:solidFill>
+            <a:srgbClr val="002060"/>
+          </a:solidFill>
+          <a:ln>
+            <a:noFill/>
+          </a:ln>
+          <a:effectLst>
+            <a:outerShdw blurRad="101600" dist="63500" dir="2700000" algn="tl" rotWithShape="0">
+              <a:srgbClr val="1C262D">
+                <a:alpha val="30000"/>
+              </a:srgbClr>
+            </a:outerShdw>
+          </a:effectLst>
+        </p:spPr>
+        <p:style>
+          <a:lnRef idx="2">
+            <a:schemeClr val="accent1">
+              <a:shade val="50000"/>
+            </a:schemeClr>
+          </a:lnRef>
+          <a:fillRef idx="1">
+            <a:schemeClr val="accent1"/>
+          </a:fillRef>
+          <a:effectRef idx="0">
+            <a:schemeClr val="accent1"/>
+          </a:effectRef>
+          <a:fontRef idx="minor">
+            <a:schemeClr val="lt1"/>
+          </a:fontRef>
+        </p:style>
+        <p:txBody>
+          <a:bodyPr rtlCol="0" anchor="t"/>
+          <a:lstStyle/>
+          <a:p>
+            <a:pPr marL="0" marR="0" lvl="0" indent="0" defTabSz="914400" rtl="0" eaLnBrk="1" fontAlgn="auto" latinLnBrk="0" hangingPunct="1">
+              <a:lnSpc>
+                <a:spcPct val="100000"/>
+              </a:lnSpc>
+              <a:spcBef>
+                <a:spcPts val="0"/>
+              </a:spcBef>
+              <a:spcAft>
+                <a:spcPts val="0"/>
+              </a:spcAft>
+              <a:buClrTx/>
+              <a:buSzTx/>
+              <a:buFontTx/>
+              <a:buNone/>
+              <a:tabLst/>
+              <a:defRPr/>
+            </a:pPr>
             <a:r>
-              <a:rPr lang="pt-BR" sz="3200" b="1" dirty="0">
+              <a:rPr kumimoji="0" lang="pt-BR" sz="1800" b="1" i="0" u="none" strike="noStrike" kern="1200" cap="none" spc="0" normalizeH="0" baseline="0" noProof="0" dirty="0">
+                <a:ln>
+                  <a:noFill/>
+                </a:ln>
                 <a:solidFill>
                   <a:prstClr val="white"/>
                 </a:solidFill>
+                <a:effectLst/>
+                <a:uLnTx/>
+                <a:uFillTx/>
                 <a:latin typeface="Segoe UI" panose="020B0502040204020203" pitchFamily="34" charset="0"/>
                 <a:cs typeface="Segoe UI" panose="020B0502040204020203" pitchFamily="34" charset="0"/>
               </a:rPr>
-              <a:t>  EQUIPE</a:t>
+              <a:t>ANÁLISE COVID</a:t>
             </a:r>
+          </a:p>
+        </p:txBody>
+      </p:sp>
+      <p:sp>
+        <p:nvSpPr>
+          <p:cNvPr id="23" name="Retângulo: Cantos Arredondados 22">
+            <a:extLst>
+              <a:ext uri="{FF2B5EF4-FFF2-40B4-BE49-F238E27FC236}">
+                <a16:creationId xmlns:a16="http://schemas.microsoft.com/office/drawing/2014/main" xmlns="" id="{48C2C396-17C5-4158-BE2E-7A41DEB1CE0F}"/>
+              </a:ext>
+            </a:extLst>
+          </p:cNvPr>
+          <p:cNvSpPr/>
+          <p:nvPr/>
+        </p:nvSpPr>
+        <p:spPr>
+          <a:xfrm>
+            <a:off x="0" y="0"/>
+            <a:ext cx="656721" cy="6858000"/>
+          </a:xfrm>
+          <a:prstGeom prst="roundRect">
+            <a:avLst>
+              <a:gd name="adj" fmla="val 0"/>
+            </a:avLst>
+          </a:prstGeom>
+          <a:solidFill>
+            <a:srgbClr val="002060"/>
+          </a:solidFill>
+          <a:ln>
+            <a:noFill/>
+          </a:ln>
+          <a:effectLst>
+            <a:outerShdw blurRad="101600" dist="63500" dir="2700000" algn="tl" rotWithShape="0">
+              <a:srgbClr val="1C262D">
+                <a:alpha val="30000"/>
+              </a:srgbClr>
+            </a:outerShdw>
+          </a:effectLst>
+        </p:spPr>
+        <p:style>
+          <a:lnRef idx="2">
+            <a:schemeClr val="accent1">
+              <a:shade val="50000"/>
+            </a:schemeClr>
+          </a:lnRef>
+          <a:fillRef idx="1">
+            <a:schemeClr val="accent1"/>
+          </a:fillRef>
+          <a:effectRef idx="0">
+            <a:schemeClr val="accent1"/>
+          </a:effectRef>
+          <a:fontRef idx="minor">
+            <a:schemeClr val="lt1"/>
+          </a:fontRef>
+        </p:style>
+        <p:txBody>
+          <a:bodyPr rtlCol="0" anchor="ctr"/>
+          <a:lstStyle/>
+          <a:p>
+            <a:pPr marL="0" marR="0" lvl="0" indent="0" algn="ctr" defTabSz="914400" rtl="0" eaLnBrk="1" fontAlgn="auto" latinLnBrk="0" hangingPunct="1">
+              <a:lnSpc>
+                <a:spcPct val="100000"/>
+              </a:lnSpc>
+              <a:spcBef>
+                <a:spcPts val="0"/>
+              </a:spcBef>
+              <a:spcAft>
+                <a:spcPts val="0"/>
+              </a:spcAft>
+              <a:buClrTx/>
+              <a:buSzTx/>
+              <a:buFontTx/>
+              <a:buNone/>
+              <a:tabLst/>
+              <a:defRPr/>
+            </a:pPr>
+            <a:endParaRPr kumimoji="0" lang="pt-BR" sz="1800" b="0" i="0" u="none" strike="noStrike" kern="1200" cap="none" spc="0" normalizeH="0" baseline="0" noProof="0">
+              <a:ln>
+                <a:noFill/>
+              </a:ln>
+              <a:solidFill>
+                <a:prstClr val="white"/>
+              </a:solidFill>
+              <a:effectLst/>
+              <a:uLnTx/>
+              <a:uFillTx/>
+              <a:latin typeface="Calibri" panose="020F0502020204030204"/>
+              <a:ea typeface="+mn-ea"/>
+              <a:cs typeface="+mn-cs"/>
+            </a:endParaRPr>
           </a:p>
         </p:txBody>
       </p:sp>
@@ -3713,7 +4955,7 @@
           <p:cNvPr id="29" name="Forma Livre: Forma 28">
             <a:extLst>
               <a:ext uri="{FF2B5EF4-FFF2-40B4-BE49-F238E27FC236}">
-                <a16:creationId xmlns:a16="http://schemas.microsoft.com/office/drawing/2014/main" id="{DBBB34D3-C576-4D8A-AE55-FDEC7BAA49A7}"/>
+                <a16:creationId xmlns:a16="http://schemas.microsoft.com/office/drawing/2014/main" xmlns="" id="{DBBB34D3-C576-4D8A-AE55-FDEC7BAA49A7}"/>
               </a:ext>
             </a:extLst>
           </p:cNvPr>
@@ -3722,8 +4964,8 @@
         </p:nvSpPr>
         <p:spPr>
           <a:xfrm>
-            <a:off x="9924020" y="4517187"/>
-            <a:ext cx="1080000" cy="1080000"/>
+            <a:off x="114346" y="6223241"/>
+            <a:ext cx="396000" cy="396000"/>
           </a:xfrm>
           <a:custGeom>
             <a:avLst/>
@@ -4160,7 +5402,7 @@
               <a:tabLst/>
               <a:defRPr/>
             </a:pPr>
-            <a:endParaRPr kumimoji="0" lang="pt-BR" sz="1800" b="0" i="0" u="none" strike="noStrike" kern="1200" cap="none" spc="0" normalizeH="0" baseline="0" noProof="0">
+            <a:endParaRPr kumimoji="0" lang="pt-BR" sz="1800" b="0" i="0" u="none" strike="noStrike" kern="1200" cap="none" spc="0" normalizeH="0" baseline="0" noProof="0" dirty="0">
               <a:ln>
                 <a:noFill/>
               </a:ln>
@@ -4182,7 +5424,7 @@
           <p:cNvPr id="31" name="Forma Livre: Forma 30">
             <a:extLst>
               <a:ext uri="{FF2B5EF4-FFF2-40B4-BE49-F238E27FC236}">
-                <a16:creationId xmlns:a16="http://schemas.microsoft.com/office/drawing/2014/main" id="{97F1B691-3CC5-42EE-A134-8B51B95B9AC0}"/>
+                <a16:creationId xmlns:a16="http://schemas.microsoft.com/office/drawing/2014/main" xmlns="" id="{97F1B691-3CC5-42EE-A134-8B51B95B9AC0}"/>
               </a:ext>
             </a:extLst>
           </p:cNvPr>
@@ -4191,8 +5433,8 @@
         </p:nvSpPr>
         <p:spPr>
           <a:xfrm>
-            <a:off x="8361414" y="4517187"/>
-            <a:ext cx="1080000" cy="1080000"/>
+            <a:off x="86353" y="5588483"/>
+            <a:ext cx="468000" cy="468000"/>
           </a:xfrm>
           <a:custGeom>
             <a:avLst/>
@@ -4843,12 +6085,64 @@
           </a:p>
         </p:txBody>
       </p:sp>
+      <p:sp>
+        <p:nvSpPr>
+          <p:cNvPr id="2" name="Elipse 1">
+            <a:extLst>
+              <a:ext uri="{FF2B5EF4-FFF2-40B4-BE49-F238E27FC236}">
+                <a16:creationId xmlns:a16="http://schemas.microsoft.com/office/drawing/2014/main" xmlns="" id="{49F99978-92E2-4BC9-A22F-BF776BF66F50}"/>
+              </a:ext>
+            </a:extLst>
+          </p:cNvPr>
+          <p:cNvSpPr/>
+          <p:nvPr/>
+        </p:nvSpPr>
+        <p:spPr>
+          <a:xfrm>
+            <a:off x="74646" y="1511559"/>
+            <a:ext cx="513183" cy="475861"/>
+          </a:xfrm>
+          <a:prstGeom prst="ellipse">
+            <a:avLst/>
+          </a:prstGeom>
+          <a:solidFill>
+            <a:schemeClr val="bg1"/>
+          </a:solidFill>
+          <a:ln>
+            <a:noFill/>
+          </a:ln>
+        </p:spPr>
+        <p:style>
+          <a:lnRef idx="2">
+            <a:schemeClr val="accent1">
+              <a:shade val="50000"/>
+            </a:schemeClr>
+          </a:lnRef>
+          <a:fillRef idx="1">
+            <a:schemeClr val="accent1"/>
+          </a:fillRef>
+          <a:effectRef idx="0">
+            <a:schemeClr val="accent1"/>
+          </a:effectRef>
+          <a:fontRef idx="minor">
+            <a:schemeClr val="lt1"/>
+          </a:fontRef>
+        </p:style>
+        <p:txBody>
+          <a:bodyPr rtlCol="0" anchor="ctr"/>
+          <a:lstStyle/>
+          <a:p>
+            <a:pPr algn="ctr"/>
+            <a:endParaRPr lang="pt-BR"/>
+          </a:p>
+        </p:txBody>
+      </p:sp>
       <p:pic>
         <p:nvPicPr>
-          <p:cNvPr id="37" name="Imagem 36" descr="Logotipo, Ícone&#10;&#10;Descrição gerada automaticamente">
-            <a:extLst>
-              <a:ext uri="{FF2B5EF4-FFF2-40B4-BE49-F238E27FC236}">
-                <a16:creationId xmlns:a16="http://schemas.microsoft.com/office/drawing/2014/main" id="{29212A7D-7605-415C-97BD-C3955F4ECF4A}"/>
+          <p:cNvPr id="11" name="Imagem 10" descr="Forma&#10;&#10;Descrição gerada automaticamente com confiança baixa">
+            <a:extLst>
+              <a:ext uri="{FF2B5EF4-FFF2-40B4-BE49-F238E27FC236}">
+                <a16:creationId xmlns:a16="http://schemas.microsoft.com/office/drawing/2014/main" xmlns="" id="{ECFDA0E9-8345-4BCB-9065-5362A6B39CFB}"/>
               </a:ext>
             </a:extLst>
           </p:cNvPr>
@@ -4858,7 +6152,8 @@
           <p:nvPr/>
         </p:nvPicPr>
         <p:blipFill>
-          <a:blip r:embed="rId4">
+          <a:blip r:embed="rId4" cstate="print">
+            <a:lum bright="70000" contrast="-70000"/>
             <a:extLst>
               <a:ext uri="{28A0092B-C50C-407E-A947-70E740481C1C}">
                 <a14:useLocalDpi xmlns:a14="http://schemas.microsoft.com/office/drawing/2010/main" val="0"/>
@@ -4871,8 +6166,8 @@
         </p:blipFill>
         <p:spPr>
           <a:xfrm>
-            <a:off x="7040111" y="4517187"/>
-            <a:ext cx="1080000" cy="1080000"/>
+            <a:off x="812070" y="622090"/>
+            <a:ext cx="475554" cy="475554"/>
           </a:xfrm>
           <a:prstGeom prst="rect">
             <a:avLst/>
@@ -4881,10 +6176,10 @@
       </p:pic>
       <p:pic>
         <p:nvPicPr>
-          <p:cNvPr id="4" name="Imagem 3">
-            <a:extLst>
-              <a:ext uri="{FF2B5EF4-FFF2-40B4-BE49-F238E27FC236}">
-                <a16:creationId xmlns:a16="http://schemas.microsoft.com/office/drawing/2014/main" id="{68D77485-C40D-242B-AFFE-BF323167E580}"/>
+          <p:cNvPr id="15" name="Imagem 14" descr="Logotipo, Ícone&#10;&#10;Descrição gerada automaticamente">
+            <a:extLst>
+              <a:ext uri="{FF2B5EF4-FFF2-40B4-BE49-F238E27FC236}">
+                <a16:creationId xmlns:a16="http://schemas.microsoft.com/office/drawing/2014/main" xmlns="" id="{B72EC468-5C52-4281-8CFA-51FFD14A791D}"/>
               </a:ext>
             </a:extLst>
           </p:cNvPr>
@@ -4894,7 +6189,7 @@
           <p:nvPr/>
         </p:nvPicPr>
         <p:blipFill>
-          <a:blip r:embed="rId5">
+          <a:blip r:embed="rId5" cstate="print">
             <a:extLst>
               <a:ext uri="{28A0092B-C50C-407E-A947-70E740481C1C}">
                 <a14:useLocalDpi xmlns:a14="http://schemas.microsoft.com/office/drawing/2010/main" val="0"/>
@@ -4907,8 +6202,8 @@
         </p:blipFill>
         <p:spPr>
           <a:xfrm>
-            <a:off x="769503" y="821092"/>
-            <a:ext cx="1673086" cy="1673086"/>
+            <a:off x="54123" y="4952073"/>
+            <a:ext cx="540000" cy="540000"/>
           </a:xfrm>
           <a:prstGeom prst="rect">
             <a:avLst/>
@@ -4917,10 +6212,10 @@
       </p:pic>
       <p:pic>
         <p:nvPicPr>
-          <p:cNvPr id="7" name="Imagem 6">
-            <a:extLst>
-              <a:ext uri="{FF2B5EF4-FFF2-40B4-BE49-F238E27FC236}">
-                <a16:creationId xmlns:a16="http://schemas.microsoft.com/office/drawing/2014/main" id="{805B4EB4-43F9-2D33-406B-E76891FF11F3}"/>
+          <p:cNvPr id="3" name="Imagem 2">
+            <a:extLst>
+              <a:ext uri="{FF2B5EF4-FFF2-40B4-BE49-F238E27FC236}">
+                <a16:creationId xmlns:a16="http://schemas.microsoft.com/office/drawing/2014/main" xmlns="" id="{B6D065A0-CD0B-C0FC-D359-865087F2BBC0}"/>
               </a:ext>
             </a:extLst>
           </p:cNvPr>
@@ -4930,7 +6225,7 @@
           <p:nvPr/>
         </p:nvPicPr>
         <p:blipFill>
-          <a:blip r:embed="rId6">
+          <a:blip r:embed="rId6" cstate="print">
             <a:extLst>
               <a:ext uri="{28A0092B-C50C-407E-A947-70E740481C1C}">
                 <a14:useLocalDpi xmlns:a14="http://schemas.microsoft.com/office/drawing/2010/main" val="0"/>
@@ -4943,8 +6238,8 @@
         </p:blipFill>
         <p:spPr>
           <a:xfrm>
-            <a:off x="2130314" y="2014139"/>
-            <a:ext cx="1492899" cy="1492899"/>
+            <a:off x="118653" y="1531639"/>
+            <a:ext cx="435700" cy="435700"/>
           </a:xfrm>
           <a:prstGeom prst="rect">
             <a:avLst/>
@@ -4953,84 +6248,10 @@
       </p:pic>
       <p:pic>
         <p:nvPicPr>
-          <p:cNvPr id="8" name="Imagem 7">
-            <a:extLst>
-              <a:ext uri="{FF2B5EF4-FFF2-40B4-BE49-F238E27FC236}">
-                <a16:creationId xmlns:a16="http://schemas.microsoft.com/office/drawing/2014/main" id="{5FF215F8-1BBC-2EA1-FDF4-0ECEF8CB569C}"/>
-              </a:ext>
-            </a:extLst>
-          </p:cNvPr>
-          <p:cNvPicPr>
-            <a:picLocks noChangeAspect="1"/>
-          </p:cNvPicPr>
-          <p:nvPr/>
-        </p:nvPicPr>
-        <p:blipFill>
-          <a:blip r:embed="rId5">
-            <a:alphaModFix amt="65000"/>
-            <a:extLst>
-              <a:ext uri="{28A0092B-C50C-407E-A947-70E740481C1C}">
-                <a14:useLocalDpi xmlns:a14="http://schemas.microsoft.com/office/drawing/2010/main" val="0"/>
-              </a:ext>
-            </a:extLst>
-          </a:blip>
-          <a:stretch>
-            <a:fillRect/>
-          </a:stretch>
-        </p:blipFill>
-        <p:spPr>
-          <a:xfrm>
-            <a:off x="3406812" y="3335889"/>
-            <a:ext cx="864741" cy="864741"/>
-          </a:xfrm>
-          <a:prstGeom prst="rect">
-            <a:avLst/>
-          </a:prstGeom>
-        </p:spPr>
-      </p:pic>
-      <p:pic>
-        <p:nvPicPr>
-          <p:cNvPr id="9" name="Imagem 8">
-            <a:extLst>
-              <a:ext uri="{FF2B5EF4-FFF2-40B4-BE49-F238E27FC236}">
-                <a16:creationId xmlns:a16="http://schemas.microsoft.com/office/drawing/2014/main" id="{B01C14F0-9CB4-13F3-AB65-D6363D4A84D6}"/>
-              </a:ext>
-            </a:extLst>
-          </p:cNvPr>
-          <p:cNvPicPr>
-            <a:picLocks noChangeAspect="1"/>
-          </p:cNvPicPr>
-          <p:nvPr/>
-        </p:nvPicPr>
-        <p:blipFill>
-          <a:blip r:embed="rId6">
-            <a:alphaModFix amt="51000"/>
-            <a:extLst>
-              <a:ext uri="{28A0092B-C50C-407E-A947-70E740481C1C}">
-                <a14:useLocalDpi xmlns:a14="http://schemas.microsoft.com/office/drawing/2010/main" val="0"/>
-              </a:ext>
-            </a:extLst>
-          </a:blip>
-          <a:stretch>
-            <a:fillRect/>
-          </a:stretch>
-        </p:blipFill>
-        <p:spPr>
-          <a:xfrm>
-            <a:off x="996446" y="3324429"/>
-            <a:ext cx="766093" cy="766093"/>
-          </a:xfrm>
-          <a:prstGeom prst="rect">
-            <a:avLst/>
-          </a:prstGeom>
-        </p:spPr>
-      </p:pic>
-      <p:pic>
-        <p:nvPicPr>
-          <p:cNvPr id="10" name="Imagem 9">
-            <a:extLst>
-              <a:ext uri="{FF2B5EF4-FFF2-40B4-BE49-F238E27FC236}">
-                <a16:creationId xmlns:a16="http://schemas.microsoft.com/office/drawing/2014/main" id="{E48A5E7A-9F2D-2785-6766-B07FD1CA9E77}"/>
+          <p:cNvPr id="4" name="Imagem 3">
+            <a:extLst>
+              <a:ext uri="{FF2B5EF4-FFF2-40B4-BE49-F238E27FC236}">
+                <a16:creationId xmlns:a16="http://schemas.microsoft.com/office/drawing/2014/main" xmlns="" id="{A2659D59-5B81-9CCF-6965-22B6A56B9D42}"/>
               </a:ext>
             </a:extLst>
           </p:cNvPr>
@@ -5041,17 +6262,7 @@
         </p:nvPicPr>
         <p:blipFill>
           <a:blip r:embed="rId7">
-            <a:alphaModFix amt="65000"/>
-            <a:extLst>
-              <a:ext uri="{BEBA8EAE-BF5A-486C-A8C5-ECC9F3942E4B}">
-                <a14:imgProps xmlns:a14="http://schemas.microsoft.com/office/drawing/2010/main">
-                  <a14:imgLayer r:embed="rId8">
-                    <a14:imgEffect>
-                      <a14:sharpenSoften amount="-1000"/>
-                    </a14:imgEffect>
-                  </a14:imgLayer>
-                </a14:imgProps>
-              </a:ext>
+            <a:extLst>
               <a:ext uri="{28A0092B-C50C-407E-A947-70E740481C1C}">
                 <a14:useLocalDpi xmlns:a14="http://schemas.microsoft.com/office/drawing/2010/main" val="0"/>
               </a:ext>
@@ -5063,33 +6274,109 @@
         </p:blipFill>
         <p:spPr>
           <a:xfrm>
-            <a:off x="3125474" y="781949"/>
-            <a:ext cx="1114374" cy="1114374"/>
+            <a:off x="86353" y="531517"/>
+            <a:ext cx="540000" cy="540000"/>
           </a:xfrm>
           <a:prstGeom prst="rect">
             <a:avLst/>
           </a:prstGeom>
-          <a:effectLst>
-            <a:glow rad="127000">
-              <a:schemeClr val="accent1">
-                <a:alpha val="0"/>
-              </a:schemeClr>
-            </a:glow>
-            <a:outerShdw blurRad="50800" dist="50800" dir="5400000" algn="ctr" rotWithShape="0">
-              <a:srgbClr val="000000">
-                <a:alpha val="72000"/>
-              </a:srgbClr>
-            </a:outerShdw>
-            <a:reflection stA="94000" endPos="65000" dist="50800" dir="5400000" sy="-100000" algn="bl" rotWithShape="0"/>
-          </a:effectLst>
+        </p:spPr>
+      </p:pic>
+      <p:sp>
+        <p:nvSpPr>
+          <p:cNvPr id="14" name="Elipse 13">
+            <a:extLst>
+              <a:ext uri="{FF2B5EF4-FFF2-40B4-BE49-F238E27FC236}">
+                <a16:creationId xmlns:a16="http://schemas.microsoft.com/office/drawing/2014/main" xmlns="" id="{DAAEFE41-6CC2-4D3F-44BD-4BDE91A8813F}"/>
+              </a:ext>
+            </a:extLst>
+          </p:cNvPr>
+          <p:cNvSpPr/>
+          <p:nvPr/>
+        </p:nvSpPr>
+        <p:spPr>
+          <a:xfrm>
+            <a:off x="71768" y="2809583"/>
+            <a:ext cx="513183" cy="475861"/>
+          </a:xfrm>
+          <a:prstGeom prst="ellipse">
+            <a:avLst/>
+          </a:prstGeom>
+          <a:solidFill>
+            <a:schemeClr val="bg1"/>
+          </a:solidFill>
+          <a:ln>
+            <a:noFill/>
+          </a:ln>
+        </p:spPr>
+        <p:style>
+          <a:lnRef idx="2">
+            <a:schemeClr val="accent1">
+              <a:shade val="50000"/>
+            </a:schemeClr>
+          </a:lnRef>
+          <a:fillRef idx="1">
+            <a:schemeClr val="accent1"/>
+          </a:fillRef>
+          <a:effectRef idx="0">
+            <a:schemeClr val="accent1"/>
+          </a:effectRef>
+          <a:fontRef idx="minor">
+            <a:schemeClr val="lt1"/>
+          </a:fontRef>
+        </p:style>
+        <p:txBody>
+          <a:bodyPr rtlCol="0" anchor="ctr"/>
+          <a:lstStyle/>
+          <a:p>
+            <a:pPr algn="ctr"/>
+            <a:endParaRPr lang="pt-BR"/>
+          </a:p>
+        </p:txBody>
+      </p:sp>
+      <p:pic>
+        <p:nvPicPr>
+          <p:cNvPr id="16" name="Imagem 15">
+            <a:extLst>
+              <a:ext uri="{FF2B5EF4-FFF2-40B4-BE49-F238E27FC236}">
+                <a16:creationId xmlns:a16="http://schemas.microsoft.com/office/drawing/2014/main" xmlns="" id="{90EBAFD3-91D3-FF36-C917-BDD9AC30D6A5}"/>
+              </a:ext>
+            </a:extLst>
+          </p:cNvPr>
+          <p:cNvPicPr>
+            <a:picLocks noChangeAspect="1"/>
+          </p:cNvPicPr>
+          <p:nvPr/>
+        </p:nvPicPr>
+        <p:blipFill>
+          <a:blip r:embed="rId8">
+            <a:alphaModFix amt="59000"/>
+            <a:extLst>
+              <a:ext uri="{28A0092B-C50C-407E-A947-70E740481C1C}">
+                <a14:useLocalDpi xmlns:a14="http://schemas.microsoft.com/office/drawing/2010/main" val="0"/>
+              </a:ext>
+            </a:extLst>
+          </a:blip>
+          <a:stretch>
+            <a:fillRect/>
+          </a:stretch>
+        </p:blipFill>
+        <p:spPr>
+          <a:xfrm>
+            <a:off x="54123" y="2777513"/>
+            <a:ext cx="530828" cy="540000"/>
+          </a:xfrm>
+          <a:prstGeom prst="rect">
+            <a:avLst/>
+          </a:prstGeom>
         </p:spPr>
       </p:pic>
       <p:pic>
         <p:nvPicPr>
-          <p:cNvPr id="12" name="Imagem 11">
-            <a:extLst>
-              <a:ext uri="{FF2B5EF4-FFF2-40B4-BE49-F238E27FC236}">
-                <a16:creationId xmlns:a16="http://schemas.microsoft.com/office/drawing/2014/main" id="{4FAD720E-39DF-22E5-9FC9-5EC1B8AB7487}"/>
+          <p:cNvPr id="18" name="Imagem 17">
+            <a:extLst>
+              <a:ext uri="{FF2B5EF4-FFF2-40B4-BE49-F238E27FC236}">
+                <a16:creationId xmlns:a16="http://schemas.microsoft.com/office/drawing/2014/main" xmlns="" id="{C08AA0AC-AA51-27C3-5108-2D6C017218D3}"/>
               </a:ext>
             </a:extLst>
           </p:cNvPr>
@@ -5112,8 +6399,8 @@
         </p:blipFill>
         <p:spPr>
           <a:xfrm>
-            <a:off x="9447709" y="3279665"/>
-            <a:ext cx="613977" cy="613977"/>
+            <a:off x="6599235" y="798901"/>
+            <a:ext cx="1777700" cy="1777700"/>
           </a:xfrm>
           <a:prstGeom prst="rect">
             <a:avLst/>
@@ -5122,10 +6409,10 @@
       </p:pic>
       <p:pic>
         <p:nvPicPr>
-          <p:cNvPr id="14" name="Imagem 13">
-            <a:extLst>
-              <a:ext uri="{FF2B5EF4-FFF2-40B4-BE49-F238E27FC236}">
-                <a16:creationId xmlns:a16="http://schemas.microsoft.com/office/drawing/2014/main" id="{C449DFBF-AD33-4655-F163-175A4C4574E7}"/>
+          <p:cNvPr id="20" name="Imagem 19">
+            <a:extLst>
+              <a:ext uri="{FF2B5EF4-FFF2-40B4-BE49-F238E27FC236}">
+                <a16:creationId xmlns:a16="http://schemas.microsoft.com/office/drawing/2014/main" xmlns="" id="{FD82FAC0-5C25-621F-32B8-06C635247DB8}"/>
               </a:ext>
             </a:extLst>
           </p:cNvPr>
@@ -5135,7 +6422,7 @@
           <p:nvPr/>
         </p:nvPicPr>
         <p:blipFill>
-          <a:blip r:embed="rId6">
+          <a:blip r:embed="rId10">
             <a:extLst>
               <a:ext uri="{28A0092B-C50C-407E-A947-70E740481C1C}">
                 <a14:useLocalDpi xmlns:a14="http://schemas.microsoft.com/office/drawing/2010/main" val="0"/>
@@ -5148,8 +6435,636 @@
         </p:blipFill>
         <p:spPr>
           <a:xfrm>
-            <a:off x="5747368" y="3204594"/>
-            <a:ext cx="697264" cy="697264"/>
+            <a:off x="9712730" y="876441"/>
+            <a:ext cx="1746095" cy="1746095"/>
+          </a:xfrm>
+          <a:prstGeom prst="rect">
+            <a:avLst/>
+          </a:prstGeom>
+        </p:spPr>
+      </p:pic>
+      <p:pic>
+        <p:nvPicPr>
+          <p:cNvPr id="21" name="Imagem 20">
+            <a:extLst>
+              <a:ext uri="{FF2B5EF4-FFF2-40B4-BE49-F238E27FC236}">
+                <a16:creationId xmlns:a16="http://schemas.microsoft.com/office/drawing/2014/main" xmlns="" id="{F324DB60-7C93-DAF6-7A92-CD48E34F1D70}"/>
+              </a:ext>
+            </a:extLst>
+          </p:cNvPr>
+          <p:cNvPicPr>
+            <a:picLocks noChangeAspect="1"/>
+          </p:cNvPicPr>
+          <p:nvPr/>
+        </p:nvPicPr>
+        <p:blipFill>
+          <a:blip r:embed="rId9">
+            <a:extLst>
+              <a:ext uri="{28A0092B-C50C-407E-A947-70E740481C1C}">
+                <a14:useLocalDpi xmlns:a14="http://schemas.microsoft.com/office/drawing/2010/main" val="0"/>
+              </a:ext>
+            </a:extLst>
+          </a:blip>
+          <a:stretch>
+            <a:fillRect/>
+          </a:stretch>
+        </p:blipFill>
+        <p:spPr>
+          <a:xfrm>
+            <a:off x="9336615" y="4151412"/>
+            <a:ext cx="2388600" cy="2388600"/>
+          </a:xfrm>
+          <a:prstGeom prst="rect">
+            <a:avLst/>
+          </a:prstGeom>
+        </p:spPr>
+      </p:pic>
+      <p:pic>
+        <p:nvPicPr>
+          <p:cNvPr id="22" name="Imagem 21">
+            <a:extLst>
+              <a:ext uri="{FF2B5EF4-FFF2-40B4-BE49-F238E27FC236}">
+                <a16:creationId xmlns:a16="http://schemas.microsoft.com/office/drawing/2014/main" xmlns="" id="{DB19F012-9A8C-6612-154A-49800F26830C}"/>
+              </a:ext>
+            </a:extLst>
+          </p:cNvPr>
+          <p:cNvPicPr>
+            <a:picLocks noChangeAspect="1"/>
+          </p:cNvPicPr>
+          <p:nvPr/>
+        </p:nvPicPr>
+        <p:blipFill>
+          <a:blip r:embed="rId9">
+            <a:extLst>
+              <a:ext uri="{28A0092B-C50C-407E-A947-70E740481C1C}">
+                <a14:useLocalDpi xmlns:a14="http://schemas.microsoft.com/office/drawing/2010/main" val="0"/>
+              </a:ext>
+            </a:extLst>
+          </a:blip>
+          <a:stretch>
+            <a:fillRect/>
+          </a:stretch>
+        </p:blipFill>
+        <p:spPr>
+          <a:xfrm>
+            <a:off x="6205878" y="4008462"/>
+            <a:ext cx="2388600" cy="2388600"/>
+          </a:xfrm>
+          <a:prstGeom prst="rect">
+            <a:avLst/>
+          </a:prstGeom>
+        </p:spPr>
+      </p:pic>
+      <p:pic>
+        <p:nvPicPr>
+          <p:cNvPr id="24" name="Imagem 23">
+            <a:extLst>
+              <a:ext uri="{FF2B5EF4-FFF2-40B4-BE49-F238E27FC236}">
+                <a16:creationId xmlns:a16="http://schemas.microsoft.com/office/drawing/2014/main" xmlns="" id="{C3C36580-1DAA-AF96-2A9C-B607ECE06742}"/>
+              </a:ext>
+            </a:extLst>
+          </p:cNvPr>
+          <p:cNvPicPr>
+            <a:picLocks noChangeAspect="1"/>
+          </p:cNvPicPr>
+          <p:nvPr/>
+        </p:nvPicPr>
+        <p:blipFill>
+          <a:blip r:embed="rId10">
+            <a:extLst>
+              <a:ext uri="{28A0092B-C50C-407E-A947-70E740481C1C}">
+                <a14:useLocalDpi xmlns:a14="http://schemas.microsoft.com/office/drawing/2010/main" val="0"/>
+              </a:ext>
+            </a:extLst>
+          </a:blip>
+          <a:stretch>
+            <a:fillRect/>
+          </a:stretch>
+        </p:blipFill>
+        <p:spPr>
+          <a:xfrm>
+            <a:off x="1560144" y="2309161"/>
+            <a:ext cx="3621456" cy="1770478"/>
+          </a:xfrm>
+          <a:prstGeom prst="rect">
+            <a:avLst/>
+          </a:prstGeom>
+        </p:spPr>
+      </p:pic>
+      <p:pic>
+        <p:nvPicPr>
+          <p:cNvPr id="25" name="Imagem 24">
+            <a:extLst>
+              <a:ext uri="{FF2B5EF4-FFF2-40B4-BE49-F238E27FC236}">
+                <a16:creationId xmlns:a16="http://schemas.microsoft.com/office/drawing/2014/main" xmlns="" id="{33CA8596-3204-FDF5-D6D2-99A7A1D7B4DA}"/>
+              </a:ext>
+            </a:extLst>
+          </p:cNvPr>
+          <p:cNvPicPr>
+            <a:picLocks noChangeAspect="1"/>
+          </p:cNvPicPr>
+          <p:nvPr/>
+        </p:nvPicPr>
+        <p:blipFill>
+          <a:blip r:embed="rId10">
+            <a:extLst>
+              <a:ext uri="{28A0092B-C50C-407E-A947-70E740481C1C}">
+                <a14:useLocalDpi xmlns:a14="http://schemas.microsoft.com/office/drawing/2010/main" val="0"/>
+              </a:ext>
+            </a:extLst>
+          </a:blip>
+          <a:stretch>
+            <a:fillRect/>
+          </a:stretch>
+        </p:blipFill>
+        <p:spPr>
+          <a:xfrm>
+            <a:off x="1423278" y="4521355"/>
+            <a:ext cx="4047488" cy="1978759"/>
+          </a:xfrm>
+          <a:prstGeom prst="rect">
+            <a:avLst/>
+          </a:prstGeom>
+        </p:spPr>
+      </p:pic>
+      <p:sp>
+        <p:nvSpPr>
+          <p:cNvPr id="17" name="CaixaDeTexto 16"/>
+          <p:cNvSpPr txBox="1"/>
+          <p:nvPr/>
+        </p:nvSpPr>
+        <p:spPr>
+          <a:xfrm>
+            <a:off x="924910" y="1967339"/>
+            <a:ext cx="4256690" cy="369332"/>
+          </a:xfrm>
+          <a:prstGeom prst="rect">
+            <a:avLst/>
+          </a:prstGeom>
+          <a:noFill/>
+        </p:spPr>
+        <p:txBody>
+          <a:bodyPr wrap="square" rtlCol="0">
+            <a:spAutoFit/>
+          </a:bodyPr>
+          <a:lstStyle/>
+          <a:p>
+            <a:pPr algn="ctr"/>
+            <a:r>
+              <a:rPr lang="pt-BR" dirty="0" smtClean="0">
+                <a:solidFill>
+                  <a:schemeClr val="bg1"/>
+                </a:solidFill>
+              </a:rPr>
+              <a:t>Gráfico de casos confirmados</a:t>
+            </a:r>
+            <a:endParaRPr lang="pt-BR" dirty="0">
+              <a:solidFill>
+                <a:schemeClr val="bg1"/>
+              </a:solidFill>
+            </a:endParaRPr>
+          </a:p>
+        </p:txBody>
+      </p:sp>
+      <p:sp>
+        <p:nvSpPr>
+          <p:cNvPr id="27" name="CaixaDeTexto 26"/>
+          <p:cNvSpPr txBox="1"/>
+          <p:nvPr/>
+        </p:nvSpPr>
+        <p:spPr>
+          <a:xfrm>
+            <a:off x="1318677" y="4410995"/>
+            <a:ext cx="4256690" cy="369332"/>
+          </a:xfrm>
+          <a:prstGeom prst="rect">
+            <a:avLst/>
+          </a:prstGeom>
+          <a:noFill/>
+        </p:spPr>
+        <p:txBody>
+          <a:bodyPr wrap="square" rtlCol="0">
+            <a:spAutoFit/>
+          </a:bodyPr>
+          <a:lstStyle/>
+          <a:p>
+            <a:pPr algn="ctr"/>
+            <a:r>
+              <a:rPr lang="pt-BR" dirty="0" smtClean="0">
+                <a:solidFill>
+                  <a:schemeClr val="bg1"/>
+                </a:solidFill>
+              </a:rPr>
+              <a:t>Gráfico de mortalidade</a:t>
+            </a:r>
+            <a:endParaRPr lang="pt-BR" dirty="0">
+              <a:solidFill>
+                <a:schemeClr val="bg1"/>
+              </a:solidFill>
+            </a:endParaRPr>
+          </a:p>
+        </p:txBody>
+      </p:sp>
+      <p:sp>
+        <p:nvSpPr>
+          <p:cNvPr id="28" name="CaixaDeTexto 27"/>
+          <p:cNvSpPr txBox="1"/>
+          <p:nvPr/>
+        </p:nvSpPr>
+        <p:spPr>
+          <a:xfrm>
+            <a:off x="6065364" y="175111"/>
+            <a:ext cx="2674742" cy="369332"/>
+          </a:xfrm>
+          <a:prstGeom prst="rect">
+            <a:avLst/>
+          </a:prstGeom>
+          <a:noFill/>
+        </p:spPr>
+        <p:txBody>
+          <a:bodyPr wrap="square" rtlCol="0">
+            <a:spAutoFit/>
+          </a:bodyPr>
+          <a:lstStyle/>
+          <a:p>
+            <a:pPr algn="ctr"/>
+            <a:r>
+              <a:rPr lang="pt-BR" dirty="0" smtClean="0">
+                <a:solidFill>
+                  <a:schemeClr val="bg1"/>
+                </a:solidFill>
+              </a:rPr>
+              <a:t>Gráfico curva de evolução</a:t>
+            </a:r>
+            <a:endParaRPr lang="pt-BR" dirty="0">
+              <a:solidFill>
+                <a:schemeClr val="bg1"/>
+              </a:solidFill>
+            </a:endParaRPr>
+          </a:p>
+        </p:txBody>
+      </p:sp>
+      <p:sp>
+        <p:nvSpPr>
+          <p:cNvPr id="30" name="CaixaDeTexto 29"/>
+          <p:cNvSpPr txBox="1"/>
+          <p:nvPr/>
+        </p:nvSpPr>
+        <p:spPr>
+          <a:xfrm>
+            <a:off x="9050473" y="135495"/>
+            <a:ext cx="2674742" cy="646331"/>
+          </a:xfrm>
+          <a:prstGeom prst="rect">
+            <a:avLst/>
+          </a:prstGeom>
+          <a:noFill/>
+        </p:spPr>
+        <p:txBody>
+          <a:bodyPr wrap="square" rtlCol="0">
+            <a:spAutoFit/>
+          </a:bodyPr>
+          <a:lstStyle/>
+          <a:p>
+            <a:pPr algn="ctr"/>
+            <a:r>
+              <a:rPr lang="pt-BR" dirty="0" smtClean="0">
+                <a:solidFill>
+                  <a:schemeClr val="bg1"/>
+                </a:solidFill>
+              </a:rPr>
+              <a:t>Gráfico </a:t>
+            </a:r>
+            <a:r>
+              <a:rPr lang="pt-BR" b="1" dirty="0">
+                <a:solidFill>
+                  <a:schemeClr val="bg1"/>
+                </a:solidFill>
+              </a:rPr>
+              <a:t>Incidência acumulada</a:t>
+            </a:r>
+            <a:endParaRPr lang="pt-BR" dirty="0">
+              <a:solidFill>
+                <a:schemeClr val="bg1"/>
+              </a:solidFill>
+            </a:endParaRPr>
+          </a:p>
+        </p:txBody>
+      </p:sp>
+      <p:sp>
+        <p:nvSpPr>
+          <p:cNvPr id="32" name="CaixaDeTexto 31"/>
+          <p:cNvSpPr txBox="1"/>
+          <p:nvPr/>
+        </p:nvSpPr>
+        <p:spPr>
+          <a:xfrm>
+            <a:off x="6205878" y="3193205"/>
+            <a:ext cx="2674742" cy="369332"/>
+          </a:xfrm>
+          <a:prstGeom prst="rect">
+            <a:avLst/>
+          </a:prstGeom>
+          <a:noFill/>
+        </p:spPr>
+        <p:txBody>
+          <a:bodyPr wrap="square" rtlCol="0">
+            <a:spAutoFit/>
+          </a:bodyPr>
+          <a:lstStyle/>
+          <a:p>
+            <a:pPr algn="ctr"/>
+            <a:r>
+              <a:rPr lang="pt-BR" dirty="0" smtClean="0">
+                <a:solidFill>
+                  <a:schemeClr val="bg1"/>
+                </a:solidFill>
+              </a:rPr>
+              <a:t>Gráfico </a:t>
+            </a:r>
+            <a:r>
+              <a:rPr lang="pt-BR" b="1" dirty="0" smtClean="0">
+                <a:solidFill>
+                  <a:schemeClr val="bg1"/>
+                </a:solidFill>
+              </a:rPr>
+              <a:t>Taxa de contagio</a:t>
+            </a:r>
+            <a:endParaRPr lang="pt-BR" dirty="0">
+              <a:solidFill>
+                <a:schemeClr val="bg1"/>
+              </a:solidFill>
+            </a:endParaRPr>
+          </a:p>
+        </p:txBody>
+      </p:sp>
+      <p:sp>
+        <p:nvSpPr>
+          <p:cNvPr id="33" name="CaixaDeTexto 32"/>
+          <p:cNvSpPr txBox="1"/>
+          <p:nvPr/>
+        </p:nvSpPr>
+        <p:spPr>
+          <a:xfrm>
+            <a:off x="9248406" y="3244334"/>
+            <a:ext cx="2674742" cy="646331"/>
+          </a:xfrm>
+          <a:prstGeom prst="rect">
+            <a:avLst/>
+          </a:prstGeom>
+          <a:noFill/>
+        </p:spPr>
+        <p:txBody>
+          <a:bodyPr wrap="square" rtlCol="0">
+            <a:spAutoFit/>
+          </a:bodyPr>
+          <a:lstStyle/>
+          <a:p>
+            <a:pPr algn="ctr"/>
+            <a:r>
+              <a:rPr lang="pt-BR" dirty="0" smtClean="0">
+                <a:solidFill>
+                  <a:schemeClr val="bg1"/>
+                </a:solidFill>
+              </a:rPr>
+              <a:t>Gráfico </a:t>
+            </a:r>
+            <a:r>
+              <a:rPr lang="pt-BR" b="1" dirty="0" smtClean="0">
+                <a:solidFill>
+                  <a:schemeClr val="bg1"/>
+                </a:solidFill>
+              </a:rPr>
+              <a:t> mapa de calor total de casos</a:t>
+            </a:r>
+            <a:endParaRPr lang="pt-BR" dirty="0">
+              <a:solidFill>
+                <a:schemeClr val="bg1"/>
+              </a:solidFill>
+            </a:endParaRPr>
+          </a:p>
+        </p:txBody>
+      </p:sp>
+      <p:sp>
+        <p:nvSpPr>
+          <p:cNvPr id="19" name="CaixaDeTexto 18"/>
+          <p:cNvSpPr txBox="1"/>
+          <p:nvPr/>
+        </p:nvSpPr>
+        <p:spPr>
+          <a:xfrm>
+            <a:off x="2238332" y="425186"/>
+            <a:ext cx="1208690" cy="923330"/>
+          </a:xfrm>
+          <a:prstGeom prst="rect">
+            <a:avLst/>
+          </a:prstGeom>
+          <a:noFill/>
+        </p:spPr>
+        <p:txBody>
+          <a:bodyPr wrap="square" rtlCol="0">
+            <a:spAutoFit/>
+          </a:bodyPr>
+          <a:lstStyle/>
+          <a:p>
+            <a:r>
+              <a:rPr lang="pt-BR" dirty="0" smtClean="0">
+                <a:solidFill>
+                  <a:schemeClr val="bg1"/>
+                </a:solidFill>
+              </a:rPr>
+              <a:t>México</a:t>
+            </a:r>
+          </a:p>
+          <a:p>
+            <a:r>
+              <a:rPr lang="pt-BR" dirty="0" smtClean="0">
+                <a:solidFill>
+                  <a:schemeClr val="bg1"/>
+                </a:solidFill>
+              </a:rPr>
+              <a:t>Espanha</a:t>
+            </a:r>
+          </a:p>
+          <a:p>
+            <a:r>
+              <a:rPr lang="pt-BR" dirty="0" smtClean="0">
+                <a:solidFill>
+                  <a:schemeClr val="bg1"/>
+                </a:solidFill>
+              </a:rPr>
+              <a:t>Argentina</a:t>
+            </a:r>
+            <a:endParaRPr lang="pt-BR" dirty="0">
+              <a:solidFill>
+                <a:schemeClr val="bg1"/>
+              </a:solidFill>
+            </a:endParaRPr>
+          </a:p>
+        </p:txBody>
+      </p:sp>
+      <p:sp>
+        <p:nvSpPr>
+          <p:cNvPr id="34" name="CaixaDeTexto 33"/>
+          <p:cNvSpPr txBox="1"/>
+          <p:nvPr/>
+        </p:nvSpPr>
+        <p:spPr>
+          <a:xfrm>
+            <a:off x="4114801" y="395060"/>
+            <a:ext cx="1208690" cy="646331"/>
+          </a:xfrm>
+          <a:prstGeom prst="rect">
+            <a:avLst/>
+          </a:prstGeom>
+          <a:noFill/>
+        </p:spPr>
+        <p:txBody>
+          <a:bodyPr wrap="square" rtlCol="0">
+            <a:spAutoFit/>
+          </a:bodyPr>
+          <a:lstStyle/>
+          <a:p>
+            <a:r>
+              <a:rPr lang="pt-BR" dirty="0" smtClean="0">
+                <a:solidFill>
+                  <a:schemeClr val="bg1"/>
+                </a:solidFill>
+              </a:rPr>
+              <a:t>Chile</a:t>
+            </a:r>
+          </a:p>
+          <a:p>
+            <a:r>
+              <a:rPr lang="pt-BR" dirty="0" smtClean="0">
+                <a:solidFill>
+                  <a:schemeClr val="bg1"/>
+                </a:solidFill>
+              </a:rPr>
+              <a:t>Equador</a:t>
+            </a:r>
+            <a:endParaRPr lang="pt-BR" dirty="0">
+              <a:solidFill>
+                <a:schemeClr val="bg1"/>
+              </a:solidFill>
+            </a:endParaRPr>
+          </a:p>
+        </p:txBody>
+      </p:sp>
+      <p:sp>
+        <p:nvSpPr>
+          <p:cNvPr id="26" name="CaixaDeTexto 25"/>
+          <p:cNvSpPr txBox="1"/>
+          <p:nvPr/>
+        </p:nvSpPr>
+        <p:spPr>
+          <a:xfrm>
+            <a:off x="3962400" y="1348516"/>
+            <a:ext cx="1713186" cy="369332"/>
+          </a:xfrm>
+          <a:prstGeom prst="rect">
+            <a:avLst/>
+          </a:prstGeom>
+          <a:noFill/>
+        </p:spPr>
+        <p:txBody>
+          <a:bodyPr wrap="square" rtlCol="0">
+            <a:spAutoFit/>
+          </a:bodyPr>
+          <a:lstStyle/>
+          <a:p>
+            <a:r>
+              <a:rPr lang="pt-BR" b="1" dirty="0" smtClean="0">
+                <a:solidFill>
+                  <a:schemeClr val="bg1"/>
+                </a:solidFill>
+              </a:rPr>
+              <a:t>Mês:</a:t>
+            </a:r>
+            <a:endParaRPr lang="pt-BR" b="1" dirty="0">
+              <a:solidFill>
+                <a:schemeClr val="bg1"/>
+              </a:solidFill>
+            </a:endParaRPr>
+          </a:p>
+        </p:txBody>
+      </p:sp>
+      <p:sp>
+        <p:nvSpPr>
+          <p:cNvPr id="35" name="Elipse 34">
+            <a:extLst>
+              <a:ext uri="{FF2B5EF4-FFF2-40B4-BE49-F238E27FC236}">
+                <a16:creationId xmlns:a16="http://schemas.microsoft.com/office/drawing/2014/main" xmlns="" id="{49F99978-92E2-4BC9-A22F-BF776BF66F50}"/>
+              </a:ext>
+            </a:extLst>
+          </p:cNvPr>
+          <p:cNvSpPr/>
+          <p:nvPr/>
+        </p:nvSpPr>
+        <p:spPr>
+          <a:xfrm>
+            <a:off x="74646" y="2166756"/>
+            <a:ext cx="513183" cy="475861"/>
+          </a:xfrm>
+          <a:prstGeom prst="ellipse">
+            <a:avLst/>
+          </a:prstGeom>
+          <a:solidFill>
+            <a:schemeClr val="bg1"/>
+          </a:solidFill>
+          <a:ln>
+            <a:noFill/>
+          </a:ln>
+        </p:spPr>
+        <p:style>
+          <a:lnRef idx="2">
+            <a:schemeClr val="accent1">
+              <a:shade val="50000"/>
+            </a:schemeClr>
+          </a:lnRef>
+          <a:fillRef idx="1">
+            <a:schemeClr val="accent1"/>
+          </a:fillRef>
+          <a:effectRef idx="0">
+            <a:schemeClr val="accent1"/>
+          </a:effectRef>
+          <a:fontRef idx="minor">
+            <a:schemeClr val="lt1"/>
+          </a:fontRef>
+        </p:style>
+        <p:txBody>
+          <a:bodyPr rtlCol="0" anchor="ctr"/>
+          <a:lstStyle/>
+          <a:p>
+            <a:pPr algn="ctr"/>
+            <a:endParaRPr lang="pt-BR"/>
+          </a:p>
+        </p:txBody>
+      </p:sp>
+      <p:pic>
+        <p:nvPicPr>
+          <p:cNvPr id="38" name="Imagem 37"/>
+          <p:cNvPicPr>
+            <a:picLocks noChangeAspect="1"/>
+          </p:cNvPicPr>
+          <p:nvPr/>
+        </p:nvPicPr>
+        <p:blipFill>
+          <a:blip r:embed="rId11" cstate="print">
+            <a:extLst>
+              <a:ext uri="{28A0092B-C50C-407E-A947-70E740481C1C}">
+                <a14:useLocalDpi xmlns:a14="http://schemas.microsoft.com/office/drawing/2010/main" val="0"/>
+              </a:ext>
+            </a:extLst>
+          </a:blip>
+          <a:stretch>
+            <a:fillRect/>
+          </a:stretch>
+        </p:blipFill>
+        <p:spPr>
+          <a:xfrm>
+            <a:off x="131828" y="2197944"/>
+            <a:ext cx="393062" cy="393062"/>
           </a:xfrm>
           <a:prstGeom prst="rect">
             <a:avLst/>
@@ -5159,17 +7074,24 @@
     </p:spTree>
     <p:extLst>
       <p:ext uri="{BB962C8B-B14F-4D97-AF65-F5344CB8AC3E}">
-        <p14:creationId xmlns:p14="http://schemas.microsoft.com/office/powerpoint/2010/main" val="1507419324"/>
+        <p14:creationId xmlns:p14="http://schemas.microsoft.com/office/powerpoint/2010/main" val="3235415601"/>
       </p:ext>
     </p:extLst>
   </p:cSld>
   <p:clrMapOvr>
     <a:masterClrMapping/>
   </p:clrMapOvr>
+  <p:timing>
+    <p:tnLst>
+      <p:par>
+        <p:cTn id="1" dur="indefinite" restart="never" nodeType="tmRoot"/>
+      </p:par>
+    </p:tnLst>
+  </p:timing>
 </p:sld>
 </file>
 
-<file path=ppt/slides/slide2.xml><?xml version="1.0" encoding="utf-8"?>
+<file path=ppt/slides/slide3.xml><?xml version="1.0" encoding="utf-8"?>
 <p:sld xmlns:a="http://schemas.openxmlformats.org/drawingml/2006/main" xmlns:r="http://schemas.openxmlformats.org/officeDocument/2006/relationships" xmlns:p="http://schemas.openxmlformats.org/presentationml/2006/main">
   <p:cSld>
     <p:spTree>
@@ -5191,7 +7113,7 @@
           <p:cNvPr id="5" name="Imagem 4">
             <a:extLst>
               <a:ext uri="{FF2B5EF4-FFF2-40B4-BE49-F238E27FC236}">
-                <a16:creationId xmlns:a16="http://schemas.microsoft.com/office/drawing/2014/main" id="{12B9E5DD-62AE-4B47-8CBB-BAB6F864373D}"/>
+                <a16:creationId xmlns:a16="http://schemas.microsoft.com/office/drawing/2014/main" xmlns="" id="{12B9E5DD-62AE-4B47-8CBB-BAB6F864373D}"/>
               </a:ext>
             </a:extLst>
           </p:cNvPr>
@@ -5244,7 +7166,7 @@
           <p:cNvPr id="6" name="Retângulo: Cantos Arredondados 5">
             <a:extLst>
               <a:ext uri="{FF2B5EF4-FFF2-40B4-BE49-F238E27FC236}">
-                <a16:creationId xmlns:a16="http://schemas.microsoft.com/office/drawing/2014/main" id="{16A214BD-152B-408A-BA2D-152F2C7D5C1E}"/>
+                <a16:creationId xmlns:a16="http://schemas.microsoft.com/office/drawing/2014/main" xmlns="" id="{16A214BD-152B-408A-BA2D-152F2C7D5C1E}"/>
               </a:ext>
             </a:extLst>
           </p:cNvPr>
@@ -5336,7 +7258,7 @@
           <p:cNvPr id="7" name="Retângulo: Cantos Arredondados 6">
             <a:extLst>
               <a:ext uri="{FF2B5EF4-FFF2-40B4-BE49-F238E27FC236}">
-                <a16:creationId xmlns:a16="http://schemas.microsoft.com/office/drawing/2014/main" id="{1A841DD7-013C-4EC1-A924-DC60EF521053}"/>
+                <a16:creationId xmlns:a16="http://schemas.microsoft.com/office/drawing/2014/main" xmlns="" id="{1A841DD7-013C-4EC1-A924-DC60EF521053}"/>
               </a:ext>
             </a:extLst>
           </p:cNvPr>
@@ -5347,6 +7269,98 @@
           <a:xfrm>
             <a:off x="746447" y="1869312"/>
             <a:ext cx="5173289" cy="2356403"/>
+          </a:xfrm>
+          <a:prstGeom prst="roundRect">
+            <a:avLst>
+              <a:gd name="adj" fmla="val 0"/>
+            </a:avLst>
+          </a:prstGeom>
+          <a:solidFill>
+            <a:srgbClr val="002060">
+              <a:alpha val="61961"/>
+            </a:srgbClr>
+          </a:solidFill>
+          <a:ln>
+            <a:noFill/>
+          </a:ln>
+          <a:effectLst>
+            <a:outerShdw blurRad="101600" dist="63500" dir="2700000" algn="tl" rotWithShape="0">
+              <a:srgbClr val="1C262D">
+                <a:alpha val="30000"/>
+              </a:srgbClr>
+            </a:outerShdw>
+          </a:effectLst>
+        </p:spPr>
+        <p:style>
+          <a:lnRef idx="2">
+            <a:schemeClr val="accent1">
+              <a:shade val="50000"/>
+            </a:schemeClr>
+          </a:lnRef>
+          <a:fillRef idx="1">
+            <a:schemeClr val="accent1"/>
+          </a:fillRef>
+          <a:effectRef idx="0">
+            <a:schemeClr val="accent1"/>
+          </a:effectRef>
+          <a:fontRef idx="minor">
+            <a:schemeClr val="lt1"/>
+          </a:fontRef>
+        </p:style>
+        <p:txBody>
+          <a:bodyPr rtlCol="0" anchor="ctr"/>
+          <a:lstStyle/>
+          <a:p>
+            <a:pPr marL="0" marR="0" lvl="0" indent="0" algn="ctr" defTabSz="914400" rtl="0" eaLnBrk="1" fontAlgn="auto" latinLnBrk="0" hangingPunct="1">
+              <a:lnSpc>
+                <a:spcPct val="100000"/>
+              </a:lnSpc>
+              <a:spcBef>
+                <a:spcPts val="0"/>
+              </a:spcBef>
+              <a:spcAft>
+                <a:spcPts val="0"/>
+              </a:spcAft>
+              <a:buClrTx/>
+              <a:buSzTx/>
+              <a:buFontTx/>
+              <a:buNone/>
+              <a:tabLst/>
+              <a:defRPr/>
+            </a:pPr>
+            <a:endParaRPr kumimoji="0" lang="pt-BR" sz="1800" b="0" i="0" u="none" strike="noStrike" kern="1200" cap="none" spc="0" normalizeH="0" baseline="0" noProof="0" dirty="0">
+              <a:ln>
+                <a:noFill/>
+              </a:ln>
+              <a:solidFill>
+                <a:prstClr val="white"/>
+              </a:solidFill>
+              <a:effectLst/>
+              <a:uLnTx/>
+              <a:uFillTx/>
+              <a:latin typeface="Calibri" panose="020F0502020204030204"/>
+              <a:ea typeface="+mn-ea"/>
+              <a:cs typeface="+mn-cs"/>
+            </a:endParaRPr>
+          </a:p>
+        </p:txBody>
+      </p:sp>
+      <p:sp>
+        <p:nvSpPr>
+          <p:cNvPr id="8" name="Retângulo: Cantos Arredondados 7">
+            <a:extLst>
+              <a:ext uri="{FF2B5EF4-FFF2-40B4-BE49-F238E27FC236}">
+                <a16:creationId xmlns:a16="http://schemas.microsoft.com/office/drawing/2014/main" xmlns="" id="{B3056140-F27E-4D29-8CD8-CFFDDD056A17}"/>
+              </a:ext>
+            </a:extLst>
+          </p:cNvPr>
+          <p:cNvSpPr/>
+          <p:nvPr/>
+        </p:nvSpPr>
+        <p:spPr>
+          <a:xfrm>
+            <a:off x="5971590" y="3136739"/>
+            <a:ext cx="3032991" cy="3583319"/>
           </a:xfrm>
           <a:prstGeom prst="roundRect">
             <a:avLst>
@@ -5425,10 +7439,10 @@
       </p:sp>
       <p:sp>
         <p:nvSpPr>
-          <p:cNvPr id="8" name="Retângulo: Cantos Arredondados 7">
-            <a:extLst>
-              <a:ext uri="{FF2B5EF4-FFF2-40B4-BE49-F238E27FC236}">
-                <a16:creationId xmlns:a16="http://schemas.microsoft.com/office/drawing/2014/main" id="{B3056140-F27E-4D29-8CD8-CFFDDD056A17}"/>
+          <p:cNvPr id="9" name="Retângulo: Cantos Arredondados 8">
+            <a:extLst>
+              <a:ext uri="{FF2B5EF4-FFF2-40B4-BE49-F238E27FC236}">
+                <a16:creationId xmlns:a16="http://schemas.microsoft.com/office/drawing/2014/main" xmlns="" id="{D8147362-D507-4FFD-BE2B-3A8A61689F7A}"/>
               </a:ext>
             </a:extLst>
           </p:cNvPr>
@@ -5437,7 +7451,7 @@
         </p:nvSpPr>
         <p:spPr>
           <a:xfrm>
-            <a:off x="5971590" y="3136739"/>
+            <a:off x="9069283" y="3125165"/>
             <a:ext cx="3032991" cy="3583319"/>
           </a:xfrm>
           <a:prstGeom prst="roundRect">
@@ -5517,10 +7531,10 @@
       </p:sp>
       <p:sp>
         <p:nvSpPr>
-          <p:cNvPr id="9" name="Retângulo: Cantos Arredondados 8">
-            <a:extLst>
-              <a:ext uri="{FF2B5EF4-FFF2-40B4-BE49-F238E27FC236}">
-                <a16:creationId xmlns:a16="http://schemas.microsoft.com/office/drawing/2014/main" id="{D8147362-D507-4FFD-BE2B-3A8A61689F7A}"/>
+          <p:cNvPr id="12" name="Retângulo: Cantos Arredondados 11">
+            <a:extLst>
+              <a:ext uri="{FF2B5EF4-FFF2-40B4-BE49-F238E27FC236}">
+                <a16:creationId xmlns:a16="http://schemas.microsoft.com/office/drawing/2014/main" xmlns="" id="{46EF5AD3-6E31-4296-9F57-57F32B336C16}"/>
               </a:ext>
             </a:extLst>
           </p:cNvPr>
@@ -5529,8 +7543,8 @@
         </p:nvSpPr>
         <p:spPr>
           <a:xfrm>
-            <a:off x="9069283" y="3125165"/>
-            <a:ext cx="3032991" cy="3583319"/>
+            <a:off x="5971590" y="77652"/>
+            <a:ext cx="3032991" cy="2994363"/>
           </a:xfrm>
           <a:prstGeom prst="roundRect">
             <a:avLst>
@@ -5609,10 +7623,10 @@
       </p:sp>
       <p:sp>
         <p:nvSpPr>
-          <p:cNvPr id="12" name="Retângulo: Cantos Arredondados 11">
-            <a:extLst>
-              <a:ext uri="{FF2B5EF4-FFF2-40B4-BE49-F238E27FC236}">
-                <a16:creationId xmlns:a16="http://schemas.microsoft.com/office/drawing/2014/main" id="{46EF5AD3-6E31-4296-9F57-57F32B336C16}"/>
+          <p:cNvPr id="13" name="Retângulo: Cantos Arredondados 12">
+            <a:extLst>
+              <a:ext uri="{FF2B5EF4-FFF2-40B4-BE49-F238E27FC236}">
+                <a16:creationId xmlns:a16="http://schemas.microsoft.com/office/drawing/2014/main" xmlns="" id="{5729C109-BE32-46F7-87D8-8B9E00BF5958}"/>
               </a:ext>
             </a:extLst>
           </p:cNvPr>
@@ -5621,7 +7635,7 @@
         </p:nvSpPr>
         <p:spPr>
           <a:xfrm>
-            <a:off x="5971590" y="77652"/>
+            <a:off x="9069283" y="66078"/>
             <a:ext cx="3032991" cy="2994363"/>
           </a:xfrm>
           <a:prstGeom prst="roundRect">
@@ -5701,10 +7715,10 @@
       </p:sp>
       <p:sp>
         <p:nvSpPr>
-          <p:cNvPr id="13" name="Retângulo: Cantos Arredondados 12">
-            <a:extLst>
-              <a:ext uri="{FF2B5EF4-FFF2-40B4-BE49-F238E27FC236}">
-                <a16:creationId xmlns:a16="http://schemas.microsoft.com/office/drawing/2014/main" id="{5729C109-BE32-46F7-87D8-8B9E00BF5958}"/>
+          <p:cNvPr id="10" name="Retângulo: Cantos Arredondados 9">
+            <a:extLst>
+              <a:ext uri="{FF2B5EF4-FFF2-40B4-BE49-F238E27FC236}">
+                <a16:creationId xmlns:a16="http://schemas.microsoft.com/office/drawing/2014/main" xmlns="" id="{DA1B9C50-829A-49B6-BFD1-7071FE024AA1}"/>
               </a:ext>
             </a:extLst>
           </p:cNvPr>
@@ -5713,8 +7727,8 @@
         </p:nvSpPr>
         <p:spPr>
           <a:xfrm>
-            <a:off x="9069283" y="66078"/>
-            <a:ext cx="3032991" cy="2994363"/>
+            <a:off x="746447" y="66078"/>
+            <a:ext cx="5173289" cy="1727537"/>
           </a:xfrm>
           <a:prstGeom prst="roundRect">
             <a:avLst>
@@ -5722,9 +7736,128 @@
             </a:avLst>
           </a:prstGeom>
           <a:solidFill>
-            <a:srgbClr val="002060">
-              <a:alpha val="61961"/>
-            </a:srgbClr>
+            <a:srgbClr val="002060"/>
+          </a:solidFill>
+          <a:ln>
+            <a:noFill/>
+          </a:ln>
+          <a:effectLst>
+            <a:outerShdw blurRad="101600" dist="63500" dir="2700000" algn="tl" rotWithShape="0">
+              <a:srgbClr val="1C262D">
+                <a:alpha val="30000"/>
+              </a:srgbClr>
+            </a:outerShdw>
+          </a:effectLst>
+        </p:spPr>
+        <p:style>
+          <a:lnRef idx="2">
+            <a:schemeClr val="accent1">
+              <a:shade val="50000"/>
+            </a:schemeClr>
+          </a:lnRef>
+          <a:fillRef idx="1">
+            <a:schemeClr val="accent1"/>
+          </a:fillRef>
+          <a:effectRef idx="0">
+            <a:schemeClr val="accent1"/>
+          </a:effectRef>
+          <a:fontRef idx="minor">
+            <a:schemeClr val="lt1"/>
+          </a:fontRef>
+        </p:style>
+        <p:txBody>
+          <a:bodyPr rtlCol="0" anchor="t"/>
+          <a:lstStyle/>
+          <a:p>
+            <a:pPr marL="0" marR="0" lvl="0" indent="0" defTabSz="914400" rtl="0" eaLnBrk="1" fontAlgn="auto" latinLnBrk="0" hangingPunct="1">
+              <a:lnSpc>
+                <a:spcPct val="100000"/>
+              </a:lnSpc>
+              <a:spcBef>
+                <a:spcPts val="0"/>
+              </a:spcBef>
+              <a:spcAft>
+                <a:spcPts val="0"/>
+              </a:spcAft>
+              <a:buClrTx/>
+              <a:buSzTx/>
+              <a:buFontTx/>
+              <a:buNone/>
+              <a:tabLst/>
+              <a:defRPr/>
+            </a:pPr>
+            <a:r>
+              <a:rPr kumimoji="0" lang="pt-BR" sz="1800" b="1" i="0" u="none" strike="noStrike" kern="1200" cap="none" spc="0" normalizeH="0" baseline="0" noProof="0" dirty="0" smtClean="0">
+                <a:ln>
+                  <a:noFill/>
+                </a:ln>
+                <a:solidFill>
+                  <a:prstClr val="white"/>
+                </a:solidFill>
+                <a:effectLst/>
+                <a:uLnTx/>
+                <a:uFillTx/>
+                <a:latin typeface="Segoe UI" panose="020B0502040204020203" pitchFamily="34" charset="0"/>
+                <a:cs typeface="Segoe UI" panose="020B0502040204020203" pitchFamily="34" charset="0"/>
+              </a:rPr>
+              <a:t>ANÁLISE</a:t>
+            </a:r>
+            <a:r>
+              <a:rPr kumimoji="0" lang="pt-BR" sz="1800" b="1" i="0" u="none" strike="noStrike" kern="1200" cap="none" spc="0" normalizeH="0" noProof="0" dirty="0" smtClean="0">
+                <a:ln>
+                  <a:noFill/>
+                </a:ln>
+                <a:solidFill>
+                  <a:prstClr val="white"/>
+                </a:solidFill>
+                <a:effectLst/>
+                <a:uLnTx/>
+                <a:uFillTx/>
+                <a:latin typeface="Segoe UI" panose="020B0502040204020203" pitchFamily="34" charset="0"/>
+                <a:cs typeface="Segoe UI" panose="020B0502040204020203" pitchFamily="34" charset="0"/>
+              </a:rPr>
+              <a:t> SENTIMENTO</a:t>
+            </a:r>
+            <a:endParaRPr kumimoji="0" lang="pt-BR" sz="1800" b="1" i="0" u="none" strike="noStrike" kern="1200" cap="none" spc="0" normalizeH="0" baseline="0" noProof="0" dirty="0">
+              <a:ln>
+                <a:noFill/>
+              </a:ln>
+              <a:solidFill>
+                <a:prstClr val="white"/>
+              </a:solidFill>
+              <a:effectLst/>
+              <a:uLnTx/>
+              <a:uFillTx/>
+              <a:latin typeface="Segoe UI" panose="020B0502040204020203" pitchFamily="34" charset="0"/>
+              <a:cs typeface="Segoe UI" panose="020B0502040204020203" pitchFamily="34" charset="0"/>
+            </a:endParaRPr>
+          </a:p>
+        </p:txBody>
+      </p:sp>
+      <p:sp>
+        <p:nvSpPr>
+          <p:cNvPr id="23" name="Retângulo: Cantos Arredondados 22">
+            <a:extLst>
+              <a:ext uri="{FF2B5EF4-FFF2-40B4-BE49-F238E27FC236}">
+                <a16:creationId xmlns:a16="http://schemas.microsoft.com/office/drawing/2014/main" xmlns="" id="{48C2C396-17C5-4158-BE2E-7A41DEB1CE0F}"/>
+              </a:ext>
+            </a:extLst>
+          </p:cNvPr>
+          <p:cNvSpPr/>
+          <p:nvPr/>
+        </p:nvSpPr>
+        <p:spPr>
+          <a:xfrm>
+            <a:off x="0" y="0"/>
+            <a:ext cx="656721" cy="6858000"/>
+          </a:xfrm>
+          <a:prstGeom prst="roundRect">
+            <a:avLst>
+              <a:gd name="adj" fmla="val 0"/>
+            </a:avLst>
+          </a:prstGeom>
+          <a:solidFill>
+            <a:srgbClr val="002060"/>
           </a:solidFill>
           <a:ln>
             <a:noFill/>
@@ -5793,192 +7926,10 @@
       </p:sp>
       <p:sp>
         <p:nvSpPr>
-          <p:cNvPr id="10" name="Retângulo: Cantos Arredondados 9">
-            <a:extLst>
-              <a:ext uri="{FF2B5EF4-FFF2-40B4-BE49-F238E27FC236}">
-                <a16:creationId xmlns:a16="http://schemas.microsoft.com/office/drawing/2014/main" id="{DA1B9C50-829A-49B6-BFD1-7071FE024AA1}"/>
-              </a:ext>
-            </a:extLst>
-          </p:cNvPr>
-          <p:cNvSpPr/>
-          <p:nvPr/>
-        </p:nvSpPr>
-        <p:spPr>
-          <a:xfrm>
-            <a:off x="746447" y="66078"/>
-            <a:ext cx="5173289" cy="1727537"/>
-          </a:xfrm>
-          <a:prstGeom prst="roundRect">
-            <a:avLst>
-              <a:gd name="adj" fmla="val 0"/>
-            </a:avLst>
-          </a:prstGeom>
-          <a:solidFill>
-            <a:srgbClr val="002060"/>
-          </a:solidFill>
-          <a:ln>
-            <a:noFill/>
-          </a:ln>
-          <a:effectLst>
-            <a:outerShdw blurRad="101600" dist="63500" dir="2700000" algn="tl" rotWithShape="0">
-              <a:srgbClr val="1C262D">
-                <a:alpha val="30000"/>
-              </a:srgbClr>
-            </a:outerShdw>
-          </a:effectLst>
-        </p:spPr>
-        <p:style>
-          <a:lnRef idx="2">
-            <a:schemeClr val="accent1">
-              <a:shade val="50000"/>
-            </a:schemeClr>
-          </a:lnRef>
-          <a:fillRef idx="1">
-            <a:schemeClr val="accent1"/>
-          </a:fillRef>
-          <a:effectRef idx="0">
-            <a:schemeClr val="accent1"/>
-          </a:effectRef>
-          <a:fontRef idx="minor">
-            <a:schemeClr val="lt1"/>
-          </a:fontRef>
-        </p:style>
-        <p:txBody>
-          <a:bodyPr rtlCol="0" anchor="t"/>
-          <a:lstStyle/>
-          <a:p>
-            <a:pPr marL="0" marR="0" lvl="0" indent="0" defTabSz="914400" rtl="0" eaLnBrk="1" fontAlgn="auto" latinLnBrk="0" hangingPunct="1">
-              <a:lnSpc>
-                <a:spcPct val="100000"/>
-              </a:lnSpc>
-              <a:spcBef>
-                <a:spcPts val="0"/>
-              </a:spcBef>
-              <a:spcAft>
-                <a:spcPts val="0"/>
-              </a:spcAft>
-              <a:buClrTx/>
-              <a:buSzTx/>
-              <a:buFontTx/>
-              <a:buNone/>
-              <a:tabLst/>
-              <a:defRPr/>
-            </a:pPr>
-            <a:r>
-              <a:rPr kumimoji="0" lang="pt-BR" sz="1800" b="1" i="0" u="none" strike="noStrike" kern="1200" cap="none" spc="0" normalizeH="0" baseline="0" noProof="0" dirty="0">
-                <a:ln>
-                  <a:noFill/>
-                </a:ln>
-                <a:solidFill>
-                  <a:prstClr val="white"/>
-                </a:solidFill>
-                <a:effectLst/>
-                <a:uLnTx/>
-                <a:uFillTx/>
-                <a:latin typeface="Segoe UI" panose="020B0502040204020203" pitchFamily="34" charset="0"/>
-                <a:cs typeface="Segoe UI" panose="020B0502040204020203" pitchFamily="34" charset="0"/>
-              </a:rPr>
-              <a:t>ANÁLISE COVID</a:t>
-            </a:r>
-          </a:p>
-        </p:txBody>
-      </p:sp>
-      <p:sp>
-        <p:nvSpPr>
-          <p:cNvPr id="23" name="Retângulo: Cantos Arredondados 22">
-            <a:extLst>
-              <a:ext uri="{FF2B5EF4-FFF2-40B4-BE49-F238E27FC236}">
-                <a16:creationId xmlns:a16="http://schemas.microsoft.com/office/drawing/2014/main" id="{48C2C396-17C5-4158-BE2E-7A41DEB1CE0F}"/>
-              </a:ext>
-            </a:extLst>
-          </p:cNvPr>
-          <p:cNvSpPr/>
-          <p:nvPr/>
-        </p:nvSpPr>
-        <p:spPr>
-          <a:xfrm>
-            <a:off x="0" y="0"/>
-            <a:ext cx="656721" cy="6858000"/>
-          </a:xfrm>
-          <a:prstGeom prst="roundRect">
-            <a:avLst>
-              <a:gd name="adj" fmla="val 0"/>
-            </a:avLst>
-          </a:prstGeom>
-          <a:solidFill>
-            <a:srgbClr val="002060"/>
-          </a:solidFill>
-          <a:ln>
-            <a:noFill/>
-          </a:ln>
-          <a:effectLst>
-            <a:outerShdw blurRad="101600" dist="63500" dir="2700000" algn="tl" rotWithShape="0">
-              <a:srgbClr val="1C262D">
-                <a:alpha val="30000"/>
-              </a:srgbClr>
-            </a:outerShdw>
-          </a:effectLst>
-        </p:spPr>
-        <p:style>
-          <a:lnRef idx="2">
-            <a:schemeClr val="accent1">
-              <a:shade val="50000"/>
-            </a:schemeClr>
-          </a:lnRef>
-          <a:fillRef idx="1">
-            <a:schemeClr val="accent1"/>
-          </a:fillRef>
-          <a:effectRef idx="0">
-            <a:schemeClr val="accent1"/>
-          </a:effectRef>
-          <a:fontRef idx="minor">
-            <a:schemeClr val="lt1"/>
-          </a:fontRef>
-        </p:style>
-        <p:txBody>
-          <a:bodyPr rtlCol="0" anchor="ctr"/>
-          <a:lstStyle/>
-          <a:p>
-            <a:pPr marL="0" marR="0" lvl="0" indent="0" algn="ctr" defTabSz="914400" rtl="0" eaLnBrk="1" fontAlgn="auto" latinLnBrk="0" hangingPunct="1">
-              <a:lnSpc>
-                <a:spcPct val="100000"/>
-              </a:lnSpc>
-              <a:spcBef>
-                <a:spcPts val="0"/>
-              </a:spcBef>
-              <a:spcAft>
-                <a:spcPts val="0"/>
-              </a:spcAft>
-              <a:buClrTx/>
-              <a:buSzTx/>
-              <a:buFontTx/>
-              <a:buNone/>
-              <a:tabLst/>
-              <a:defRPr/>
-            </a:pPr>
-            <a:endParaRPr kumimoji="0" lang="pt-BR" sz="1800" b="0" i="0" u="none" strike="noStrike" kern="1200" cap="none" spc="0" normalizeH="0" baseline="0" noProof="0">
-              <a:ln>
-                <a:noFill/>
-              </a:ln>
-              <a:solidFill>
-                <a:prstClr val="white"/>
-              </a:solidFill>
-              <a:effectLst/>
-              <a:uLnTx/>
-              <a:uFillTx/>
-              <a:latin typeface="Calibri" panose="020F0502020204030204"/>
-              <a:ea typeface="+mn-ea"/>
-              <a:cs typeface="+mn-cs"/>
-            </a:endParaRPr>
-          </a:p>
-        </p:txBody>
-      </p:sp>
-      <p:sp>
-        <p:nvSpPr>
           <p:cNvPr id="29" name="Forma Livre: Forma 28">
             <a:extLst>
               <a:ext uri="{FF2B5EF4-FFF2-40B4-BE49-F238E27FC236}">
-                <a16:creationId xmlns:a16="http://schemas.microsoft.com/office/drawing/2014/main" id="{DBBB34D3-C576-4D8A-AE55-FDEC7BAA49A7}"/>
+                <a16:creationId xmlns:a16="http://schemas.microsoft.com/office/drawing/2014/main" xmlns="" id="{DBBB34D3-C576-4D8A-AE55-FDEC7BAA49A7}"/>
               </a:ext>
             </a:extLst>
           </p:cNvPr>
@@ -6447,7 +8398,7 @@
           <p:cNvPr id="31" name="Forma Livre: Forma 30">
             <a:extLst>
               <a:ext uri="{FF2B5EF4-FFF2-40B4-BE49-F238E27FC236}">
-                <a16:creationId xmlns:a16="http://schemas.microsoft.com/office/drawing/2014/main" id="{97F1B691-3CC5-42EE-A134-8B51B95B9AC0}"/>
+                <a16:creationId xmlns:a16="http://schemas.microsoft.com/office/drawing/2014/main" xmlns="" id="{97F1B691-3CC5-42EE-A134-8B51B95B9AC0}"/>
               </a:ext>
             </a:extLst>
           </p:cNvPr>
@@ -7113,7 +9064,7 @@
           <p:cNvPr id="2" name="Elipse 1">
             <a:extLst>
               <a:ext uri="{FF2B5EF4-FFF2-40B4-BE49-F238E27FC236}">
-                <a16:creationId xmlns:a16="http://schemas.microsoft.com/office/drawing/2014/main" id="{49F99978-92E2-4BC9-A22F-BF776BF66F50}"/>
+                <a16:creationId xmlns:a16="http://schemas.microsoft.com/office/drawing/2014/main" xmlns="" id="{49F99978-92E2-4BC9-A22F-BF776BF66F50}"/>
               </a:ext>
             </a:extLst>
           </p:cNvPr>
@@ -7165,7 +9116,7 @@
           <p:cNvPr id="11" name="Imagem 10" descr="Forma&#10;&#10;Descrição gerada automaticamente com confiança baixa">
             <a:extLst>
               <a:ext uri="{FF2B5EF4-FFF2-40B4-BE49-F238E27FC236}">
-                <a16:creationId xmlns:a16="http://schemas.microsoft.com/office/drawing/2014/main" id="{ECFDA0E9-8345-4BCB-9065-5362A6B39CFB}"/>
+                <a16:creationId xmlns:a16="http://schemas.microsoft.com/office/drawing/2014/main" xmlns="" id="{ECFDA0E9-8345-4BCB-9065-5362A6B39CFB}"/>
               </a:ext>
             </a:extLst>
           </p:cNvPr>
@@ -7175,7 +9126,7 @@
           <p:nvPr/>
         </p:nvPicPr>
         <p:blipFill>
-          <a:blip r:embed="rId4">
+          <a:blip r:embed="rId4" cstate="print">
             <a:lum bright="70000" contrast="-70000"/>
             <a:extLst>
               <a:ext uri="{28A0092B-C50C-407E-A947-70E740481C1C}">
@@ -7202,7 +9153,7 @@
           <p:cNvPr id="15" name="Imagem 14" descr="Logotipo, Ícone&#10;&#10;Descrição gerada automaticamente">
             <a:extLst>
               <a:ext uri="{FF2B5EF4-FFF2-40B4-BE49-F238E27FC236}">
-                <a16:creationId xmlns:a16="http://schemas.microsoft.com/office/drawing/2014/main" id="{B72EC468-5C52-4281-8CFA-51FFD14A791D}"/>
+                <a16:creationId xmlns:a16="http://schemas.microsoft.com/office/drawing/2014/main" xmlns="" id="{B72EC468-5C52-4281-8CFA-51FFD14A791D}"/>
               </a:ext>
             </a:extLst>
           </p:cNvPr>
@@ -7212,7 +9163,7 @@
           <p:nvPr/>
         </p:nvPicPr>
         <p:blipFill>
-          <a:blip r:embed="rId5">
+          <a:blip r:embed="rId5" cstate="print">
             <a:extLst>
               <a:ext uri="{28A0092B-C50C-407E-A947-70E740481C1C}">
                 <a14:useLocalDpi xmlns:a14="http://schemas.microsoft.com/office/drawing/2010/main" val="0"/>
@@ -7238,7 +9189,7 @@
           <p:cNvPr id="3" name="Imagem 2">
             <a:extLst>
               <a:ext uri="{FF2B5EF4-FFF2-40B4-BE49-F238E27FC236}">
-                <a16:creationId xmlns:a16="http://schemas.microsoft.com/office/drawing/2014/main" id="{B6D065A0-CD0B-C0FC-D359-865087F2BBC0}"/>
+                <a16:creationId xmlns:a16="http://schemas.microsoft.com/office/drawing/2014/main" xmlns="" id="{B6D065A0-CD0B-C0FC-D359-865087F2BBC0}"/>
               </a:ext>
             </a:extLst>
           </p:cNvPr>
@@ -7248,7 +9199,7 @@
           <p:nvPr/>
         </p:nvPicPr>
         <p:blipFill>
-          <a:blip r:embed="rId6">
+          <a:blip r:embed="rId6" cstate="print">
             <a:extLst>
               <a:ext uri="{28A0092B-C50C-407E-A947-70E740481C1C}">
                 <a14:useLocalDpi xmlns:a14="http://schemas.microsoft.com/office/drawing/2010/main" val="0"/>
@@ -7274,7 +9225,7 @@
           <p:cNvPr id="4" name="Imagem 3">
             <a:extLst>
               <a:ext uri="{FF2B5EF4-FFF2-40B4-BE49-F238E27FC236}">
-                <a16:creationId xmlns:a16="http://schemas.microsoft.com/office/drawing/2014/main" id="{A2659D59-5B81-9CCF-6965-22B6A56B9D42}"/>
+                <a16:creationId xmlns:a16="http://schemas.microsoft.com/office/drawing/2014/main" xmlns="" id="{A2659D59-5B81-9CCF-6965-22B6A56B9D42}"/>
               </a:ext>
             </a:extLst>
           </p:cNvPr>
@@ -7310,7 +9261,7 @@
           <p:cNvPr id="14" name="Elipse 13">
             <a:extLst>
               <a:ext uri="{FF2B5EF4-FFF2-40B4-BE49-F238E27FC236}">
-                <a16:creationId xmlns:a16="http://schemas.microsoft.com/office/drawing/2014/main" id="{DAAEFE41-6CC2-4D3F-44BD-4BDE91A8813F}"/>
+                <a16:creationId xmlns:a16="http://schemas.microsoft.com/office/drawing/2014/main" xmlns="" id="{DAAEFE41-6CC2-4D3F-44BD-4BDE91A8813F}"/>
               </a:ext>
             </a:extLst>
           </p:cNvPr>
@@ -7319,7 +9270,7 @@
         </p:nvSpPr>
         <p:spPr>
           <a:xfrm>
-            <a:off x="71768" y="2129399"/>
+            <a:off x="71768" y="2717959"/>
             <a:ext cx="513183" cy="475861"/>
           </a:xfrm>
           <a:prstGeom prst="ellipse">
@@ -7362,7 +9313,7 @@
           <p:cNvPr id="16" name="Imagem 15">
             <a:extLst>
               <a:ext uri="{FF2B5EF4-FFF2-40B4-BE49-F238E27FC236}">
-                <a16:creationId xmlns:a16="http://schemas.microsoft.com/office/drawing/2014/main" id="{90EBAFD3-91D3-FF36-C917-BDD9AC30D6A5}"/>
+                <a16:creationId xmlns:a16="http://schemas.microsoft.com/office/drawing/2014/main" xmlns="" id="{90EBAFD3-91D3-FF36-C917-BDD9AC30D6A5}"/>
               </a:ext>
             </a:extLst>
           </p:cNvPr>
@@ -7386,7 +9337,7 @@
         </p:blipFill>
         <p:spPr>
           <a:xfrm>
-            <a:off x="54123" y="2097329"/>
+            <a:off x="54123" y="2685889"/>
             <a:ext cx="530828" cy="540000"/>
           </a:xfrm>
           <a:prstGeom prst="rect">
@@ -7399,7 +9350,7 @@
           <p:cNvPr id="18" name="Imagem 17">
             <a:extLst>
               <a:ext uri="{FF2B5EF4-FFF2-40B4-BE49-F238E27FC236}">
-                <a16:creationId xmlns:a16="http://schemas.microsoft.com/office/drawing/2014/main" id="{C08AA0AC-AA51-27C3-5108-2D6C017218D3}"/>
+                <a16:creationId xmlns:a16="http://schemas.microsoft.com/office/drawing/2014/main" xmlns="" id="{C08AA0AC-AA51-27C3-5108-2D6C017218D3}"/>
               </a:ext>
             </a:extLst>
           </p:cNvPr>
@@ -7422,8 +9373,8 @@
         </p:blipFill>
         <p:spPr>
           <a:xfrm>
-            <a:off x="6294245" y="748139"/>
-            <a:ext cx="2388600" cy="2388600"/>
+            <a:off x="6599235" y="798901"/>
+            <a:ext cx="1777700" cy="1777700"/>
           </a:xfrm>
           <a:prstGeom prst="rect">
             <a:avLst/>
@@ -7435,7 +9386,7 @@
           <p:cNvPr id="20" name="Imagem 19">
             <a:extLst>
               <a:ext uri="{FF2B5EF4-FFF2-40B4-BE49-F238E27FC236}">
-                <a16:creationId xmlns:a16="http://schemas.microsoft.com/office/drawing/2014/main" id="{FD82FAC0-5C25-621F-32B8-06C635247DB8}"/>
+                <a16:creationId xmlns:a16="http://schemas.microsoft.com/office/drawing/2014/main" xmlns="" id="{FD82FAC0-5C25-621F-32B8-06C635247DB8}"/>
               </a:ext>
             </a:extLst>
           </p:cNvPr>
@@ -7458,8 +9409,8 @@
         </p:blipFill>
         <p:spPr>
           <a:xfrm>
-            <a:off x="9244970" y="351363"/>
-            <a:ext cx="2571891" cy="2571891"/>
+            <a:off x="9712730" y="876441"/>
+            <a:ext cx="1746095" cy="1746095"/>
           </a:xfrm>
           <a:prstGeom prst="rect">
             <a:avLst/>
@@ -7471,7 +9422,7 @@
           <p:cNvPr id="21" name="Imagem 20">
             <a:extLst>
               <a:ext uri="{FF2B5EF4-FFF2-40B4-BE49-F238E27FC236}">
-                <a16:creationId xmlns:a16="http://schemas.microsoft.com/office/drawing/2014/main" id="{F324DB60-7C93-DAF6-7A92-CD48E34F1D70}"/>
+                <a16:creationId xmlns:a16="http://schemas.microsoft.com/office/drawing/2014/main" xmlns="" id="{F324DB60-7C93-DAF6-7A92-CD48E34F1D70}"/>
               </a:ext>
             </a:extLst>
           </p:cNvPr>
@@ -7507,7 +9458,7 @@
           <p:cNvPr id="22" name="Imagem 21">
             <a:extLst>
               <a:ext uri="{FF2B5EF4-FFF2-40B4-BE49-F238E27FC236}">
-                <a16:creationId xmlns:a16="http://schemas.microsoft.com/office/drawing/2014/main" id="{DB19F012-9A8C-6612-154A-49800F26830C}"/>
+                <a16:creationId xmlns:a16="http://schemas.microsoft.com/office/drawing/2014/main" xmlns="" id="{DB19F012-9A8C-6612-154A-49800F26830C}"/>
               </a:ext>
             </a:extLst>
           </p:cNvPr>
@@ -7543,7 +9494,7 @@
           <p:cNvPr id="24" name="Imagem 23">
             <a:extLst>
               <a:ext uri="{FF2B5EF4-FFF2-40B4-BE49-F238E27FC236}">
-                <a16:creationId xmlns:a16="http://schemas.microsoft.com/office/drawing/2014/main" id="{C3C36580-1DAA-AF96-2A9C-B607ECE06742}"/>
+                <a16:creationId xmlns:a16="http://schemas.microsoft.com/office/drawing/2014/main" xmlns="" id="{C3C36580-1DAA-AF96-2A9C-B607ECE06742}"/>
               </a:ext>
             </a:extLst>
           </p:cNvPr>
@@ -7566,8 +9517,8 @@
         </p:blipFill>
         <p:spPr>
           <a:xfrm>
-            <a:off x="1423278" y="2051443"/>
-            <a:ext cx="4047488" cy="1978759"/>
+            <a:off x="1560144" y="2309161"/>
+            <a:ext cx="3621456" cy="1770478"/>
           </a:xfrm>
           <a:prstGeom prst="rect">
             <a:avLst/>
@@ -7579,7 +9530,7 @@
           <p:cNvPr id="25" name="Imagem 24">
             <a:extLst>
               <a:ext uri="{FF2B5EF4-FFF2-40B4-BE49-F238E27FC236}">
-                <a16:creationId xmlns:a16="http://schemas.microsoft.com/office/drawing/2014/main" id="{33CA8596-3204-FDF5-D6D2-99A7A1D7B4DA}"/>
+                <a16:creationId xmlns:a16="http://schemas.microsoft.com/office/drawing/2014/main" xmlns="" id="{33CA8596-3204-FDF5-D6D2-99A7A1D7B4DA}"/>
               </a:ext>
             </a:extLst>
           </p:cNvPr>
@@ -7602,8 +9553,500 @@
         </p:blipFill>
         <p:spPr>
           <a:xfrm>
-            <a:off x="1423278" y="4521355"/>
-            <a:ext cx="4047488" cy="1978759"/>
+            <a:off x="1841130" y="4916824"/>
+            <a:ext cx="3211784" cy="1570195"/>
+          </a:xfrm>
+          <a:prstGeom prst="rect">
+            <a:avLst/>
+          </a:prstGeom>
+        </p:spPr>
+      </p:pic>
+      <p:sp>
+        <p:nvSpPr>
+          <p:cNvPr id="17" name="CaixaDeTexto 16"/>
+          <p:cNvSpPr txBox="1"/>
+          <p:nvPr/>
+        </p:nvSpPr>
+        <p:spPr>
+          <a:xfrm>
+            <a:off x="924910" y="1967339"/>
+            <a:ext cx="4256690" cy="369332"/>
+          </a:xfrm>
+          <a:prstGeom prst="rect">
+            <a:avLst/>
+          </a:prstGeom>
+          <a:noFill/>
+        </p:spPr>
+        <p:txBody>
+          <a:bodyPr wrap="square" rtlCol="0">
+            <a:spAutoFit/>
+          </a:bodyPr>
+          <a:lstStyle/>
+          <a:p>
+            <a:pPr algn="ctr"/>
+            <a:r>
+              <a:rPr lang="pt-BR" dirty="0" smtClean="0">
+                <a:solidFill>
+                  <a:schemeClr val="bg1"/>
+                </a:solidFill>
+              </a:rPr>
+              <a:t>Gráfico Evolução da Pandemia</a:t>
+            </a:r>
+            <a:endParaRPr lang="pt-BR" dirty="0">
+              <a:solidFill>
+                <a:schemeClr val="bg1"/>
+              </a:solidFill>
+            </a:endParaRPr>
+          </a:p>
+        </p:txBody>
+      </p:sp>
+      <p:sp>
+        <p:nvSpPr>
+          <p:cNvPr id="27" name="CaixaDeTexto 26"/>
+          <p:cNvSpPr txBox="1"/>
+          <p:nvPr/>
+        </p:nvSpPr>
+        <p:spPr>
+          <a:xfrm>
+            <a:off x="1318677" y="4410995"/>
+            <a:ext cx="4256690" cy="646331"/>
+          </a:xfrm>
+          <a:prstGeom prst="rect">
+            <a:avLst/>
+          </a:prstGeom>
+          <a:noFill/>
+        </p:spPr>
+        <p:txBody>
+          <a:bodyPr wrap="square" rtlCol="0">
+            <a:spAutoFit/>
+          </a:bodyPr>
+          <a:lstStyle/>
+          <a:p>
+            <a:pPr algn="ctr"/>
+            <a:r>
+              <a:rPr lang="pt-BR" dirty="0" smtClean="0">
+                <a:solidFill>
+                  <a:schemeClr val="bg1"/>
+                </a:solidFill>
+              </a:rPr>
+              <a:t>Gráfico de totais positivos, negativos e neutro</a:t>
+            </a:r>
+            <a:endParaRPr lang="pt-BR" dirty="0">
+              <a:solidFill>
+                <a:schemeClr val="bg1"/>
+              </a:solidFill>
+            </a:endParaRPr>
+          </a:p>
+        </p:txBody>
+      </p:sp>
+      <p:sp>
+        <p:nvSpPr>
+          <p:cNvPr id="28" name="CaixaDeTexto 27"/>
+          <p:cNvSpPr txBox="1"/>
+          <p:nvPr/>
+        </p:nvSpPr>
+        <p:spPr>
+          <a:xfrm>
+            <a:off x="6065364" y="175111"/>
+            <a:ext cx="2674742" cy="369332"/>
+          </a:xfrm>
+          <a:prstGeom prst="rect">
+            <a:avLst/>
+          </a:prstGeom>
+          <a:noFill/>
+        </p:spPr>
+        <p:txBody>
+          <a:bodyPr wrap="square" rtlCol="0">
+            <a:spAutoFit/>
+          </a:bodyPr>
+          <a:lstStyle/>
+          <a:p>
+            <a:pPr algn="ctr"/>
+            <a:r>
+              <a:rPr lang="pt-BR" dirty="0" smtClean="0">
+                <a:solidFill>
+                  <a:schemeClr val="bg1"/>
+                </a:solidFill>
+              </a:rPr>
+              <a:t>Gráfico nuvem de palavra</a:t>
+            </a:r>
+            <a:endParaRPr lang="pt-BR" dirty="0">
+              <a:solidFill>
+                <a:schemeClr val="bg1"/>
+              </a:solidFill>
+            </a:endParaRPr>
+          </a:p>
+        </p:txBody>
+      </p:sp>
+      <p:sp>
+        <p:nvSpPr>
+          <p:cNvPr id="30" name="CaixaDeTexto 29"/>
+          <p:cNvSpPr txBox="1"/>
+          <p:nvPr/>
+        </p:nvSpPr>
+        <p:spPr>
+          <a:xfrm>
+            <a:off x="9050473" y="135495"/>
+            <a:ext cx="2674742" cy="646331"/>
+          </a:xfrm>
+          <a:prstGeom prst="rect">
+            <a:avLst/>
+          </a:prstGeom>
+          <a:noFill/>
+        </p:spPr>
+        <p:txBody>
+          <a:bodyPr wrap="square" rtlCol="0">
+            <a:spAutoFit/>
+          </a:bodyPr>
+          <a:lstStyle/>
+          <a:p>
+            <a:pPr algn="ctr"/>
+            <a:r>
+              <a:rPr lang="pt-BR" dirty="0" smtClean="0">
+                <a:solidFill>
+                  <a:schemeClr val="bg1"/>
+                </a:solidFill>
+              </a:rPr>
+              <a:t>Gráfico </a:t>
+            </a:r>
+            <a:r>
+              <a:rPr lang="pt-BR" b="1" dirty="0" smtClean="0">
+                <a:solidFill>
+                  <a:schemeClr val="bg1"/>
+                </a:solidFill>
+              </a:rPr>
+              <a:t>correlações Morte x Humor</a:t>
+            </a:r>
+            <a:endParaRPr lang="pt-BR" dirty="0">
+              <a:solidFill>
+                <a:schemeClr val="bg1"/>
+              </a:solidFill>
+            </a:endParaRPr>
+          </a:p>
+        </p:txBody>
+      </p:sp>
+      <p:sp>
+        <p:nvSpPr>
+          <p:cNvPr id="32" name="CaixaDeTexto 31"/>
+          <p:cNvSpPr txBox="1"/>
+          <p:nvPr/>
+        </p:nvSpPr>
+        <p:spPr>
+          <a:xfrm>
+            <a:off x="6205878" y="3193205"/>
+            <a:ext cx="2674742" cy="646331"/>
+          </a:xfrm>
+          <a:prstGeom prst="rect">
+            <a:avLst/>
+          </a:prstGeom>
+          <a:noFill/>
+        </p:spPr>
+        <p:txBody>
+          <a:bodyPr wrap="square" rtlCol="0">
+            <a:spAutoFit/>
+          </a:bodyPr>
+          <a:lstStyle/>
+          <a:p>
+            <a:pPr algn="ctr"/>
+            <a:r>
+              <a:rPr lang="pt-BR" dirty="0" smtClean="0">
+                <a:solidFill>
+                  <a:schemeClr val="bg1"/>
+                </a:solidFill>
+              </a:rPr>
+              <a:t>Gráfico </a:t>
+            </a:r>
+            <a:r>
+              <a:rPr lang="pt-BR" b="1" dirty="0">
+                <a:solidFill>
+                  <a:schemeClr val="bg1"/>
+                </a:solidFill>
+              </a:rPr>
+              <a:t>correlações </a:t>
+            </a:r>
+            <a:r>
+              <a:rPr lang="pt-BR" b="1" dirty="0" smtClean="0">
+                <a:solidFill>
+                  <a:schemeClr val="bg1"/>
+                </a:solidFill>
+              </a:rPr>
+              <a:t>Casos x </a:t>
+            </a:r>
+            <a:r>
+              <a:rPr lang="pt-BR" b="1" dirty="0">
+                <a:solidFill>
+                  <a:schemeClr val="bg1"/>
+                </a:solidFill>
+              </a:rPr>
+              <a:t>Humor</a:t>
+            </a:r>
+            <a:endParaRPr lang="pt-BR" dirty="0">
+              <a:solidFill>
+                <a:schemeClr val="bg1"/>
+              </a:solidFill>
+            </a:endParaRPr>
+          </a:p>
+        </p:txBody>
+      </p:sp>
+      <p:sp>
+        <p:nvSpPr>
+          <p:cNvPr id="33" name="CaixaDeTexto 32"/>
+          <p:cNvSpPr txBox="1"/>
+          <p:nvPr/>
+        </p:nvSpPr>
+        <p:spPr>
+          <a:xfrm>
+            <a:off x="9248406" y="3244334"/>
+            <a:ext cx="2674742" cy="646331"/>
+          </a:xfrm>
+          <a:prstGeom prst="rect">
+            <a:avLst/>
+          </a:prstGeom>
+          <a:noFill/>
+        </p:spPr>
+        <p:txBody>
+          <a:bodyPr wrap="square" rtlCol="0">
+            <a:spAutoFit/>
+          </a:bodyPr>
+          <a:lstStyle/>
+          <a:p>
+            <a:pPr algn="ctr"/>
+            <a:r>
+              <a:rPr lang="pt-BR" dirty="0" smtClean="0">
+                <a:solidFill>
+                  <a:schemeClr val="bg1"/>
+                </a:solidFill>
+              </a:rPr>
+              <a:t>Gráfico Mapa de Calor Humor</a:t>
+            </a:r>
+            <a:endParaRPr lang="pt-BR" dirty="0">
+              <a:solidFill>
+                <a:schemeClr val="bg1"/>
+              </a:solidFill>
+            </a:endParaRPr>
+          </a:p>
+        </p:txBody>
+      </p:sp>
+      <p:sp>
+        <p:nvSpPr>
+          <p:cNvPr id="19" name="CaixaDeTexto 18"/>
+          <p:cNvSpPr txBox="1"/>
+          <p:nvPr/>
+        </p:nvSpPr>
+        <p:spPr>
+          <a:xfrm>
+            <a:off x="2238332" y="425186"/>
+            <a:ext cx="1208690" cy="923330"/>
+          </a:xfrm>
+          <a:prstGeom prst="rect">
+            <a:avLst/>
+          </a:prstGeom>
+          <a:noFill/>
+        </p:spPr>
+        <p:txBody>
+          <a:bodyPr wrap="square" rtlCol="0">
+            <a:spAutoFit/>
+          </a:bodyPr>
+          <a:lstStyle/>
+          <a:p>
+            <a:r>
+              <a:rPr lang="pt-BR" dirty="0" smtClean="0">
+                <a:solidFill>
+                  <a:schemeClr val="bg1"/>
+                </a:solidFill>
+              </a:rPr>
+              <a:t>México</a:t>
+            </a:r>
+          </a:p>
+          <a:p>
+            <a:r>
+              <a:rPr lang="pt-BR" dirty="0" smtClean="0">
+                <a:solidFill>
+                  <a:schemeClr val="bg1"/>
+                </a:solidFill>
+              </a:rPr>
+              <a:t>Espanha</a:t>
+            </a:r>
+          </a:p>
+          <a:p>
+            <a:r>
+              <a:rPr lang="pt-BR" dirty="0" smtClean="0">
+                <a:solidFill>
+                  <a:schemeClr val="bg1"/>
+                </a:solidFill>
+              </a:rPr>
+              <a:t>Argentina</a:t>
+            </a:r>
+            <a:endParaRPr lang="pt-BR" dirty="0">
+              <a:solidFill>
+                <a:schemeClr val="bg1"/>
+              </a:solidFill>
+            </a:endParaRPr>
+          </a:p>
+        </p:txBody>
+      </p:sp>
+      <p:sp>
+        <p:nvSpPr>
+          <p:cNvPr id="34" name="CaixaDeTexto 33"/>
+          <p:cNvSpPr txBox="1"/>
+          <p:nvPr/>
+        </p:nvSpPr>
+        <p:spPr>
+          <a:xfrm>
+            <a:off x="4114801" y="395060"/>
+            <a:ext cx="1208690" cy="646331"/>
+          </a:xfrm>
+          <a:prstGeom prst="rect">
+            <a:avLst/>
+          </a:prstGeom>
+          <a:noFill/>
+        </p:spPr>
+        <p:txBody>
+          <a:bodyPr wrap="square" rtlCol="0">
+            <a:spAutoFit/>
+          </a:bodyPr>
+          <a:lstStyle/>
+          <a:p>
+            <a:r>
+              <a:rPr lang="pt-BR" dirty="0" smtClean="0">
+                <a:solidFill>
+                  <a:schemeClr val="bg1"/>
+                </a:solidFill>
+              </a:rPr>
+              <a:t>Chile</a:t>
+            </a:r>
+          </a:p>
+          <a:p>
+            <a:r>
+              <a:rPr lang="pt-BR" dirty="0" smtClean="0">
+                <a:solidFill>
+                  <a:schemeClr val="bg1"/>
+                </a:solidFill>
+              </a:rPr>
+              <a:t>Equador</a:t>
+            </a:r>
+            <a:endParaRPr lang="pt-BR" dirty="0">
+              <a:solidFill>
+                <a:schemeClr val="bg1"/>
+              </a:solidFill>
+            </a:endParaRPr>
+          </a:p>
+        </p:txBody>
+      </p:sp>
+      <p:sp>
+        <p:nvSpPr>
+          <p:cNvPr id="26" name="CaixaDeTexto 25"/>
+          <p:cNvSpPr txBox="1"/>
+          <p:nvPr/>
+        </p:nvSpPr>
+        <p:spPr>
+          <a:xfrm>
+            <a:off x="3962400" y="1348516"/>
+            <a:ext cx="1713186" cy="369332"/>
+          </a:xfrm>
+          <a:prstGeom prst="rect">
+            <a:avLst/>
+          </a:prstGeom>
+          <a:noFill/>
+        </p:spPr>
+        <p:txBody>
+          <a:bodyPr wrap="square" rtlCol="0">
+            <a:spAutoFit/>
+          </a:bodyPr>
+          <a:lstStyle/>
+          <a:p>
+            <a:r>
+              <a:rPr lang="pt-BR" b="1" dirty="0" smtClean="0">
+                <a:solidFill>
+                  <a:schemeClr val="bg1"/>
+                </a:solidFill>
+              </a:rPr>
+              <a:t>Mês:</a:t>
+            </a:r>
+            <a:endParaRPr lang="pt-BR" b="1" dirty="0">
+              <a:solidFill>
+                <a:schemeClr val="bg1"/>
+              </a:solidFill>
+            </a:endParaRPr>
+          </a:p>
+        </p:txBody>
+      </p:sp>
+      <p:sp>
+        <p:nvSpPr>
+          <p:cNvPr id="35" name="Elipse 34">
+            <a:extLst>
+              <a:ext uri="{FF2B5EF4-FFF2-40B4-BE49-F238E27FC236}">
+                <a16:creationId xmlns:a16="http://schemas.microsoft.com/office/drawing/2014/main" xmlns="" id="{49F99978-92E2-4BC9-A22F-BF776BF66F50}"/>
+              </a:ext>
+            </a:extLst>
+          </p:cNvPr>
+          <p:cNvSpPr/>
+          <p:nvPr/>
+        </p:nvSpPr>
+        <p:spPr>
+          <a:xfrm>
+            <a:off x="74646" y="2103696"/>
+            <a:ext cx="513183" cy="475861"/>
+          </a:xfrm>
+          <a:prstGeom prst="ellipse">
+            <a:avLst/>
+          </a:prstGeom>
+          <a:solidFill>
+            <a:schemeClr val="bg1"/>
+          </a:solidFill>
+          <a:ln>
+            <a:noFill/>
+          </a:ln>
+        </p:spPr>
+        <p:style>
+          <a:lnRef idx="2">
+            <a:schemeClr val="accent1">
+              <a:shade val="50000"/>
+            </a:schemeClr>
+          </a:lnRef>
+          <a:fillRef idx="1">
+            <a:schemeClr val="accent1"/>
+          </a:fillRef>
+          <a:effectRef idx="0">
+            <a:schemeClr val="accent1"/>
+          </a:effectRef>
+          <a:fontRef idx="minor">
+            <a:schemeClr val="lt1"/>
+          </a:fontRef>
+        </p:style>
+        <p:txBody>
+          <a:bodyPr rtlCol="0" anchor="ctr"/>
+          <a:lstStyle/>
+          <a:p>
+            <a:pPr algn="ctr"/>
+            <a:endParaRPr lang="pt-BR"/>
+          </a:p>
+        </p:txBody>
+      </p:sp>
+      <p:pic>
+        <p:nvPicPr>
+          <p:cNvPr id="36" name="Imagem 35"/>
+          <p:cNvPicPr>
+            <a:picLocks noChangeAspect="1"/>
+          </p:cNvPicPr>
+          <p:nvPr/>
+        </p:nvPicPr>
+        <p:blipFill>
+          <a:blip r:embed="rId11" cstate="print">
+            <a:extLst>
+              <a:ext uri="{28A0092B-C50C-407E-A947-70E740481C1C}">
+                <a14:useLocalDpi xmlns:a14="http://schemas.microsoft.com/office/drawing/2010/main" val="0"/>
+              </a:ext>
+            </a:extLst>
+          </a:blip>
+          <a:stretch>
+            <a:fillRect/>
+          </a:stretch>
+        </p:blipFill>
+        <p:spPr>
+          <a:xfrm>
+            <a:off x="131828" y="2134884"/>
+            <a:ext cx="393062" cy="393062"/>
           </a:xfrm>
           <a:prstGeom prst="rect">
             <a:avLst/>
@@ -7613,17 +10056,24 @@
     </p:spTree>
     <p:extLst>
       <p:ext uri="{BB962C8B-B14F-4D97-AF65-F5344CB8AC3E}">
-        <p14:creationId xmlns:p14="http://schemas.microsoft.com/office/powerpoint/2010/main" val="3235415601"/>
+        <p14:creationId xmlns:p14="http://schemas.microsoft.com/office/powerpoint/2010/main" val="658307441"/>
       </p:ext>
     </p:extLst>
   </p:cSld>
   <p:clrMapOvr>
     <a:masterClrMapping/>
   </p:clrMapOvr>
+  <p:timing>
+    <p:tnLst>
+      <p:par>
+        <p:cTn id="1" dur="indefinite" restart="never" nodeType="tmRoot"/>
+      </p:par>
+    </p:tnLst>
+  </p:timing>
 </p:sld>
 </file>
 
-<file path=ppt/slides/slide3.xml><?xml version="1.0" encoding="utf-8"?>
+<file path=ppt/slides/slide4.xml><?xml version="1.0" encoding="utf-8"?>
 <p:sld xmlns:a="http://schemas.openxmlformats.org/drawingml/2006/main" xmlns:r="http://schemas.openxmlformats.org/officeDocument/2006/relationships" xmlns:p="http://schemas.openxmlformats.org/presentationml/2006/main">
   <p:cSld>
     <p:spTree>
@@ -7645,7 +10095,7 @@
           <p:cNvPr id="5" name="Imagem 4">
             <a:extLst>
               <a:ext uri="{FF2B5EF4-FFF2-40B4-BE49-F238E27FC236}">
-                <a16:creationId xmlns:a16="http://schemas.microsoft.com/office/drawing/2014/main" id="{12B9E5DD-62AE-4B47-8CBB-BAB6F864373D}"/>
+                <a16:creationId xmlns:a16="http://schemas.microsoft.com/office/drawing/2014/main" xmlns="" id="{12B9E5DD-62AE-4B47-8CBB-BAB6F864373D}"/>
               </a:ext>
             </a:extLst>
           </p:cNvPr>
@@ -7698,7 +10148,7 @@
           <p:cNvPr id="6" name="Retângulo: Cantos Arredondados 5">
             <a:extLst>
               <a:ext uri="{FF2B5EF4-FFF2-40B4-BE49-F238E27FC236}">
-                <a16:creationId xmlns:a16="http://schemas.microsoft.com/office/drawing/2014/main" id="{16A214BD-152B-408A-BA2D-152F2C7D5C1E}"/>
+                <a16:creationId xmlns:a16="http://schemas.microsoft.com/office/drawing/2014/main" xmlns="" id="{16A214BD-152B-408A-BA2D-152F2C7D5C1E}"/>
               </a:ext>
             </a:extLst>
           </p:cNvPr>
@@ -7790,7 +10240,7 @@
           <p:cNvPr id="7" name="Retângulo: Cantos Arredondados 6">
             <a:extLst>
               <a:ext uri="{FF2B5EF4-FFF2-40B4-BE49-F238E27FC236}">
-                <a16:creationId xmlns:a16="http://schemas.microsoft.com/office/drawing/2014/main" id="{1A841DD7-013C-4EC1-A924-DC60EF521053}"/>
+                <a16:creationId xmlns:a16="http://schemas.microsoft.com/office/drawing/2014/main" xmlns="" id="{1A841DD7-013C-4EC1-A924-DC60EF521053}"/>
               </a:ext>
             </a:extLst>
           </p:cNvPr>
@@ -7882,7 +10332,7 @@
           <p:cNvPr id="8" name="Retângulo: Cantos Arredondados 7">
             <a:extLst>
               <a:ext uri="{FF2B5EF4-FFF2-40B4-BE49-F238E27FC236}">
-                <a16:creationId xmlns:a16="http://schemas.microsoft.com/office/drawing/2014/main" id="{B3056140-F27E-4D29-8CD8-CFFDDD056A17}"/>
+                <a16:creationId xmlns:a16="http://schemas.microsoft.com/office/drawing/2014/main" xmlns="" id="{B3056140-F27E-4D29-8CD8-CFFDDD056A17}"/>
               </a:ext>
             </a:extLst>
           </p:cNvPr>
@@ -7892,7 +10342,7 @@
         <p:spPr>
           <a:xfrm>
             <a:off x="5971590" y="3136739"/>
-            <a:ext cx="3032991" cy="3583319"/>
+            <a:ext cx="6130684" cy="3583319"/>
           </a:xfrm>
           <a:prstGeom prst="roundRect">
             <a:avLst>
@@ -7971,10 +10421,10 @@
       </p:sp>
       <p:sp>
         <p:nvSpPr>
-          <p:cNvPr id="9" name="Retângulo: Cantos Arredondados 8">
-            <a:extLst>
-              <a:ext uri="{FF2B5EF4-FFF2-40B4-BE49-F238E27FC236}">
-                <a16:creationId xmlns:a16="http://schemas.microsoft.com/office/drawing/2014/main" id="{D8147362-D507-4FFD-BE2B-3A8A61689F7A}"/>
+          <p:cNvPr id="12" name="Retângulo: Cantos Arredondados 11">
+            <a:extLst>
+              <a:ext uri="{FF2B5EF4-FFF2-40B4-BE49-F238E27FC236}">
+                <a16:creationId xmlns:a16="http://schemas.microsoft.com/office/drawing/2014/main" xmlns="" id="{46EF5AD3-6E31-4296-9F57-57F32B336C16}"/>
               </a:ext>
             </a:extLst>
           </p:cNvPr>
@@ -7983,8 +10433,8 @@
         </p:nvSpPr>
         <p:spPr>
           <a:xfrm>
-            <a:off x="9069283" y="3125165"/>
-            <a:ext cx="3032991" cy="3583319"/>
+            <a:off x="5971590" y="77652"/>
+            <a:ext cx="6130684" cy="2994363"/>
           </a:xfrm>
           <a:prstGeom prst="roundRect">
             <a:avLst>
@@ -8063,10 +10513,10 @@
       </p:sp>
       <p:sp>
         <p:nvSpPr>
-          <p:cNvPr id="12" name="Retângulo: Cantos Arredondados 11">
-            <a:extLst>
-              <a:ext uri="{FF2B5EF4-FFF2-40B4-BE49-F238E27FC236}">
-                <a16:creationId xmlns:a16="http://schemas.microsoft.com/office/drawing/2014/main" id="{46EF5AD3-6E31-4296-9F57-57F32B336C16}"/>
+          <p:cNvPr id="10" name="Retângulo: Cantos Arredondados 9">
+            <a:extLst>
+              <a:ext uri="{FF2B5EF4-FFF2-40B4-BE49-F238E27FC236}">
+                <a16:creationId xmlns:a16="http://schemas.microsoft.com/office/drawing/2014/main" xmlns="" id="{DA1B9C50-829A-49B6-BFD1-7071FE024AA1}"/>
               </a:ext>
             </a:extLst>
           </p:cNvPr>
@@ -8075,8 +10525,8 @@
         </p:nvSpPr>
         <p:spPr>
           <a:xfrm>
-            <a:off x="5971590" y="77652"/>
-            <a:ext cx="3032991" cy="2994363"/>
+            <a:off x="746447" y="66078"/>
+            <a:ext cx="5173289" cy="1727537"/>
           </a:xfrm>
           <a:prstGeom prst="roundRect">
             <a:avLst>
@@ -8084,9 +10534,76 @@
             </a:avLst>
           </a:prstGeom>
           <a:solidFill>
-            <a:srgbClr val="002060">
-              <a:alpha val="61961"/>
-            </a:srgbClr>
+            <a:srgbClr val="002060"/>
+          </a:solidFill>
+          <a:ln>
+            <a:noFill/>
+          </a:ln>
+          <a:effectLst>
+            <a:outerShdw blurRad="101600" dist="63500" dir="2700000" algn="tl" rotWithShape="0">
+              <a:srgbClr val="1C262D">
+                <a:alpha val="30000"/>
+              </a:srgbClr>
+            </a:outerShdw>
+          </a:effectLst>
+        </p:spPr>
+        <p:style>
+          <a:lnRef idx="2">
+            <a:schemeClr val="accent1">
+              <a:shade val="50000"/>
+            </a:schemeClr>
+          </a:lnRef>
+          <a:fillRef idx="1">
+            <a:schemeClr val="accent1"/>
+          </a:fillRef>
+          <a:effectRef idx="0">
+            <a:schemeClr val="accent1"/>
+          </a:effectRef>
+          <a:fontRef idx="minor">
+            <a:schemeClr val="lt1"/>
+          </a:fontRef>
+        </p:style>
+        <p:txBody>
+          <a:bodyPr rtlCol="0" anchor="t"/>
+          <a:lstStyle/>
+          <a:p>
+            <a:r>
+              <a:rPr lang="pt-BR" b="1" dirty="0">
+                <a:solidFill>
+                  <a:prstClr val="white"/>
+                </a:solidFill>
+                <a:latin typeface="Segoe UI" panose="020B0502040204020203" pitchFamily="34" charset="0"/>
+                <a:cs typeface="Segoe UI" panose="020B0502040204020203" pitchFamily="34" charset="0"/>
+              </a:rPr>
+              <a:t>ANÁLISE ENERGIA</a:t>
+            </a:r>
+          </a:p>
+        </p:txBody>
+      </p:sp>
+      <p:sp>
+        <p:nvSpPr>
+          <p:cNvPr id="23" name="Retângulo: Cantos Arredondados 22">
+            <a:extLst>
+              <a:ext uri="{FF2B5EF4-FFF2-40B4-BE49-F238E27FC236}">
+                <a16:creationId xmlns:a16="http://schemas.microsoft.com/office/drawing/2014/main" xmlns="" id="{48C2C396-17C5-4158-BE2E-7A41DEB1CE0F}"/>
+              </a:ext>
+            </a:extLst>
+          </p:cNvPr>
+          <p:cNvSpPr/>
+          <p:nvPr/>
+        </p:nvSpPr>
+        <p:spPr>
+          <a:xfrm>
+            <a:off x="0" y="0"/>
+            <a:ext cx="656721" cy="6858000"/>
+          </a:xfrm>
+          <a:prstGeom prst="roundRect">
+            <a:avLst>
+              <a:gd name="adj" fmla="val 0"/>
+            </a:avLst>
+          </a:prstGeom>
+          <a:solidFill>
+            <a:srgbClr val="002060"/>
           </a:solidFill>
           <a:ln>
             <a:noFill/>
@@ -8153,263 +10670,12 @@
           </a:p>
         </p:txBody>
       </p:sp>
-      <p:sp>
-        <p:nvSpPr>
-          <p:cNvPr id="13" name="Retângulo: Cantos Arredondados 12">
-            <a:extLst>
-              <a:ext uri="{FF2B5EF4-FFF2-40B4-BE49-F238E27FC236}">
-                <a16:creationId xmlns:a16="http://schemas.microsoft.com/office/drawing/2014/main" id="{5729C109-BE32-46F7-87D8-8B9E00BF5958}"/>
-              </a:ext>
-            </a:extLst>
-          </p:cNvPr>
-          <p:cNvSpPr/>
-          <p:nvPr/>
-        </p:nvSpPr>
-        <p:spPr>
-          <a:xfrm>
-            <a:off x="9069283" y="66078"/>
-            <a:ext cx="3032991" cy="2994363"/>
-          </a:xfrm>
-          <a:prstGeom prst="roundRect">
-            <a:avLst>
-              <a:gd name="adj" fmla="val 0"/>
-            </a:avLst>
-          </a:prstGeom>
-          <a:solidFill>
-            <a:srgbClr val="002060">
-              <a:alpha val="61961"/>
-            </a:srgbClr>
-          </a:solidFill>
-          <a:ln>
-            <a:noFill/>
-          </a:ln>
-          <a:effectLst>
-            <a:outerShdw blurRad="101600" dist="63500" dir="2700000" algn="tl" rotWithShape="0">
-              <a:srgbClr val="1C262D">
-                <a:alpha val="30000"/>
-              </a:srgbClr>
-            </a:outerShdw>
-          </a:effectLst>
-        </p:spPr>
-        <p:style>
-          <a:lnRef idx="2">
-            <a:schemeClr val="accent1">
-              <a:shade val="50000"/>
-            </a:schemeClr>
-          </a:lnRef>
-          <a:fillRef idx="1">
-            <a:schemeClr val="accent1"/>
-          </a:fillRef>
-          <a:effectRef idx="0">
-            <a:schemeClr val="accent1"/>
-          </a:effectRef>
-          <a:fontRef idx="minor">
-            <a:schemeClr val="lt1"/>
-          </a:fontRef>
-        </p:style>
-        <p:txBody>
-          <a:bodyPr rtlCol="0" anchor="ctr"/>
-          <a:lstStyle/>
-          <a:p>
-            <a:pPr marL="0" marR="0" lvl="0" indent="0" algn="ctr" defTabSz="914400" rtl="0" eaLnBrk="1" fontAlgn="auto" latinLnBrk="0" hangingPunct="1">
-              <a:lnSpc>
-                <a:spcPct val="100000"/>
-              </a:lnSpc>
-              <a:spcBef>
-                <a:spcPts val="0"/>
-              </a:spcBef>
-              <a:spcAft>
-                <a:spcPts val="0"/>
-              </a:spcAft>
-              <a:buClrTx/>
-              <a:buSzTx/>
-              <a:buFontTx/>
-              <a:buNone/>
-              <a:tabLst/>
-              <a:defRPr/>
-            </a:pPr>
-            <a:endParaRPr kumimoji="0" lang="pt-BR" sz="1800" b="0" i="0" u="none" strike="noStrike" kern="1200" cap="none" spc="0" normalizeH="0" baseline="0" noProof="0">
-              <a:ln>
-                <a:noFill/>
-              </a:ln>
-              <a:solidFill>
-                <a:prstClr val="white"/>
-              </a:solidFill>
-              <a:effectLst/>
-              <a:uLnTx/>
-              <a:uFillTx/>
-              <a:latin typeface="Calibri" panose="020F0502020204030204"/>
-              <a:ea typeface="+mn-ea"/>
-              <a:cs typeface="+mn-cs"/>
-            </a:endParaRPr>
-          </a:p>
-        </p:txBody>
-      </p:sp>
-      <p:sp>
-        <p:nvSpPr>
-          <p:cNvPr id="10" name="Retângulo: Cantos Arredondados 9">
-            <a:extLst>
-              <a:ext uri="{FF2B5EF4-FFF2-40B4-BE49-F238E27FC236}">
-                <a16:creationId xmlns:a16="http://schemas.microsoft.com/office/drawing/2014/main" id="{DA1B9C50-829A-49B6-BFD1-7071FE024AA1}"/>
-              </a:ext>
-            </a:extLst>
-          </p:cNvPr>
-          <p:cNvSpPr/>
-          <p:nvPr/>
-        </p:nvSpPr>
-        <p:spPr>
-          <a:xfrm>
-            <a:off x="746447" y="66078"/>
-            <a:ext cx="5173289" cy="1727537"/>
-          </a:xfrm>
-          <a:prstGeom prst="roundRect">
-            <a:avLst>
-              <a:gd name="adj" fmla="val 0"/>
-            </a:avLst>
-          </a:prstGeom>
-          <a:solidFill>
-            <a:srgbClr val="002060"/>
-          </a:solidFill>
-          <a:ln>
-            <a:noFill/>
-          </a:ln>
-          <a:effectLst>
-            <a:outerShdw blurRad="101600" dist="63500" dir="2700000" algn="tl" rotWithShape="0">
-              <a:srgbClr val="1C262D">
-                <a:alpha val="30000"/>
-              </a:srgbClr>
-            </a:outerShdw>
-          </a:effectLst>
-        </p:spPr>
-        <p:style>
-          <a:lnRef idx="2">
-            <a:schemeClr val="accent1">
-              <a:shade val="50000"/>
-            </a:schemeClr>
-          </a:lnRef>
-          <a:fillRef idx="1">
-            <a:schemeClr val="accent1"/>
-          </a:fillRef>
-          <a:effectRef idx="0">
-            <a:schemeClr val="accent1"/>
-          </a:effectRef>
-          <a:fontRef idx="minor">
-            <a:schemeClr val="lt1"/>
-          </a:fontRef>
-        </p:style>
-        <p:txBody>
-          <a:bodyPr rtlCol="0" anchor="t"/>
-          <a:lstStyle/>
-          <a:p>
-            <a:r>
-              <a:rPr lang="pt-BR" b="1" dirty="0">
-                <a:solidFill>
-                  <a:prstClr val="white"/>
-                </a:solidFill>
-                <a:latin typeface="Segoe UI" panose="020B0502040204020203" pitchFamily="34" charset="0"/>
-                <a:cs typeface="Segoe UI" panose="020B0502040204020203" pitchFamily="34" charset="0"/>
-              </a:rPr>
-              <a:t>ANÁLISE ENERGIA</a:t>
-            </a:r>
-          </a:p>
-        </p:txBody>
-      </p:sp>
-      <p:sp>
-        <p:nvSpPr>
-          <p:cNvPr id="23" name="Retângulo: Cantos Arredondados 22">
-            <a:extLst>
-              <a:ext uri="{FF2B5EF4-FFF2-40B4-BE49-F238E27FC236}">
-                <a16:creationId xmlns:a16="http://schemas.microsoft.com/office/drawing/2014/main" id="{48C2C396-17C5-4158-BE2E-7A41DEB1CE0F}"/>
-              </a:ext>
-            </a:extLst>
-          </p:cNvPr>
-          <p:cNvSpPr/>
-          <p:nvPr/>
-        </p:nvSpPr>
-        <p:spPr>
-          <a:xfrm>
-            <a:off x="0" y="0"/>
-            <a:ext cx="656721" cy="6858000"/>
-          </a:xfrm>
-          <a:prstGeom prst="roundRect">
-            <a:avLst>
-              <a:gd name="adj" fmla="val 0"/>
-            </a:avLst>
-          </a:prstGeom>
-          <a:solidFill>
-            <a:srgbClr val="002060"/>
-          </a:solidFill>
-          <a:ln>
-            <a:noFill/>
-          </a:ln>
-          <a:effectLst>
-            <a:outerShdw blurRad="101600" dist="63500" dir="2700000" algn="tl" rotWithShape="0">
-              <a:srgbClr val="1C262D">
-                <a:alpha val="30000"/>
-              </a:srgbClr>
-            </a:outerShdw>
-          </a:effectLst>
-        </p:spPr>
-        <p:style>
-          <a:lnRef idx="2">
-            <a:schemeClr val="accent1">
-              <a:shade val="50000"/>
-            </a:schemeClr>
-          </a:lnRef>
-          <a:fillRef idx="1">
-            <a:schemeClr val="accent1"/>
-          </a:fillRef>
-          <a:effectRef idx="0">
-            <a:schemeClr val="accent1"/>
-          </a:effectRef>
-          <a:fontRef idx="minor">
-            <a:schemeClr val="lt1"/>
-          </a:fontRef>
-        </p:style>
-        <p:txBody>
-          <a:bodyPr rtlCol="0" anchor="ctr"/>
-          <a:lstStyle/>
-          <a:p>
-            <a:pPr marL="0" marR="0" lvl="0" indent="0" algn="ctr" defTabSz="914400" rtl="0" eaLnBrk="1" fontAlgn="auto" latinLnBrk="0" hangingPunct="1">
-              <a:lnSpc>
-                <a:spcPct val="100000"/>
-              </a:lnSpc>
-              <a:spcBef>
-                <a:spcPts val="0"/>
-              </a:spcBef>
-              <a:spcAft>
-                <a:spcPts val="0"/>
-              </a:spcAft>
-              <a:buClrTx/>
-              <a:buSzTx/>
-              <a:buFontTx/>
-              <a:buNone/>
-              <a:tabLst/>
-              <a:defRPr/>
-            </a:pPr>
-            <a:endParaRPr kumimoji="0" lang="pt-BR" sz="1800" b="0" i="0" u="none" strike="noStrike" kern="1200" cap="none" spc="0" normalizeH="0" baseline="0" noProof="0">
-              <a:ln>
-                <a:noFill/>
-              </a:ln>
-              <a:solidFill>
-                <a:prstClr val="white"/>
-              </a:solidFill>
-              <a:effectLst/>
-              <a:uLnTx/>
-              <a:uFillTx/>
-              <a:latin typeface="Calibri" panose="020F0502020204030204"/>
-              <a:ea typeface="+mn-ea"/>
-              <a:cs typeface="+mn-cs"/>
-            </a:endParaRPr>
-          </a:p>
-        </p:txBody>
-      </p:sp>
       <p:pic>
         <p:nvPicPr>
           <p:cNvPr id="18" name="Imagem 17" descr="Forma&#10;&#10;Descrição gerada automaticamente com confiança baixa">
             <a:extLst>
               <a:ext uri="{FF2B5EF4-FFF2-40B4-BE49-F238E27FC236}">
-                <a16:creationId xmlns:a16="http://schemas.microsoft.com/office/drawing/2014/main" id="{FA9F768A-30F3-4E49-B9A4-289C4CAB658C}"/>
+                <a16:creationId xmlns:a16="http://schemas.microsoft.com/office/drawing/2014/main" xmlns="" id="{FA9F768A-30F3-4E49-B9A4-289C4CAB658C}"/>
               </a:ext>
             </a:extLst>
           </p:cNvPr>
@@ -8419,7 +10685,7 @@
           <p:nvPr/>
         </p:nvPicPr>
         <p:blipFill>
-          <a:blip r:embed="rId4">
+          <a:blip r:embed="rId4" cstate="print">
             <a:lum bright="70000" contrast="-70000"/>
             <a:extLst>
               <a:ext uri="{28A0092B-C50C-407E-A947-70E740481C1C}">
@@ -8443,62 +10709,10 @@
       </p:pic>
       <p:sp>
         <p:nvSpPr>
-          <p:cNvPr id="20" name="Elipse 19">
-            <a:extLst>
-              <a:ext uri="{FF2B5EF4-FFF2-40B4-BE49-F238E27FC236}">
-                <a16:creationId xmlns:a16="http://schemas.microsoft.com/office/drawing/2014/main" id="{F559852D-0740-4A96-AE5D-590F73B58985}"/>
-              </a:ext>
-            </a:extLst>
-          </p:cNvPr>
-          <p:cNvSpPr/>
-          <p:nvPr/>
-        </p:nvSpPr>
-        <p:spPr>
-          <a:xfrm>
-            <a:off x="71768" y="2129399"/>
-            <a:ext cx="513183" cy="475861"/>
-          </a:xfrm>
-          <a:prstGeom prst="ellipse">
-            <a:avLst/>
-          </a:prstGeom>
-          <a:solidFill>
-            <a:schemeClr val="bg1"/>
-          </a:solidFill>
-          <a:ln>
-            <a:noFill/>
-          </a:ln>
-        </p:spPr>
-        <p:style>
-          <a:lnRef idx="2">
-            <a:schemeClr val="accent1">
-              <a:shade val="50000"/>
-            </a:schemeClr>
-          </a:lnRef>
-          <a:fillRef idx="1">
-            <a:schemeClr val="accent1"/>
-          </a:fillRef>
-          <a:effectRef idx="0">
-            <a:schemeClr val="accent1"/>
-          </a:effectRef>
-          <a:fontRef idx="minor">
-            <a:schemeClr val="lt1"/>
-          </a:fontRef>
-        </p:style>
-        <p:txBody>
-          <a:bodyPr rtlCol="0" anchor="ctr"/>
-          <a:lstStyle/>
-          <a:p>
-            <a:pPr algn="ctr"/>
-            <a:endParaRPr lang="pt-BR"/>
-          </a:p>
-        </p:txBody>
-      </p:sp>
-      <p:sp>
-        <p:nvSpPr>
           <p:cNvPr id="24" name="Forma Livre: Forma 23">
             <a:extLst>
               <a:ext uri="{FF2B5EF4-FFF2-40B4-BE49-F238E27FC236}">
-                <a16:creationId xmlns:a16="http://schemas.microsoft.com/office/drawing/2014/main" id="{BE526089-B0A1-4DE5-8104-CCDA118617F3}"/>
+                <a16:creationId xmlns:a16="http://schemas.microsoft.com/office/drawing/2014/main" xmlns="" id="{BE526089-B0A1-4DE5-8104-CCDA118617F3}"/>
               </a:ext>
             </a:extLst>
           </p:cNvPr>
@@ -9164,7 +11378,7 @@
           <p:cNvPr id="26" name="Imagem 25" descr="Logotipo, Ícone&#10;&#10;Descrição gerada automaticamente">
             <a:extLst>
               <a:ext uri="{FF2B5EF4-FFF2-40B4-BE49-F238E27FC236}">
-                <a16:creationId xmlns:a16="http://schemas.microsoft.com/office/drawing/2014/main" id="{6712E471-5368-4E6D-BE5A-F6984AA8566C}"/>
+                <a16:creationId xmlns:a16="http://schemas.microsoft.com/office/drawing/2014/main" xmlns="" id="{6712E471-5368-4E6D-BE5A-F6984AA8566C}"/>
               </a:ext>
             </a:extLst>
           </p:cNvPr>
@@ -9174,7 +11388,7 @@
           <p:nvPr/>
         </p:nvPicPr>
         <p:blipFill>
-          <a:blip r:embed="rId5">
+          <a:blip r:embed="rId5" cstate="print">
             <a:extLst>
               <a:ext uri="{28A0092B-C50C-407E-A947-70E740481C1C}">
                 <a14:useLocalDpi xmlns:a14="http://schemas.microsoft.com/office/drawing/2010/main" val="0"/>
@@ -9200,7 +11414,7 @@
           <p:cNvPr id="16" name="Forma Livre: Forma 15">
             <a:extLst>
               <a:ext uri="{FF2B5EF4-FFF2-40B4-BE49-F238E27FC236}">
-                <a16:creationId xmlns:a16="http://schemas.microsoft.com/office/drawing/2014/main" id="{786FC30D-8228-4D58-888A-62CDE695E812}"/>
+                <a16:creationId xmlns:a16="http://schemas.microsoft.com/office/drawing/2014/main" xmlns="" id="{786FC30D-8228-4D58-888A-62CDE695E812}"/>
               </a:ext>
             </a:extLst>
           </p:cNvPr>
@@ -9666,10 +11880,10 @@
       </p:sp>
       <p:pic>
         <p:nvPicPr>
-          <p:cNvPr id="2" name="Imagem 1">
-            <a:extLst>
-              <a:ext uri="{FF2B5EF4-FFF2-40B4-BE49-F238E27FC236}">
-                <a16:creationId xmlns:a16="http://schemas.microsoft.com/office/drawing/2014/main" id="{9B72FACD-A817-86C1-05C5-ED6B52B475D0}"/>
+          <p:cNvPr id="4" name="Imagem 3">
+            <a:extLst>
+              <a:ext uri="{FF2B5EF4-FFF2-40B4-BE49-F238E27FC236}">
+                <a16:creationId xmlns:a16="http://schemas.microsoft.com/office/drawing/2014/main" xmlns="" id="{A5DB9CCF-7333-576C-C648-C55C2C4A3A0C}"/>
               </a:ext>
             </a:extLst>
           </p:cNvPr>
@@ -9692,42 +11906,6 @@
         </p:blipFill>
         <p:spPr>
           <a:xfrm>
-            <a:off x="54123" y="2097329"/>
-            <a:ext cx="530828" cy="540000"/>
-          </a:xfrm>
-          <a:prstGeom prst="rect">
-            <a:avLst/>
-          </a:prstGeom>
-        </p:spPr>
-      </p:pic>
-      <p:pic>
-        <p:nvPicPr>
-          <p:cNvPr id="4" name="Imagem 3">
-            <a:extLst>
-              <a:ext uri="{FF2B5EF4-FFF2-40B4-BE49-F238E27FC236}">
-                <a16:creationId xmlns:a16="http://schemas.microsoft.com/office/drawing/2014/main" id="{A5DB9CCF-7333-576C-C648-C55C2C4A3A0C}"/>
-              </a:ext>
-            </a:extLst>
-          </p:cNvPr>
-          <p:cNvPicPr>
-            <a:picLocks noChangeAspect="1"/>
-          </p:cNvPicPr>
-          <p:nvPr/>
-        </p:nvPicPr>
-        <p:blipFill>
-          <a:blip r:embed="rId7">
-            <a:extLst>
-              <a:ext uri="{28A0092B-C50C-407E-A947-70E740481C1C}">
-                <a14:useLocalDpi xmlns:a14="http://schemas.microsoft.com/office/drawing/2010/main" val="0"/>
-              </a:ext>
-            </a:extLst>
-          </a:blip>
-          <a:stretch>
-            <a:fillRect/>
-          </a:stretch>
-        </p:blipFill>
-        <p:spPr>
-          <a:xfrm>
             <a:off x="54123" y="508665"/>
             <a:ext cx="540000" cy="540000"/>
           </a:xfrm>
@@ -9741,7 +11919,7 @@
           <p:cNvPr id="11" name="Elipse 10">
             <a:extLst>
               <a:ext uri="{FF2B5EF4-FFF2-40B4-BE49-F238E27FC236}">
-                <a16:creationId xmlns:a16="http://schemas.microsoft.com/office/drawing/2014/main" id="{AB3E4D33-95F4-8ECE-4A55-E0F84E029D0B}"/>
+                <a16:creationId xmlns:a16="http://schemas.microsoft.com/office/drawing/2014/main" xmlns="" id="{AB3E4D33-95F4-8ECE-4A55-E0F84E029D0B}"/>
               </a:ext>
             </a:extLst>
           </p:cNvPr>
@@ -9793,7 +11971,44 @@
           <p:cNvPr id="14" name="Imagem 13">
             <a:extLst>
               <a:ext uri="{FF2B5EF4-FFF2-40B4-BE49-F238E27FC236}">
-                <a16:creationId xmlns:a16="http://schemas.microsoft.com/office/drawing/2014/main" id="{47F268A9-32CB-41A3-A7AD-6F9464632F16}"/>
+                <a16:creationId xmlns:a16="http://schemas.microsoft.com/office/drawing/2014/main" xmlns="" id="{47F268A9-32CB-41A3-A7AD-6F9464632F16}"/>
+              </a:ext>
+            </a:extLst>
+          </p:cNvPr>
+          <p:cNvPicPr>
+            <a:picLocks noChangeAspect="1"/>
+          </p:cNvPicPr>
+          <p:nvPr/>
+        </p:nvPicPr>
+        <p:blipFill>
+          <a:blip r:embed="rId7" cstate="print">
+            <a:alphaModFix amt="54000"/>
+            <a:extLst>
+              <a:ext uri="{28A0092B-C50C-407E-A947-70E740481C1C}">
+                <a14:useLocalDpi xmlns:a14="http://schemas.microsoft.com/office/drawing/2010/main" val="0"/>
+              </a:ext>
+            </a:extLst>
+          </a:blip>
+          <a:stretch>
+            <a:fillRect/>
+          </a:stretch>
+        </p:blipFill>
+        <p:spPr>
+          <a:xfrm>
+            <a:off x="118653" y="1531639"/>
+            <a:ext cx="435700" cy="435700"/>
+          </a:xfrm>
+          <a:prstGeom prst="rect">
+            <a:avLst/>
+          </a:prstGeom>
+        </p:spPr>
+      </p:pic>
+      <p:pic>
+        <p:nvPicPr>
+          <p:cNvPr id="15" name="Imagem 14">
+            <a:extLst>
+              <a:ext uri="{FF2B5EF4-FFF2-40B4-BE49-F238E27FC236}">
+                <a16:creationId xmlns:a16="http://schemas.microsoft.com/office/drawing/2014/main" xmlns="" id="{36916A5E-5970-F5F4-3FAF-E60BDC3E0CDF}"/>
               </a:ext>
             </a:extLst>
           </p:cNvPr>
@@ -9804,7 +12019,6 @@
         </p:nvPicPr>
         <p:blipFill>
           <a:blip r:embed="rId8">
-            <a:alphaModFix amt="54000"/>
             <a:extLst>
               <a:ext uri="{28A0092B-C50C-407E-A947-70E740481C1C}">
                 <a14:useLocalDpi xmlns:a14="http://schemas.microsoft.com/office/drawing/2010/main" val="0"/>
@@ -9817,8 +12031,8 @@
         </p:blipFill>
         <p:spPr>
           <a:xfrm>
-            <a:off x="118653" y="1531639"/>
-            <a:ext cx="435700" cy="435700"/>
+            <a:off x="1596699" y="4952073"/>
+            <a:ext cx="3222294" cy="1575333"/>
           </a:xfrm>
           <a:prstGeom prst="rect">
             <a:avLst/>
@@ -9827,10 +12041,46 @@
       </p:pic>
       <p:pic>
         <p:nvPicPr>
-          <p:cNvPr id="15" name="Imagem 14">
-            <a:extLst>
-              <a:ext uri="{FF2B5EF4-FFF2-40B4-BE49-F238E27FC236}">
-                <a16:creationId xmlns:a16="http://schemas.microsoft.com/office/drawing/2014/main" id="{36916A5E-5970-F5F4-3FAF-E60BDC3E0CDF}"/>
+          <p:cNvPr id="17" name="Imagem 16">
+            <a:extLst>
+              <a:ext uri="{FF2B5EF4-FFF2-40B4-BE49-F238E27FC236}">
+                <a16:creationId xmlns:a16="http://schemas.microsoft.com/office/drawing/2014/main" xmlns="" id="{5143478F-FD8A-D09E-A408-A6DDEAF95077}"/>
+              </a:ext>
+            </a:extLst>
+          </p:cNvPr>
+          <p:cNvPicPr>
+            <a:picLocks noChangeAspect="1"/>
+          </p:cNvPicPr>
+          <p:nvPr/>
+        </p:nvPicPr>
+        <p:blipFill>
+          <a:blip r:embed="rId8">
+            <a:extLst>
+              <a:ext uri="{28A0092B-C50C-407E-A947-70E740481C1C}">
+                <a14:useLocalDpi xmlns:a14="http://schemas.microsoft.com/office/drawing/2010/main" val="0"/>
+              </a:ext>
+            </a:extLst>
+          </a:blip>
+          <a:stretch>
+            <a:fillRect/>
+          </a:stretch>
+        </p:blipFill>
+        <p:spPr>
+          <a:xfrm>
+            <a:off x="1623955" y="2509421"/>
+            <a:ext cx="3147742" cy="1538886"/>
+          </a:xfrm>
+          <a:prstGeom prst="rect">
+            <a:avLst/>
+          </a:prstGeom>
+        </p:spPr>
+      </p:pic>
+      <p:pic>
+        <p:nvPicPr>
+          <p:cNvPr id="19" name="Imagem 18">
+            <a:extLst>
+              <a:ext uri="{FF2B5EF4-FFF2-40B4-BE49-F238E27FC236}">
+                <a16:creationId xmlns:a16="http://schemas.microsoft.com/office/drawing/2014/main" xmlns="" id="{1FB66340-C7A6-E756-B5C4-7010C0CB7C21}"/>
               </a:ext>
             </a:extLst>
           </p:cNvPr>
@@ -9853,20 +12103,297 @@
         </p:blipFill>
         <p:spPr>
           <a:xfrm>
-            <a:off x="1423278" y="4521355"/>
-            <a:ext cx="4047488" cy="1978759"/>
+            <a:off x="8197178" y="748139"/>
+            <a:ext cx="2388600" cy="2388600"/>
           </a:xfrm>
           <a:prstGeom prst="rect">
             <a:avLst/>
           </a:prstGeom>
         </p:spPr>
       </p:pic>
+      <p:sp>
+        <p:nvSpPr>
+          <p:cNvPr id="27" name="CaixaDeTexto 26"/>
+          <p:cNvSpPr txBox="1"/>
+          <p:nvPr/>
+        </p:nvSpPr>
+        <p:spPr>
+          <a:xfrm>
+            <a:off x="924910" y="1967339"/>
+            <a:ext cx="4256690" cy="369332"/>
+          </a:xfrm>
+          <a:prstGeom prst="rect">
+            <a:avLst/>
+          </a:prstGeom>
+          <a:noFill/>
+        </p:spPr>
+        <p:txBody>
+          <a:bodyPr wrap="square" rtlCol="0">
+            <a:spAutoFit/>
+          </a:bodyPr>
+          <a:lstStyle/>
+          <a:p>
+            <a:pPr algn="ctr"/>
+            <a:r>
+              <a:rPr lang="pt-BR" dirty="0" smtClean="0">
+                <a:solidFill>
+                  <a:schemeClr val="bg1"/>
+                </a:solidFill>
+              </a:rPr>
+              <a:t>Gráfico Demanda Mensal</a:t>
+            </a:r>
+            <a:endParaRPr lang="pt-BR" dirty="0">
+              <a:solidFill>
+                <a:schemeClr val="bg1"/>
+              </a:solidFill>
+            </a:endParaRPr>
+          </a:p>
+        </p:txBody>
+      </p:sp>
+      <p:sp>
+        <p:nvSpPr>
+          <p:cNvPr id="28" name="CaixaDeTexto 27"/>
+          <p:cNvSpPr txBox="1"/>
+          <p:nvPr/>
+        </p:nvSpPr>
+        <p:spPr>
+          <a:xfrm>
+            <a:off x="1077310" y="4421505"/>
+            <a:ext cx="4256690" cy="369332"/>
+          </a:xfrm>
+          <a:prstGeom prst="rect">
+            <a:avLst/>
+          </a:prstGeom>
+          <a:noFill/>
+        </p:spPr>
+        <p:txBody>
+          <a:bodyPr wrap="square" rtlCol="0">
+            <a:spAutoFit/>
+          </a:bodyPr>
+          <a:lstStyle/>
+          <a:p>
+            <a:pPr algn="ctr"/>
+            <a:r>
+              <a:rPr lang="pt-BR" dirty="0" smtClean="0">
+                <a:solidFill>
+                  <a:schemeClr val="bg1"/>
+                </a:solidFill>
+              </a:rPr>
+              <a:t>Gráfico </a:t>
+            </a:r>
+            <a:r>
+              <a:rPr lang="pt-BR" b="1" dirty="0">
+                <a:solidFill>
+                  <a:schemeClr val="bg1"/>
+                </a:solidFill>
+              </a:rPr>
+              <a:t>Taxa de variação</a:t>
+            </a:r>
+            <a:endParaRPr lang="pt-BR" b="1" dirty="0">
+              <a:solidFill>
+                <a:schemeClr val="bg1"/>
+              </a:solidFill>
+            </a:endParaRPr>
+          </a:p>
+        </p:txBody>
+      </p:sp>
+      <p:sp>
+        <p:nvSpPr>
+          <p:cNvPr id="29" name="CaixaDeTexto 28"/>
+          <p:cNvSpPr txBox="1"/>
+          <p:nvPr/>
+        </p:nvSpPr>
+        <p:spPr>
+          <a:xfrm>
+            <a:off x="2238332" y="425186"/>
+            <a:ext cx="1208690" cy="923330"/>
+          </a:xfrm>
+          <a:prstGeom prst="rect">
+            <a:avLst/>
+          </a:prstGeom>
+          <a:noFill/>
+        </p:spPr>
+        <p:txBody>
+          <a:bodyPr wrap="square" rtlCol="0">
+            <a:spAutoFit/>
+          </a:bodyPr>
+          <a:lstStyle/>
+          <a:p>
+            <a:r>
+              <a:rPr lang="pt-BR" dirty="0" smtClean="0">
+                <a:solidFill>
+                  <a:schemeClr val="bg1"/>
+                </a:solidFill>
+              </a:rPr>
+              <a:t>México</a:t>
+            </a:r>
+          </a:p>
+          <a:p>
+            <a:r>
+              <a:rPr lang="pt-BR" dirty="0" smtClean="0">
+                <a:solidFill>
+                  <a:schemeClr val="bg1"/>
+                </a:solidFill>
+              </a:rPr>
+              <a:t>Espanha</a:t>
+            </a:r>
+          </a:p>
+          <a:p>
+            <a:r>
+              <a:rPr lang="pt-BR" dirty="0" smtClean="0">
+                <a:solidFill>
+                  <a:schemeClr val="bg1"/>
+                </a:solidFill>
+              </a:rPr>
+              <a:t>Argentina</a:t>
+            </a:r>
+            <a:endParaRPr lang="pt-BR" dirty="0">
+              <a:solidFill>
+                <a:schemeClr val="bg1"/>
+              </a:solidFill>
+            </a:endParaRPr>
+          </a:p>
+        </p:txBody>
+      </p:sp>
+      <p:sp>
+        <p:nvSpPr>
+          <p:cNvPr id="30" name="CaixaDeTexto 29"/>
+          <p:cNvSpPr txBox="1"/>
+          <p:nvPr/>
+        </p:nvSpPr>
+        <p:spPr>
+          <a:xfrm>
+            <a:off x="4114801" y="395060"/>
+            <a:ext cx="1208690" cy="646331"/>
+          </a:xfrm>
+          <a:prstGeom prst="rect">
+            <a:avLst/>
+          </a:prstGeom>
+          <a:noFill/>
+        </p:spPr>
+        <p:txBody>
+          <a:bodyPr wrap="square" rtlCol="0">
+            <a:spAutoFit/>
+          </a:bodyPr>
+          <a:lstStyle/>
+          <a:p>
+            <a:r>
+              <a:rPr lang="pt-BR" dirty="0" smtClean="0">
+                <a:solidFill>
+                  <a:schemeClr val="bg1"/>
+                </a:solidFill>
+              </a:rPr>
+              <a:t>Chile</a:t>
+            </a:r>
+          </a:p>
+          <a:p>
+            <a:r>
+              <a:rPr lang="pt-BR" dirty="0" smtClean="0">
+                <a:solidFill>
+                  <a:schemeClr val="bg1"/>
+                </a:solidFill>
+              </a:rPr>
+              <a:t>Equador</a:t>
+            </a:r>
+            <a:endParaRPr lang="pt-BR" dirty="0">
+              <a:solidFill>
+                <a:schemeClr val="bg1"/>
+              </a:solidFill>
+            </a:endParaRPr>
+          </a:p>
+        </p:txBody>
+      </p:sp>
+      <p:sp>
+        <p:nvSpPr>
+          <p:cNvPr id="31" name="CaixaDeTexto 30"/>
+          <p:cNvSpPr txBox="1"/>
+          <p:nvPr/>
+        </p:nvSpPr>
+        <p:spPr>
+          <a:xfrm>
+            <a:off x="3962400" y="1348516"/>
+            <a:ext cx="1713186" cy="369332"/>
+          </a:xfrm>
+          <a:prstGeom prst="rect">
+            <a:avLst/>
+          </a:prstGeom>
+          <a:noFill/>
+        </p:spPr>
+        <p:txBody>
+          <a:bodyPr wrap="square" rtlCol="0">
+            <a:spAutoFit/>
+          </a:bodyPr>
+          <a:lstStyle/>
+          <a:p>
+            <a:r>
+              <a:rPr lang="pt-BR" b="1" dirty="0" smtClean="0">
+                <a:solidFill>
+                  <a:schemeClr val="bg1"/>
+                </a:solidFill>
+              </a:rPr>
+              <a:t>Mês:</a:t>
+            </a:r>
+            <a:endParaRPr lang="pt-BR" b="1" dirty="0">
+              <a:solidFill>
+                <a:schemeClr val="bg1"/>
+              </a:solidFill>
+            </a:endParaRPr>
+          </a:p>
+        </p:txBody>
+      </p:sp>
+      <p:sp>
+        <p:nvSpPr>
+          <p:cNvPr id="32" name="CaixaDeTexto 31"/>
+          <p:cNvSpPr txBox="1"/>
+          <p:nvPr/>
+        </p:nvSpPr>
+        <p:spPr>
+          <a:xfrm>
+            <a:off x="7938423" y="181561"/>
+            <a:ext cx="2906109" cy="369332"/>
+          </a:xfrm>
+          <a:prstGeom prst="rect">
+            <a:avLst/>
+          </a:prstGeom>
+          <a:noFill/>
+        </p:spPr>
+        <p:txBody>
+          <a:bodyPr wrap="square" rtlCol="0">
+            <a:spAutoFit/>
+          </a:bodyPr>
+          <a:lstStyle/>
+          <a:p>
+            <a:pPr algn="ctr"/>
+            <a:r>
+              <a:rPr lang="pt-BR" dirty="0" smtClean="0">
+                <a:solidFill>
+                  <a:schemeClr val="bg1"/>
+                </a:solidFill>
+              </a:rPr>
+              <a:t>Gráfico </a:t>
+            </a:r>
+            <a:r>
+              <a:rPr lang="pt-BR" b="1" dirty="0">
+                <a:solidFill>
+                  <a:schemeClr val="bg1"/>
+                </a:solidFill>
+              </a:rPr>
+              <a:t>Taxa de variação</a:t>
+            </a:r>
+            <a:endParaRPr lang="pt-BR" b="1" dirty="0">
+              <a:solidFill>
+                <a:schemeClr val="bg1"/>
+              </a:solidFill>
+            </a:endParaRPr>
+          </a:p>
+        </p:txBody>
+      </p:sp>
       <p:pic>
         <p:nvPicPr>
-          <p:cNvPr id="17" name="Imagem 16">
-            <a:extLst>
-              <a:ext uri="{FF2B5EF4-FFF2-40B4-BE49-F238E27FC236}">
-                <a16:creationId xmlns:a16="http://schemas.microsoft.com/office/drawing/2014/main" id="{5143478F-FD8A-D09E-A408-A6DDEAF95077}"/>
+          <p:cNvPr id="33" name="Imagem 32">
+            <a:extLst>
+              <a:ext uri="{FF2B5EF4-FFF2-40B4-BE49-F238E27FC236}">
+                <a16:creationId xmlns:a16="http://schemas.microsoft.com/office/drawing/2014/main" xmlns="" id="{1FB66340-C7A6-E756-B5C4-7010C0CB7C21}"/>
               </a:ext>
             </a:extLst>
           </p:cNvPr>
@@ -9889,20 +12416,119 @@
         </p:blipFill>
         <p:spPr>
           <a:xfrm>
-            <a:off x="1423278" y="2056878"/>
-            <a:ext cx="4047488" cy="1978759"/>
+            <a:off x="8197178" y="4110555"/>
+            <a:ext cx="2388600" cy="2388600"/>
           </a:xfrm>
           <a:prstGeom prst="rect">
             <a:avLst/>
           </a:prstGeom>
         </p:spPr>
       </p:pic>
+      <p:sp>
+        <p:nvSpPr>
+          <p:cNvPr id="34" name="CaixaDeTexto 33"/>
+          <p:cNvSpPr txBox="1"/>
+          <p:nvPr/>
+        </p:nvSpPr>
+        <p:spPr>
+          <a:xfrm>
+            <a:off x="7938423" y="3288474"/>
+            <a:ext cx="2906109" cy="369332"/>
+          </a:xfrm>
+          <a:prstGeom prst="rect">
+            <a:avLst/>
+          </a:prstGeom>
+          <a:noFill/>
+        </p:spPr>
+        <p:txBody>
+          <a:bodyPr wrap="square" rtlCol="0">
+            <a:spAutoFit/>
+          </a:bodyPr>
+          <a:lstStyle/>
+          <a:p>
+            <a:pPr algn="ctr"/>
+            <a:r>
+              <a:rPr lang="pt-BR" dirty="0" smtClean="0">
+                <a:solidFill>
+                  <a:schemeClr val="bg1"/>
+                </a:solidFill>
+              </a:rPr>
+              <a:t>Gráfico </a:t>
+            </a:r>
+            <a:r>
+              <a:rPr lang="pt-BR" b="1" dirty="0" smtClean="0">
+                <a:solidFill>
+                  <a:schemeClr val="bg1"/>
+                </a:solidFill>
+              </a:rPr>
+              <a:t>Evolução da tarifa</a:t>
+            </a:r>
+            <a:endParaRPr lang="pt-BR" b="1" dirty="0">
+              <a:solidFill>
+                <a:schemeClr val="bg1"/>
+              </a:solidFill>
+            </a:endParaRPr>
+          </a:p>
+        </p:txBody>
+      </p:sp>
+      <p:sp>
+        <p:nvSpPr>
+          <p:cNvPr id="35" name="Elipse 34">
+            <a:extLst>
+              <a:ext uri="{FF2B5EF4-FFF2-40B4-BE49-F238E27FC236}">
+                <a16:creationId xmlns:a16="http://schemas.microsoft.com/office/drawing/2014/main" xmlns="" id="{DAAEFE41-6CC2-4D3F-44BD-4BDE91A8813F}"/>
+              </a:ext>
+            </a:extLst>
+          </p:cNvPr>
+          <p:cNvSpPr/>
+          <p:nvPr/>
+        </p:nvSpPr>
+        <p:spPr>
+          <a:xfrm>
+            <a:off x="71768" y="2717959"/>
+            <a:ext cx="513183" cy="475861"/>
+          </a:xfrm>
+          <a:prstGeom prst="ellipse">
+            <a:avLst/>
+          </a:prstGeom>
+          <a:solidFill>
+            <a:schemeClr val="bg1"/>
+          </a:solidFill>
+          <a:ln>
+            <a:noFill/>
+          </a:ln>
+        </p:spPr>
+        <p:style>
+          <a:lnRef idx="2">
+            <a:schemeClr val="accent1">
+              <a:shade val="50000"/>
+            </a:schemeClr>
+          </a:lnRef>
+          <a:fillRef idx="1">
+            <a:schemeClr val="accent1"/>
+          </a:fillRef>
+          <a:effectRef idx="0">
+            <a:schemeClr val="accent1"/>
+          </a:effectRef>
+          <a:fontRef idx="minor">
+            <a:schemeClr val="lt1"/>
+          </a:fontRef>
+        </p:style>
+        <p:txBody>
+          <a:bodyPr rtlCol="0" anchor="ctr"/>
+          <a:lstStyle/>
+          <a:p>
+            <a:pPr algn="ctr"/>
+            <a:endParaRPr lang="pt-BR"/>
+          </a:p>
+        </p:txBody>
+      </p:sp>
       <p:pic>
         <p:nvPicPr>
-          <p:cNvPr id="19" name="Imagem 18">
-            <a:extLst>
-              <a:ext uri="{FF2B5EF4-FFF2-40B4-BE49-F238E27FC236}">
-                <a16:creationId xmlns:a16="http://schemas.microsoft.com/office/drawing/2014/main" id="{1FB66340-C7A6-E756-B5C4-7010C0CB7C21}"/>
+          <p:cNvPr id="36" name="Imagem 35">
+            <a:extLst>
+              <a:ext uri="{FF2B5EF4-FFF2-40B4-BE49-F238E27FC236}">
+                <a16:creationId xmlns:a16="http://schemas.microsoft.com/office/drawing/2014/main" xmlns="" id="{90EBAFD3-91D3-FF36-C917-BDD9AC30D6A5}"/>
               </a:ext>
             </a:extLst>
           </p:cNvPr>
@@ -9913,6 +12539,7 @@
         </p:nvPicPr>
         <p:blipFill>
           <a:blip r:embed="rId10">
+            <a:alphaModFix amt="59000"/>
             <a:extLst>
               <a:ext uri="{28A0092B-C50C-407E-A947-70E740481C1C}">
                 <a14:useLocalDpi xmlns:a14="http://schemas.microsoft.com/office/drawing/2010/main" val="0"/>
@@ -9925,30 +12552,76 @@
         </p:blipFill>
         <p:spPr>
           <a:xfrm>
-            <a:off x="6294245" y="748139"/>
-            <a:ext cx="2388600" cy="2388600"/>
+            <a:off x="54123" y="2685889"/>
+            <a:ext cx="530828" cy="540000"/>
           </a:xfrm>
           <a:prstGeom prst="rect">
             <a:avLst/>
           </a:prstGeom>
         </p:spPr>
       </p:pic>
+      <p:sp>
+        <p:nvSpPr>
+          <p:cNvPr id="37" name="Elipse 36">
+            <a:extLst>
+              <a:ext uri="{FF2B5EF4-FFF2-40B4-BE49-F238E27FC236}">
+                <a16:creationId xmlns:a16="http://schemas.microsoft.com/office/drawing/2014/main" xmlns="" id="{49F99978-92E2-4BC9-A22F-BF776BF66F50}"/>
+              </a:ext>
+            </a:extLst>
+          </p:cNvPr>
+          <p:cNvSpPr/>
+          <p:nvPr/>
+        </p:nvSpPr>
+        <p:spPr>
+          <a:xfrm>
+            <a:off x="74646" y="2103696"/>
+            <a:ext cx="513183" cy="475861"/>
+          </a:xfrm>
+          <a:prstGeom prst="ellipse">
+            <a:avLst/>
+          </a:prstGeom>
+          <a:solidFill>
+            <a:schemeClr val="bg1"/>
+          </a:solidFill>
+          <a:ln>
+            <a:noFill/>
+          </a:ln>
+        </p:spPr>
+        <p:style>
+          <a:lnRef idx="2">
+            <a:schemeClr val="accent1">
+              <a:shade val="50000"/>
+            </a:schemeClr>
+          </a:lnRef>
+          <a:fillRef idx="1">
+            <a:schemeClr val="accent1"/>
+          </a:fillRef>
+          <a:effectRef idx="0">
+            <a:schemeClr val="accent1"/>
+          </a:effectRef>
+          <a:fontRef idx="minor">
+            <a:schemeClr val="lt1"/>
+          </a:fontRef>
+        </p:style>
+        <p:txBody>
+          <a:bodyPr rtlCol="0" anchor="ctr"/>
+          <a:lstStyle/>
+          <a:p>
+            <a:pPr algn="ctr"/>
+            <a:endParaRPr lang="pt-BR"/>
+          </a:p>
+        </p:txBody>
+      </p:sp>
       <p:pic>
         <p:nvPicPr>
-          <p:cNvPr id="21" name="Imagem 20">
-            <a:extLst>
-              <a:ext uri="{FF2B5EF4-FFF2-40B4-BE49-F238E27FC236}">
-                <a16:creationId xmlns:a16="http://schemas.microsoft.com/office/drawing/2014/main" id="{EF6D36E6-AA78-E7CC-E336-FD3C2C20DB66}"/>
-              </a:ext>
-            </a:extLst>
-          </p:cNvPr>
+          <p:cNvPr id="38" name="Imagem 37"/>
           <p:cNvPicPr>
             <a:picLocks noChangeAspect="1"/>
           </p:cNvPicPr>
           <p:nvPr/>
         </p:nvPicPr>
         <p:blipFill>
-          <a:blip r:embed="rId10">
+          <a:blip r:embed="rId11" cstate="print">
             <a:extLst>
               <a:ext uri="{28A0092B-C50C-407E-A947-70E740481C1C}">
                 <a14:useLocalDpi xmlns:a14="http://schemas.microsoft.com/office/drawing/2010/main" val="0"/>
@@ -9961,80 +12634,8 @@
         </p:blipFill>
         <p:spPr>
           <a:xfrm>
-            <a:off x="9288319" y="4027773"/>
-            <a:ext cx="2388600" cy="2388600"/>
-          </a:xfrm>
-          <a:prstGeom prst="rect">
-            <a:avLst/>
-          </a:prstGeom>
-        </p:spPr>
-      </p:pic>
-      <p:pic>
-        <p:nvPicPr>
-          <p:cNvPr id="22" name="Imagem 21">
-            <a:extLst>
-              <a:ext uri="{FF2B5EF4-FFF2-40B4-BE49-F238E27FC236}">
-                <a16:creationId xmlns:a16="http://schemas.microsoft.com/office/drawing/2014/main" id="{C2776C52-C9B4-FD90-E9A3-F5D1227483CE}"/>
-              </a:ext>
-            </a:extLst>
-          </p:cNvPr>
-          <p:cNvPicPr>
-            <a:picLocks noChangeAspect="1"/>
-          </p:cNvPicPr>
-          <p:nvPr/>
-        </p:nvPicPr>
-        <p:blipFill>
-          <a:blip r:embed="rId9">
-            <a:extLst>
-              <a:ext uri="{28A0092B-C50C-407E-A947-70E740481C1C}">
-                <a14:useLocalDpi xmlns:a14="http://schemas.microsoft.com/office/drawing/2010/main" val="0"/>
-              </a:ext>
-            </a:extLst>
-          </a:blip>
-          <a:stretch>
-            <a:fillRect/>
-          </a:stretch>
-        </p:blipFill>
-        <p:spPr>
-          <a:xfrm>
-            <a:off x="6272137" y="4225715"/>
-            <a:ext cx="2603927" cy="1978759"/>
-          </a:xfrm>
-          <a:prstGeom prst="rect">
-            <a:avLst/>
-          </a:prstGeom>
-        </p:spPr>
-      </p:pic>
-      <p:pic>
-        <p:nvPicPr>
-          <p:cNvPr id="25" name="Imagem 24">
-            <a:extLst>
-              <a:ext uri="{FF2B5EF4-FFF2-40B4-BE49-F238E27FC236}">
-                <a16:creationId xmlns:a16="http://schemas.microsoft.com/office/drawing/2014/main" id="{FD3057CF-A706-528D-EDE1-E9FAC800C918}"/>
-              </a:ext>
-            </a:extLst>
-          </p:cNvPr>
-          <p:cNvPicPr>
-            <a:picLocks noChangeAspect="1"/>
-          </p:cNvPicPr>
-          <p:nvPr/>
-        </p:nvPicPr>
-        <p:blipFill>
-          <a:blip r:embed="rId9">
-            <a:extLst>
-              <a:ext uri="{28A0092B-C50C-407E-A947-70E740481C1C}">
-                <a14:useLocalDpi xmlns:a14="http://schemas.microsoft.com/office/drawing/2010/main" val="0"/>
-              </a:ext>
-            </a:extLst>
-          </a:blip>
-          <a:stretch>
-            <a:fillRect/>
-          </a:stretch>
-        </p:blipFill>
-        <p:spPr>
-          <a:xfrm>
-            <a:off x="9238014" y="778665"/>
-            <a:ext cx="2603927" cy="1978759"/>
+            <a:off x="131828" y="2134884"/>
+            <a:ext cx="393062" cy="393062"/>
           </a:xfrm>
           <a:prstGeom prst="rect">
             <a:avLst/>
@@ -10051,10 +12652,17 @@
   <p:clrMapOvr>
     <a:masterClrMapping/>
   </p:clrMapOvr>
+  <p:timing>
+    <p:tnLst>
+      <p:par>
+        <p:cTn id="1" dur="indefinite" restart="never" nodeType="tmRoot"/>
+      </p:par>
+    </p:tnLst>
+  </p:timing>
 </p:sld>
 </file>
 
-<file path=ppt/slides/slide4.xml><?xml version="1.0" encoding="utf-8"?>
+<file path=ppt/slides/slide5.xml><?xml version="1.0" encoding="utf-8"?>
 <p:sld xmlns:a="http://schemas.openxmlformats.org/drawingml/2006/main" xmlns:r="http://schemas.openxmlformats.org/officeDocument/2006/relationships" xmlns:p="http://schemas.openxmlformats.org/presentationml/2006/main">
   <p:cSld>
     <p:spTree>
@@ -10076,7 +12684,7 @@
           <p:cNvPr id="5" name="Imagem 4">
             <a:extLst>
               <a:ext uri="{FF2B5EF4-FFF2-40B4-BE49-F238E27FC236}">
-                <a16:creationId xmlns:a16="http://schemas.microsoft.com/office/drawing/2014/main" id="{12B9E5DD-62AE-4B47-8CBB-BAB6F864373D}"/>
+                <a16:creationId xmlns:a16="http://schemas.microsoft.com/office/drawing/2014/main" xmlns="" id="{12B9E5DD-62AE-4B47-8CBB-BAB6F864373D}"/>
               </a:ext>
             </a:extLst>
           </p:cNvPr>
@@ -10129,7 +12737,7 @@
           <p:cNvPr id="12" name="Retângulo: Cantos Arredondados 11">
             <a:extLst>
               <a:ext uri="{FF2B5EF4-FFF2-40B4-BE49-F238E27FC236}">
-                <a16:creationId xmlns:a16="http://schemas.microsoft.com/office/drawing/2014/main" id="{46EF5AD3-6E31-4296-9F57-57F32B336C16}"/>
+                <a16:creationId xmlns:a16="http://schemas.microsoft.com/office/drawing/2014/main" xmlns="" id="{46EF5AD3-6E31-4296-9F57-57F32B336C16}"/>
               </a:ext>
             </a:extLst>
           </p:cNvPr>
@@ -10182,6 +12790,31 @@
           <a:bodyPr rtlCol="0" anchor="ctr"/>
           <a:lstStyle/>
           <a:p>
+            <a:pPr algn="ctr">
+              <a:defRPr/>
+            </a:pPr>
+            <a:r>
+              <a:rPr lang="pt-BR" sz="2800" b="1" dirty="0">
+                <a:solidFill>
+                  <a:prstClr val="white"/>
+                </a:solidFill>
+                <a:latin typeface="Segoe UI" panose="020B0502040204020203" pitchFamily="34" charset="0"/>
+                <a:cs typeface="Segoe UI" panose="020B0502040204020203" pitchFamily="34" charset="0"/>
+              </a:rPr>
+              <a:t>Ana </a:t>
+            </a:r>
+            <a:r>
+              <a:rPr lang="pt-BR" sz="2800" b="1" dirty="0" smtClean="0">
+                <a:solidFill>
+                  <a:prstClr val="white"/>
+                </a:solidFill>
+                <a:latin typeface="Segoe UI" panose="020B0502040204020203" pitchFamily="34" charset="0"/>
+                <a:cs typeface="Segoe UI" panose="020B0502040204020203" pitchFamily="34" charset="0"/>
+              </a:rPr>
+              <a:t>Chaves</a:t>
+            </a:r>
+          </a:p>
+          <a:p>
             <a:pPr marL="0" marR="0" lvl="0" indent="0" algn="ctr" defTabSz="914400" rtl="0" eaLnBrk="1" fontAlgn="auto" latinLnBrk="0" hangingPunct="1">
               <a:lnSpc>
                 <a:spcPct val="100000"/>
@@ -10199,7 +12832,65 @@
               <a:tabLst/>
               <a:defRPr/>
             </a:pPr>
-            <a:endParaRPr kumimoji="0" lang="pt-BR" sz="3800" b="1" i="0" u="none" strike="noStrike" kern="1200" cap="none" spc="0" normalizeH="0" baseline="0" noProof="0" dirty="0">
+            <a:r>
+              <a:rPr lang="pt-BR" sz="2800" b="1" dirty="0" smtClean="0">
+                <a:solidFill>
+                  <a:prstClr val="white"/>
+                </a:solidFill>
+                <a:latin typeface="Segoe UI" panose="020B0502040204020203" pitchFamily="34" charset="0"/>
+                <a:cs typeface="Segoe UI" panose="020B0502040204020203" pitchFamily="34" charset="0"/>
+              </a:rPr>
+              <a:t>Duarte Junior</a:t>
+            </a:r>
+          </a:p>
+          <a:p>
+            <a:pPr marL="0" marR="0" lvl="0" indent="0" algn="ctr" defTabSz="914400" rtl="0" eaLnBrk="1" fontAlgn="auto" latinLnBrk="0" hangingPunct="1">
+              <a:lnSpc>
+                <a:spcPct val="100000"/>
+              </a:lnSpc>
+              <a:spcBef>
+                <a:spcPts val="0"/>
+              </a:spcBef>
+              <a:spcAft>
+                <a:spcPts val="0"/>
+              </a:spcAft>
+              <a:buClrTx/>
+              <a:buSzTx/>
+              <a:buFontTx/>
+              <a:buNone/>
+              <a:tabLst/>
+              <a:defRPr/>
+            </a:pPr>
+            <a:r>
+              <a:rPr lang="pt-BR" sz="2800" b="1" dirty="0" smtClean="0">
+                <a:solidFill>
+                  <a:prstClr val="white"/>
+                </a:solidFill>
+                <a:latin typeface="Segoe UI" panose="020B0502040204020203" pitchFamily="34" charset="0"/>
+                <a:cs typeface="Segoe UI" panose="020B0502040204020203" pitchFamily="34" charset="0"/>
+              </a:rPr>
+              <a:t>Thiago Charles</a:t>
+            </a:r>
+          </a:p>
+          <a:p>
+            <a:pPr marL="0" marR="0" lvl="0" indent="0" algn="ctr" defTabSz="914400" rtl="0" eaLnBrk="1" fontAlgn="auto" latinLnBrk="0" hangingPunct="1">
+              <a:lnSpc>
+                <a:spcPct val="100000"/>
+              </a:lnSpc>
+              <a:spcBef>
+                <a:spcPts val="0"/>
+              </a:spcBef>
+              <a:spcAft>
+                <a:spcPts val="0"/>
+              </a:spcAft>
+              <a:buClrTx/>
+              <a:buSzTx/>
+              <a:buFontTx/>
+              <a:buNone/>
+              <a:tabLst/>
+              <a:defRPr/>
+            </a:pPr>
+            <a:endParaRPr kumimoji="0" lang="pt-BR" sz="2800" b="1" i="0" u="none" strike="noStrike" kern="1200" cap="none" spc="0" normalizeH="0" baseline="0" noProof="0" dirty="0">
               <a:ln>
                 <a:noFill/>
               </a:ln>
@@ -10220,7 +12911,7 @@
           <p:cNvPr id="35" name="Retângulo: Cantos Arredondados 34">
             <a:extLst>
               <a:ext uri="{FF2B5EF4-FFF2-40B4-BE49-F238E27FC236}">
-                <a16:creationId xmlns:a16="http://schemas.microsoft.com/office/drawing/2014/main" id="{F9091EDE-C8B7-4C0A-9DE7-C56FFBD641D1}"/>
+                <a16:creationId xmlns:a16="http://schemas.microsoft.com/office/drawing/2014/main" xmlns="" id="{F9091EDE-C8B7-4C0A-9DE7-C56FFBD641D1}"/>
               </a:ext>
             </a:extLst>
           </p:cNvPr>
@@ -10314,7 +13005,7 @@
           <p:cNvPr id="29" name="Forma Livre: Forma 28">
             <a:extLst>
               <a:ext uri="{FF2B5EF4-FFF2-40B4-BE49-F238E27FC236}">
-                <a16:creationId xmlns:a16="http://schemas.microsoft.com/office/drawing/2014/main" id="{DBBB34D3-C576-4D8A-AE55-FDEC7BAA49A7}"/>
+                <a16:creationId xmlns:a16="http://schemas.microsoft.com/office/drawing/2014/main" xmlns="" id="{DBBB34D3-C576-4D8A-AE55-FDEC7BAA49A7}"/>
               </a:ext>
             </a:extLst>
           </p:cNvPr>
@@ -10323,8 +13014,8 @@
         </p:nvSpPr>
         <p:spPr>
           <a:xfrm>
-            <a:off x="9924020" y="4517187"/>
-            <a:ext cx="1080000" cy="1080000"/>
+            <a:off x="10466978" y="4705295"/>
+            <a:ext cx="642456" cy="640925"/>
           </a:xfrm>
           <a:custGeom>
             <a:avLst/>
@@ -10778,678 +13469,12 @@
           </a:p>
         </p:txBody>
       </p:sp>
-      <p:sp>
-        <p:nvSpPr>
-          <p:cNvPr id="31" name="Forma Livre: Forma 30">
-            <a:extLst>
-              <a:ext uri="{FF2B5EF4-FFF2-40B4-BE49-F238E27FC236}">
-                <a16:creationId xmlns:a16="http://schemas.microsoft.com/office/drawing/2014/main" id="{97F1B691-3CC5-42EE-A134-8B51B95B9AC0}"/>
-              </a:ext>
-            </a:extLst>
-          </p:cNvPr>
-          <p:cNvSpPr/>
-          <p:nvPr/>
-        </p:nvSpPr>
-        <p:spPr>
-          <a:xfrm>
-            <a:off x="8361414" y="4517187"/>
-            <a:ext cx="1080000" cy="1080000"/>
-          </a:xfrm>
-          <a:custGeom>
-            <a:avLst/>
-            <a:gdLst>
-              <a:gd name="connsiteX0" fmla="*/ 169099 w 198112"/>
-              <a:gd name="connsiteY0" fmla="*/ 29014 h 198123"/>
-              <a:gd name="connsiteX1" fmla="*/ 99056 w 198112"/>
-              <a:gd name="connsiteY1" fmla="*/ 0 h 198123"/>
-              <a:gd name="connsiteX2" fmla="*/ 99056 w 198112"/>
-              <a:gd name="connsiteY2" fmla="*/ 0 h 198123"/>
-              <a:gd name="connsiteX3" fmla="*/ 29014 w 198112"/>
-              <a:gd name="connsiteY3" fmla="*/ 29014 h 198123"/>
-              <a:gd name="connsiteX4" fmla="*/ 0 w 198112"/>
-              <a:gd name="connsiteY4" fmla="*/ 99056 h 198123"/>
-              <a:gd name="connsiteX5" fmla="*/ 29014 w 198112"/>
-              <a:gd name="connsiteY5" fmla="*/ 169110 h 198123"/>
-              <a:gd name="connsiteX6" fmla="*/ 99056 w 198112"/>
-              <a:gd name="connsiteY6" fmla="*/ 198124 h 198123"/>
-              <a:gd name="connsiteX7" fmla="*/ 169099 w 198112"/>
-              <a:gd name="connsiteY7" fmla="*/ 169110 h 198123"/>
-              <a:gd name="connsiteX8" fmla="*/ 198113 w 198112"/>
-              <a:gd name="connsiteY8" fmla="*/ 99056 h 198123"/>
-              <a:gd name="connsiteX9" fmla="*/ 169099 w 198112"/>
-              <a:gd name="connsiteY9" fmla="*/ 29014 h 198123"/>
-              <a:gd name="connsiteX10" fmla="*/ 175568 w 198112"/>
-              <a:gd name="connsiteY10" fmla="*/ 141356 h 198123"/>
-              <a:gd name="connsiteX11" fmla="*/ 146576 w 198112"/>
-              <a:gd name="connsiteY11" fmla="*/ 141356 h 198123"/>
-              <a:gd name="connsiteX12" fmla="*/ 153349 w 198112"/>
-              <a:gd name="connsiteY12" fmla="*/ 104861 h 198123"/>
-              <a:gd name="connsiteX13" fmla="*/ 186311 w 198112"/>
-              <a:gd name="connsiteY13" fmla="*/ 104861 h 198123"/>
-              <a:gd name="connsiteX14" fmla="*/ 175568 w 198112"/>
-              <a:gd name="connsiteY14" fmla="*/ 141356 h 198123"/>
-              <a:gd name="connsiteX15" fmla="*/ 99056 w 198112"/>
-              <a:gd name="connsiteY15" fmla="*/ 185648 h 198123"/>
-              <a:gd name="connsiteX16" fmla="*/ 69086 w 198112"/>
-              <a:gd name="connsiteY16" fmla="*/ 152966 h 198123"/>
-              <a:gd name="connsiteX17" fmla="*/ 129026 w 198112"/>
-              <a:gd name="connsiteY17" fmla="*/ 152966 h 198123"/>
-              <a:gd name="connsiteX18" fmla="*/ 99056 w 198112"/>
-              <a:gd name="connsiteY18" fmla="*/ 185648 h 198123"/>
-              <a:gd name="connsiteX19" fmla="*/ 63832 w 198112"/>
-              <a:gd name="connsiteY19" fmla="*/ 141356 h 198123"/>
-              <a:gd name="connsiteX20" fmla="*/ 56385 w 198112"/>
-              <a:gd name="connsiteY20" fmla="*/ 104861 h 198123"/>
-              <a:gd name="connsiteX21" fmla="*/ 141727 w 198112"/>
-              <a:gd name="connsiteY21" fmla="*/ 104861 h 198123"/>
-              <a:gd name="connsiteX22" fmla="*/ 134269 w 198112"/>
-              <a:gd name="connsiteY22" fmla="*/ 141356 h 198123"/>
-              <a:gd name="connsiteX23" fmla="*/ 63832 w 198112"/>
-              <a:gd name="connsiteY23" fmla="*/ 141356 h 198123"/>
-              <a:gd name="connsiteX24" fmla="*/ 11801 w 198112"/>
-              <a:gd name="connsiteY24" fmla="*/ 104861 h 198123"/>
-              <a:gd name="connsiteX25" fmla="*/ 44764 w 198112"/>
-              <a:gd name="connsiteY25" fmla="*/ 104861 h 198123"/>
-              <a:gd name="connsiteX26" fmla="*/ 51536 w 198112"/>
-              <a:gd name="connsiteY26" fmla="*/ 141356 h 198123"/>
-              <a:gd name="connsiteX27" fmla="*/ 22534 w 198112"/>
-              <a:gd name="connsiteY27" fmla="*/ 141356 h 198123"/>
-              <a:gd name="connsiteX28" fmla="*/ 11801 w 198112"/>
-              <a:gd name="connsiteY28" fmla="*/ 104861 h 198123"/>
-              <a:gd name="connsiteX29" fmla="*/ 22534 w 198112"/>
-              <a:gd name="connsiteY29" fmla="*/ 56756 h 198123"/>
-              <a:gd name="connsiteX30" fmla="*/ 51536 w 198112"/>
-              <a:gd name="connsiteY30" fmla="*/ 56756 h 198123"/>
-              <a:gd name="connsiteX31" fmla="*/ 44764 w 198112"/>
-              <a:gd name="connsiteY31" fmla="*/ 93251 h 198123"/>
-              <a:gd name="connsiteX32" fmla="*/ 11801 w 198112"/>
-              <a:gd name="connsiteY32" fmla="*/ 93251 h 198123"/>
-              <a:gd name="connsiteX33" fmla="*/ 22534 w 198112"/>
-              <a:gd name="connsiteY33" fmla="*/ 56756 h 198123"/>
-              <a:gd name="connsiteX34" fmla="*/ 99056 w 198112"/>
-              <a:gd name="connsiteY34" fmla="*/ 12465 h 198123"/>
-              <a:gd name="connsiteX35" fmla="*/ 129026 w 198112"/>
-              <a:gd name="connsiteY35" fmla="*/ 45146 h 198123"/>
-              <a:gd name="connsiteX36" fmla="*/ 69086 w 198112"/>
-              <a:gd name="connsiteY36" fmla="*/ 45146 h 198123"/>
-              <a:gd name="connsiteX37" fmla="*/ 99056 w 198112"/>
-              <a:gd name="connsiteY37" fmla="*/ 12465 h 198123"/>
-              <a:gd name="connsiteX38" fmla="*/ 134269 w 198112"/>
-              <a:gd name="connsiteY38" fmla="*/ 56756 h 198123"/>
-              <a:gd name="connsiteX39" fmla="*/ 141727 w 198112"/>
-              <a:gd name="connsiteY39" fmla="*/ 93251 h 198123"/>
-              <a:gd name="connsiteX40" fmla="*/ 56385 w 198112"/>
-              <a:gd name="connsiteY40" fmla="*/ 93251 h 198123"/>
-              <a:gd name="connsiteX41" fmla="*/ 63832 w 198112"/>
-              <a:gd name="connsiteY41" fmla="*/ 56756 h 198123"/>
-              <a:gd name="connsiteX42" fmla="*/ 134269 w 198112"/>
-              <a:gd name="connsiteY42" fmla="*/ 56756 h 198123"/>
-              <a:gd name="connsiteX43" fmla="*/ 186311 w 198112"/>
-              <a:gd name="connsiteY43" fmla="*/ 93251 h 198123"/>
-              <a:gd name="connsiteX44" fmla="*/ 153349 w 198112"/>
-              <a:gd name="connsiteY44" fmla="*/ 93251 h 198123"/>
-              <a:gd name="connsiteX45" fmla="*/ 146576 w 198112"/>
-              <a:gd name="connsiteY45" fmla="*/ 56756 h 198123"/>
-              <a:gd name="connsiteX46" fmla="*/ 175568 w 198112"/>
-              <a:gd name="connsiteY46" fmla="*/ 56756 h 198123"/>
-              <a:gd name="connsiteX47" fmla="*/ 186311 w 198112"/>
-              <a:gd name="connsiteY47" fmla="*/ 93251 h 198123"/>
-              <a:gd name="connsiteX48" fmla="*/ 141930 w 198112"/>
-              <a:gd name="connsiteY48" fmla="*/ 45146 h 198123"/>
-              <a:gd name="connsiteX49" fmla="*/ 120262 w 198112"/>
-              <a:gd name="connsiteY49" fmla="*/ 14209 h 198123"/>
-              <a:gd name="connsiteX50" fmla="*/ 167873 w 198112"/>
-              <a:gd name="connsiteY50" fmla="*/ 45146 h 198123"/>
-              <a:gd name="connsiteX51" fmla="*/ 141930 w 198112"/>
-              <a:gd name="connsiteY51" fmla="*/ 45146 h 198123"/>
-              <a:gd name="connsiteX52" fmla="*/ 77850 w 198112"/>
-              <a:gd name="connsiteY52" fmla="*/ 14209 h 198123"/>
-              <a:gd name="connsiteX53" fmla="*/ 56183 w 198112"/>
-              <a:gd name="connsiteY53" fmla="*/ 45146 h 198123"/>
-              <a:gd name="connsiteX54" fmla="*/ 30240 w 198112"/>
-              <a:gd name="connsiteY54" fmla="*/ 45146 h 198123"/>
-              <a:gd name="connsiteX55" fmla="*/ 77850 w 198112"/>
-              <a:gd name="connsiteY55" fmla="*/ 14209 h 198123"/>
-              <a:gd name="connsiteX56" fmla="*/ 56183 w 198112"/>
-              <a:gd name="connsiteY56" fmla="*/ 152966 h 198123"/>
-              <a:gd name="connsiteX57" fmla="*/ 77850 w 198112"/>
-              <a:gd name="connsiteY57" fmla="*/ 183904 h 198123"/>
-              <a:gd name="connsiteX58" fmla="*/ 30240 w 198112"/>
-              <a:gd name="connsiteY58" fmla="*/ 152966 h 198123"/>
-              <a:gd name="connsiteX59" fmla="*/ 56183 w 198112"/>
-              <a:gd name="connsiteY59" fmla="*/ 152966 h 198123"/>
-              <a:gd name="connsiteX60" fmla="*/ 120262 w 198112"/>
-              <a:gd name="connsiteY60" fmla="*/ 183904 h 198123"/>
-              <a:gd name="connsiteX61" fmla="*/ 141930 w 198112"/>
-              <a:gd name="connsiteY61" fmla="*/ 152966 h 198123"/>
-              <a:gd name="connsiteX62" fmla="*/ 167873 w 198112"/>
-              <a:gd name="connsiteY62" fmla="*/ 152966 h 198123"/>
-              <a:gd name="connsiteX63" fmla="*/ 120262 w 198112"/>
-              <a:gd name="connsiteY63" fmla="*/ 183904 h 198123"/>
-            </a:gdLst>
-            <a:ahLst/>
-            <a:cxnLst>
-              <a:cxn ang="0">
-                <a:pos x="connsiteX0" y="connsiteY0"/>
-              </a:cxn>
-              <a:cxn ang="0">
-                <a:pos x="connsiteX1" y="connsiteY1"/>
-              </a:cxn>
-              <a:cxn ang="0">
-                <a:pos x="connsiteX2" y="connsiteY2"/>
-              </a:cxn>
-              <a:cxn ang="0">
-                <a:pos x="connsiteX3" y="connsiteY3"/>
-              </a:cxn>
-              <a:cxn ang="0">
-                <a:pos x="connsiteX4" y="connsiteY4"/>
-              </a:cxn>
-              <a:cxn ang="0">
-                <a:pos x="connsiteX5" y="connsiteY5"/>
-              </a:cxn>
-              <a:cxn ang="0">
-                <a:pos x="connsiteX6" y="connsiteY6"/>
-              </a:cxn>
-              <a:cxn ang="0">
-                <a:pos x="connsiteX7" y="connsiteY7"/>
-              </a:cxn>
-              <a:cxn ang="0">
-                <a:pos x="connsiteX8" y="connsiteY8"/>
-              </a:cxn>
-              <a:cxn ang="0">
-                <a:pos x="connsiteX9" y="connsiteY9"/>
-              </a:cxn>
-              <a:cxn ang="0">
-                <a:pos x="connsiteX10" y="connsiteY10"/>
-              </a:cxn>
-              <a:cxn ang="0">
-                <a:pos x="connsiteX11" y="connsiteY11"/>
-              </a:cxn>
-              <a:cxn ang="0">
-                <a:pos x="connsiteX12" y="connsiteY12"/>
-              </a:cxn>
-              <a:cxn ang="0">
-                <a:pos x="connsiteX13" y="connsiteY13"/>
-              </a:cxn>
-              <a:cxn ang="0">
-                <a:pos x="connsiteX14" y="connsiteY14"/>
-              </a:cxn>
-              <a:cxn ang="0">
-                <a:pos x="connsiteX15" y="connsiteY15"/>
-              </a:cxn>
-              <a:cxn ang="0">
-                <a:pos x="connsiteX16" y="connsiteY16"/>
-              </a:cxn>
-              <a:cxn ang="0">
-                <a:pos x="connsiteX17" y="connsiteY17"/>
-              </a:cxn>
-              <a:cxn ang="0">
-                <a:pos x="connsiteX18" y="connsiteY18"/>
-              </a:cxn>
-              <a:cxn ang="0">
-                <a:pos x="connsiteX19" y="connsiteY19"/>
-              </a:cxn>
-              <a:cxn ang="0">
-                <a:pos x="connsiteX20" y="connsiteY20"/>
-              </a:cxn>
-              <a:cxn ang="0">
-                <a:pos x="connsiteX21" y="connsiteY21"/>
-              </a:cxn>
-              <a:cxn ang="0">
-                <a:pos x="connsiteX22" y="connsiteY22"/>
-              </a:cxn>
-              <a:cxn ang="0">
-                <a:pos x="connsiteX23" y="connsiteY23"/>
-              </a:cxn>
-              <a:cxn ang="0">
-                <a:pos x="connsiteX24" y="connsiteY24"/>
-              </a:cxn>
-              <a:cxn ang="0">
-                <a:pos x="connsiteX25" y="connsiteY25"/>
-              </a:cxn>
-              <a:cxn ang="0">
-                <a:pos x="connsiteX26" y="connsiteY26"/>
-              </a:cxn>
-              <a:cxn ang="0">
-                <a:pos x="connsiteX27" y="connsiteY27"/>
-              </a:cxn>
-              <a:cxn ang="0">
-                <a:pos x="connsiteX28" y="connsiteY28"/>
-              </a:cxn>
-              <a:cxn ang="0">
-                <a:pos x="connsiteX29" y="connsiteY29"/>
-              </a:cxn>
-              <a:cxn ang="0">
-                <a:pos x="connsiteX30" y="connsiteY30"/>
-              </a:cxn>
-              <a:cxn ang="0">
-                <a:pos x="connsiteX31" y="connsiteY31"/>
-              </a:cxn>
-              <a:cxn ang="0">
-                <a:pos x="connsiteX32" y="connsiteY32"/>
-              </a:cxn>
-              <a:cxn ang="0">
-                <a:pos x="connsiteX33" y="connsiteY33"/>
-              </a:cxn>
-              <a:cxn ang="0">
-                <a:pos x="connsiteX34" y="connsiteY34"/>
-              </a:cxn>
-              <a:cxn ang="0">
-                <a:pos x="connsiteX35" y="connsiteY35"/>
-              </a:cxn>
-              <a:cxn ang="0">
-                <a:pos x="connsiteX36" y="connsiteY36"/>
-              </a:cxn>
-              <a:cxn ang="0">
-                <a:pos x="connsiteX37" y="connsiteY37"/>
-              </a:cxn>
-              <a:cxn ang="0">
-                <a:pos x="connsiteX38" y="connsiteY38"/>
-              </a:cxn>
-              <a:cxn ang="0">
-                <a:pos x="connsiteX39" y="connsiteY39"/>
-              </a:cxn>
-              <a:cxn ang="0">
-                <a:pos x="connsiteX40" y="connsiteY40"/>
-              </a:cxn>
-              <a:cxn ang="0">
-                <a:pos x="connsiteX41" y="connsiteY41"/>
-              </a:cxn>
-              <a:cxn ang="0">
-                <a:pos x="connsiteX42" y="connsiteY42"/>
-              </a:cxn>
-              <a:cxn ang="0">
-                <a:pos x="connsiteX43" y="connsiteY43"/>
-              </a:cxn>
-              <a:cxn ang="0">
-                <a:pos x="connsiteX44" y="connsiteY44"/>
-              </a:cxn>
-              <a:cxn ang="0">
-                <a:pos x="connsiteX45" y="connsiteY45"/>
-              </a:cxn>
-              <a:cxn ang="0">
-                <a:pos x="connsiteX46" y="connsiteY46"/>
-              </a:cxn>
-              <a:cxn ang="0">
-                <a:pos x="connsiteX47" y="connsiteY47"/>
-              </a:cxn>
-              <a:cxn ang="0">
-                <a:pos x="connsiteX48" y="connsiteY48"/>
-              </a:cxn>
-              <a:cxn ang="0">
-                <a:pos x="connsiteX49" y="connsiteY49"/>
-              </a:cxn>
-              <a:cxn ang="0">
-                <a:pos x="connsiteX50" y="connsiteY50"/>
-              </a:cxn>
-              <a:cxn ang="0">
-                <a:pos x="connsiteX51" y="connsiteY51"/>
-              </a:cxn>
-              <a:cxn ang="0">
-                <a:pos x="connsiteX52" y="connsiteY52"/>
-              </a:cxn>
-              <a:cxn ang="0">
-                <a:pos x="connsiteX53" y="connsiteY53"/>
-              </a:cxn>
-              <a:cxn ang="0">
-                <a:pos x="connsiteX54" y="connsiteY54"/>
-              </a:cxn>
-              <a:cxn ang="0">
-                <a:pos x="connsiteX55" y="connsiteY55"/>
-              </a:cxn>
-              <a:cxn ang="0">
-                <a:pos x="connsiteX56" y="connsiteY56"/>
-              </a:cxn>
-              <a:cxn ang="0">
-                <a:pos x="connsiteX57" y="connsiteY57"/>
-              </a:cxn>
-              <a:cxn ang="0">
-                <a:pos x="connsiteX58" y="connsiteY58"/>
-              </a:cxn>
-              <a:cxn ang="0">
-                <a:pos x="connsiteX59" y="connsiteY59"/>
-              </a:cxn>
-              <a:cxn ang="0">
-                <a:pos x="connsiteX60" y="connsiteY60"/>
-              </a:cxn>
-              <a:cxn ang="0">
-                <a:pos x="connsiteX61" y="connsiteY61"/>
-              </a:cxn>
-              <a:cxn ang="0">
-                <a:pos x="connsiteX62" y="connsiteY62"/>
-              </a:cxn>
-              <a:cxn ang="0">
-                <a:pos x="connsiteX63" y="connsiteY63"/>
-              </a:cxn>
-            </a:cxnLst>
-            <a:rect l="l" t="t" r="r" b="b"/>
-            <a:pathLst>
-              <a:path w="198112" h="198123">
-                <a:moveTo>
-                  <a:pt x="169099" y="29014"/>
-                </a:moveTo>
-                <a:cubicBezTo>
-                  <a:pt x="150390" y="10305"/>
-                  <a:pt x="125516" y="0"/>
-                  <a:pt x="99056" y="0"/>
-                </a:cubicBezTo>
-                <a:lnTo>
-                  <a:pt x="99056" y="0"/>
-                </a:lnTo>
-                <a:cubicBezTo>
-                  <a:pt x="72596" y="0"/>
-                  <a:pt x="47722" y="10305"/>
-                  <a:pt x="29014" y="29014"/>
-                </a:cubicBezTo>
-                <a:cubicBezTo>
-                  <a:pt x="10294" y="47722"/>
-                  <a:pt x="0" y="72596"/>
-                  <a:pt x="0" y="99056"/>
-                </a:cubicBezTo>
-                <a:cubicBezTo>
-                  <a:pt x="0" y="125516"/>
-                  <a:pt x="10294" y="150390"/>
-                  <a:pt x="29014" y="169110"/>
-                </a:cubicBezTo>
-                <a:cubicBezTo>
-                  <a:pt x="47722" y="187819"/>
-                  <a:pt x="72596" y="198124"/>
-                  <a:pt x="99056" y="198124"/>
-                </a:cubicBezTo>
-                <a:cubicBezTo>
-                  <a:pt x="125516" y="198124"/>
-                  <a:pt x="150390" y="187819"/>
-                  <a:pt x="169099" y="169110"/>
-                </a:cubicBezTo>
-                <a:cubicBezTo>
-                  <a:pt x="187808" y="150390"/>
-                  <a:pt x="198113" y="125516"/>
-                  <a:pt x="198113" y="99056"/>
-                </a:cubicBezTo>
-                <a:cubicBezTo>
-                  <a:pt x="198113" y="72596"/>
-                  <a:pt x="187808" y="47722"/>
-                  <a:pt x="169099" y="29014"/>
-                </a:cubicBezTo>
-                <a:close/>
-                <a:moveTo>
-                  <a:pt x="175568" y="141356"/>
-                </a:moveTo>
-                <a:lnTo>
-                  <a:pt x="146576" y="141356"/>
-                </a:lnTo>
-                <a:cubicBezTo>
-                  <a:pt x="150469" y="129983"/>
-                  <a:pt x="152809" y="117653"/>
-                  <a:pt x="153349" y="104861"/>
-                </a:cubicBezTo>
-                <a:lnTo>
-                  <a:pt x="186311" y="104861"/>
-                </a:lnTo>
-                <a:cubicBezTo>
-                  <a:pt x="185445" y="118035"/>
-                  <a:pt x="181642" y="130410"/>
-                  <a:pt x="175568" y="141356"/>
-                </a:cubicBezTo>
-                <a:close/>
-                <a:moveTo>
-                  <a:pt x="99056" y="185648"/>
-                </a:moveTo>
-                <a:cubicBezTo>
-                  <a:pt x="86704" y="178301"/>
-                  <a:pt x="76455" y="166905"/>
-                  <a:pt x="69086" y="152966"/>
-                </a:cubicBezTo>
-                <a:lnTo>
-                  <a:pt x="129026" y="152966"/>
-                </a:lnTo>
-                <a:cubicBezTo>
-                  <a:pt x="121657" y="166905"/>
-                  <a:pt x="111409" y="178301"/>
-                  <a:pt x="99056" y="185648"/>
-                </a:cubicBezTo>
-                <a:close/>
-                <a:moveTo>
-                  <a:pt x="63832" y="141356"/>
-                </a:moveTo>
-                <a:cubicBezTo>
-                  <a:pt x="59569" y="130163"/>
-                  <a:pt x="56981" y="117799"/>
-                  <a:pt x="56385" y="104861"/>
-                </a:cubicBezTo>
-                <a:lnTo>
-                  <a:pt x="141727" y="104861"/>
-                </a:lnTo>
-                <a:cubicBezTo>
-                  <a:pt x="141131" y="117799"/>
-                  <a:pt x="138544" y="130163"/>
-                  <a:pt x="134269" y="141356"/>
-                </a:cubicBezTo>
-                <a:lnTo>
-                  <a:pt x="63832" y="141356"/>
-                </a:lnTo>
-                <a:close/>
-                <a:moveTo>
-                  <a:pt x="11801" y="104861"/>
-                </a:moveTo>
-                <a:lnTo>
-                  <a:pt x="44764" y="104861"/>
-                </a:lnTo>
-                <a:cubicBezTo>
-                  <a:pt x="45304" y="117653"/>
-                  <a:pt x="47644" y="129983"/>
-                  <a:pt x="51536" y="141356"/>
-                </a:cubicBezTo>
-                <a:lnTo>
-                  <a:pt x="22534" y="141356"/>
-                </a:lnTo>
-                <a:cubicBezTo>
-                  <a:pt x="16459" y="130410"/>
-                  <a:pt x="12667" y="118035"/>
-                  <a:pt x="11801" y="104861"/>
-                </a:cubicBezTo>
-                <a:close/>
-                <a:moveTo>
-                  <a:pt x="22534" y="56756"/>
-                </a:moveTo>
-                <a:lnTo>
-                  <a:pt x="51536" y="56756"/>
-                </a:lnTo>
-                <a:cubicBezTo>
-                  <a:pt x="47644" y="68141"/>
-                  <a:pt x="45304" y="80460"/>
-                  <a:pt x="44764" y="93251"/>
-                </a:cubicBezTo>
-                <a:lnTo>
-                  <a:pt x="11801" y="93251"/>
-                </a:lnTo>
-                <a:cubicBezTo>
-                  <a:pt x="12667" y="80089"/>
-                  <a:pt x="16459" y="67703"/>
-                  <a:pt x="22534" y="56756"/>
-                </a:cubicBezTo>
-                <a:close/>
-                <a:moveTo>
-                  <a:pt x="99056" y="12465"/>
-                </a:moveTo>
-                <a:cubicBezTo>
-                  <a:pt x="111409" y="19823"/>
-                  <a:pt x="121657" y="31219"/>
-                  <a:pt x="129026" y="45146"/>
-                </a:cubicBezTo>
-                <a:lnTo>
-                  <a:pt x="69086" y="45146"/>
-                </a:lnTo>
-                <a:cubicBezTo>
-                  <a:pt x="76455" y="31219"/>
-                  <a:pt x="86704" y="19823"/>
-                  <a:pt x="99056" y="12465"/>
-                </a:cubicBezTo>
-                <a:close/>
-                <a:moveTo>
-                  <a:pt x="134269" y="56756"/>
-                </a:moveTo>
-                <a:cubicBezTo>
-                  <a:pt x="138544" y="67961"/>
-                  <a:pt x="141131" y="80325"/>
-                  <a:pt x="141727" y="93251"/>
-                </a:cubicBezTo>
-                <a:lnTo>
-                  <a:pt x="56385" y="93251"/>
-                </a:lnTo>
-                <a:cubicBezTo>
-                  <a:pt x="56981" y="80325"/>
-                  <a:pt x="59569" y="67961"/>
-                  <a:pt x="63832" y="56756"/>
-                </a:cubicBezTo>
-                <a:lnTo>
-                  <a:pt x="134269" y="56756"/>
-                </a:lnTo>
-                <a:close/>
-                <a:moveTo>
-                  <a:pt x="186311" y="93251"/>
-                </a:moveTo>
-                <a:lnTo>
-                  <a:pt x="153349" y="93251"/>
-                </a:lnTo>
-                <a:cubicBezTo>
-                  <a:pt x="152809" y="80460"/>
-                  <a:pt x="150469" y="68141"/>
-                  <a:pt x="146576" y="56756"/>
-                </a:cubicBezTo>
-                <a:lnTo>
-                  <a:pt x="175568" y="56756"/>
-                </a:lnTo>
-                <a:cubicBezTo>
-                  <a:pt x="181642" y="67703"/>
-                  <a:pt x="185445" y="80089"/>
-                  <a:pt x="186311" y="93251"/>
-                </a:cubicBezTo>
-                <a:close/>
-                <a:moveTo>
-                  <a:pt x="141930" y="45146"/>
-                </a:moveTo>
-                <a:cubicBezTo>
-                  <a:pt x="136418" y="33233"/>
-                  <a:pt x="129071" y="22703"/>
-                  <a:pt x="120262" y="14209"/>
-                </a:cubicBezTo>
-                <a:cubicBezTo>
-                  <a:pt x="139388" y="19001"/>
-                  <a:pt x="156049" y="30094"/>
-                  <a:pt x="167873" y="45146"/>
-                </a:cubicBezTo>
-                <a:lnTo>
-                  <a:pt x="141930" y="45146"/>
-                </a:lnTo>
-                <a:close/>
-                <a:moveTo>
-                  <a:pt x="77850" y="14209"/>
-                </a:moveTo>
-                <a:cubicBezTo>
-                  <a:pt x="69041" y="22703"/>
-                  <a:pt x="61695" y="33233"/>
-                  <a:pt x="56183" y="45146"/>
-                </a:cubicBezTo>
-                <a:lnTo>
-                  <a:pt x="30240" y="45146"/>
-                </a:lnTo>
-                <a:cubicBezTo>
-                  <a:pt x="42064" y="30094"/>
-                  <a:pt x="58725" y="19001"/>
-                  <a:pt x="77850" y="14209"/>
-                </a:cubicBezTo>
-                <a:close/>
-                <a:moveTo>
-                  <a:pt x="56183" y="152966"/>
-                </a:moveTo>
-                <a:cubicBezTo>
-                  <a:pt x="61695" y="164880"/>
-                  <a:pt x="69041" y="175410"/>
-                  <a:pt x="77850" y="183904"/>
-                </a:cubicBezTo>
-                <a:cubicBezTo>
-                  <a:pt x="58725" y="179123"/>
-                  <a:pt x="42064" y="168030"/>
-                  <a:pt x="30240" y="152966"/>
-                </a:cubicBezTo>
-                <a:lnTo>
-                  <a:pt x="56183" y="152966"/>
-                </a:lnTo>
-                <a:close/>
-                <a:moveTo>
-                  <a:pt x="120262" y="183904"/>
-                </a:moveTo>
-                <a:cubicBezTo>
-                  <a:pt x="129071" y="175410"/>
-                  <a:pt x="136418" y="164880"/>
-                  <a:pt x="141930" y="152966"/>
-                </a:cubicBezTo>
-                <a:lnTo>
-                  <a:pt x="167873" y="152966"/>
-                </a:lnTo>
-                <a:cubicBezTo>
-                  <a:pt x="156049" y="168030"/>
-                  <a:pt x="139388" y="179123"/>
-                  <a:pt x="120262" y="183904"/>
-                </a:cubicBezTo>
-                <a:close/>
-              </a:path>
-            </a:pathLst>
-          </a:custGeom>
-          <a:solidFill>
-            <a:srgbClr val="FFFFFF"/>
-          </a:solidFill>
-          <a:ln w="1124" cap="flat">
-            <a:noFill/>
-            <a:prstDash val="solid"/>
-            <a:miter/>
-          </a:ln>
-        </p:spPr>
-        <p:txBody>
-          <a:bodyPr rtlCol="0" anchor="ctr"/>
-          <a:lstStyle/>
-          <a:p>
-            <a:pPr marL="0" marR="0" lvl="0" indent="0" algn="l" defTabSz="914400" rtl="0" eaLnBrk="1" fontAlgn="auto" latinLnBrk="0" hangingPunct="1">
-              <a:lnSpc>
-                <a:spcPct val="100000"/>
-              </a:lnSpc>
-              <a:spcBef>
-                <a:spcPts val="0"/>
-              </a:spcBef>
-              <a:spcAft>
-                <a:spcPts val="0"/>
-              </a:spcAft>
-              <a:buClrTx/>
-              <a:buSzTx/>
-              <a:buFontTx/>
-              <a:buNone/>
-              <a:tabLst/>
-              <a:defRPr/>
-            </a:pPr>
-            <a:endParaRPr kumimoji="0" lang="pt-BR" sz="1800" b="0" i="0" u="none" strike="noStrike" kern="1200" cap="none" spc="0" normalizeH="0" baseline="0" noProof="0">
-              <a:ln>
-                <a:noFill/>
-              </a:ln>
-              <a:solidFill>
-                <a:prstClr val="black"/>
-              </a:solidFill>
-              <a:effectLst/>
-              <a:uLnTx/>
-              <a:uFillTx/>
-              <a:latin typeface="Calibri" panose="020F0502020204030204"/>
-              <a:ea typeface="+mn-ea"/>
-              <a:cs typeface="+mn-cs"/>
-            </a:endParaRPr>
-          </a:p>
-        </p:txBody>
-      </p:sp>
       <p:pic>
         <p:nvPicPr>
           <p:cNvPr id="37" name="Imagem 36" descr="Logotipo, Ícone&#10;&#10;Descrição gerada automaticamente">
             <a:extLst>
               <a:ext uri="{FF2B5EF4-FFF2-40B4-BE49-F238E27FC236}">
-                <a16:creationId xmlns:a16="http://schemas.microsoft.com/office/drawing/2014/main" id="{29212A7D-7605-415C-97BD-C3955F4ECF4A}"/>
+                <a16:creationId xmlns:a16="http://schemas.microsoft.com/office/drawing/2014/main" xmlns="" id="{29212A7D-7605-415C-97BD-C3955F4ECF4A}"/>
               </a:ext>
             </a:extLst>
           </p:cNvPr>
@@ -11459,7 +13484,7 @@
           <p:nvPr/>
         </p:nvPicPr>
         <p:blipFill>
-          <a:blip r:embed="rId4">
+          <a:blip r:embed="rId4" cstate="print">
             <a:extLst>
               <a:ext uri="{28A0092B-C50C-407E-A947-70E740481C1C}">
                 <a14:useLocalDpi xmlns:a14="http://schemas.microsoft.com/office/drawing/2010/main" val="0"/>
@@ -11472,8 +13497,8 @@
         </p:blipFill>
         <p:spPr>
           <a:xfrm>
-            <a:off x="7040111" y="4517187"/>
-            <a:ext cx="1080000" cy="1080000"/>
+            <a:off x="9457982" y="4705295"/>
+            <a:ext cx="741849" cy="741849"/>
           </a:xfrm>
           <a:prstGeom prst="rect">
             <a:avLst/>
@@ -11485,7 +13510,7 @@
           <p:cNvPr id="7" name="CaixaDeTexto 6">
             <a:extLst>
               <a:ext uri="{FF2B5EF4-FFF2-40B4-BE49-F238E27FC236}">
-                <a16:creationId xmlns:a16="http://schemas.microsoft.com/office/drawing/2014/main" id="{6A9C6EE7-5C42-4BCF-9C8F-BB4A1FD927DA}"/>
+                <a16:creationId xmlns:a16="http://schemas.microsoft.com/office/drawing/2014/main" xmlns="" id="{6A9C6EE7-5C42-4BCF-9C8F-BB4A1FD927DA}"/>
               </a:ext>
             </a:extLst>
           </p:cNvPr>
@@ -11494,7 +13519,7 @@
         </p:nvSpPr>
         <p:spPr>
           <a:xfrm>
-            <a:off x="3265713" y="541176"/>
+            <a:off x="1832454" y="541175"/>
             <a:ext cx="5747657" cy="646331"/>
           </a:xfrm>
           <a:prstGeom prst="rect">
@@ -11536,6 +13561,13 @@
   <p:clrMapOvr>
     <a:masterClrMapping/>
   </p:clrMapOvr>
+  <p:timing>
+    <p:tnLst>
+      <p:par>
+        <p:cTn id="1" dur="indefinite" restart="never" nodeType="tmRoot"/>
+      </p:par>
+    </p:tnLst>
+  </p:timing>
 </p:sld>
 </file>
 
@@ -11582,7 +13614,7 @@
     </a:clrScheme>
     <a:fontScheme name="Office">
       <a:majorFont>
-        <a:latin typeface="Calibri Light" panose="020F0302020204030204"/>
+        <a:latin typeface="Calibri Light"/>
         <a:ea typeface=""/>
         <a:cs typeface=""/>
         <a:font script="Jpan" typeface="游ゴシック Light"/>
@@ -11634,7 +13666,7 @@
         <a:font script="Tfng" typeface="Ebrima"/>
       </a:majorFont>
       <a:minorFont>
-        <a:latin typeface="Calibri" panose="020F0502020204030204"/>
+        <a:latin typeface="Calibri"/>
         <a:ea typeface=""/>
         <a:cs typeface=""/>
         <a:font script="Jpan" typeface="游ゴシック"/>
@@ -11828,7 +13860,7 @@
   <a:extraClrSchemeLst/>
   <a:extLst>
     <a:ext uri="{05A4C25C-085E-4340-85A3-A5531E510DB2}">
-      <thm15:themeFamily xmlns:thm15="http://schemas.microsoft.com/office/thememl/2012/main" name="Office Theme" id="{62F939B6-93AF-4DB8-9C6B-D6C7DFDC589F}" vid="{4A3C46E8-61CC-4603-A589-7422A47A8E4A}"/>
+      <thm15:themeFamily xmlns:thm15="http://schemas.microsoft.com/office/thememl/2012/main" xmlns="" name="Office Theme" id="{62F939B6-93AF-4DB8-9C6B-D6C7DFDC589F}" vid="{4A3C46E8-61CC-4603-A589-7422A47A8E4A}"/>
     </a:ext>
   </a:extLst>
 </a:theme>
